--- a/Presentazioni/Algoritmi genetici.pptx
+++ b/Presentazioni/Algoritmi genetici.pptx
@@ -6,7 +6,7 @@
     <p:sldMasterId id="2147483660" r:id="rId2"/>
   </p:sldMasterIdLst>
   <p:notesMasterIdLst>
-    <p:notesMasterId r:id="rId43"/>
+    <p:notesMasterId r:id="rId47"/>
   </p:notesMasterIdLst>
   <p:sldIdLst>
     <p:sldId id="256" r:id="rId3"/>
@@ -33,22 +33,26 @@
     <p:sldId id="288" r:id="rId24"/>
     <p:sldId id="268" r:id="rId25"/>
     <p:sldId id="273" r:id="rId26"/>
-    <p:sldId id="274" r:id="rId27"/>
-    <p:sldId id="275" r:id="rId28"/>
+    <p:sldId id="275" r:id="rId27"/>
+    <p:sldId id="274" r:id="rId28"/>
     <p:sldId id="276" r:id="rId29"/>
     <p:sldId id="289" r:id="rId30"/>
     <p:sldId id="290" r:id="rId31"/>
     <p:sldId id="291" r:id="rId32"/>
     <p:sldId id="294" r:id="rId33"/>
-    <p:sldId id="295" r:id="rId34"/>
-    <p:sldId id="296" r:id="rId35"/>
-    <p:sldId id="293" r:id="rId36"/>
-    <p:sldId id="299" r:id="rId37"/>
-    <p:sldId id="300" r:id="rId38"/>
-    <p:sldId id="301" r:id="rId39"/>
-    <p:sldId id="260" r:id="rId40"/>
-    <p:sldId id="302" r:id="rId41"/>
+    <p:sldId id="303" r:id="rId34"/>
+    <p:sldId id="295" r:id="rId35"/>
+    <p:sldId id="296" r:id="rId36"/>
+    <p:sldId id="293" r:id="rId37"/>
+    <p:sldId id="299" r:id="rId38"/>
+    <p:sldId id="300" r:id="rId39"/>
+    <p:sldId id="301" r:id="rId40"/>
+    <p:sldId id="260" r:id="rId41"/>
     <p:sldId id="258" r:id="rId42"/>
+    <p:sldId id="302" r:id="rId43"/>
+    <p:sldId id="304" r:id="rId44"/>
+    <p:sldId id="305" r:id="rId45"/>
+    <p:sldId id="306" r:id="rId46"/>
   </p:sldIdLst>
   <p:sldSz cx="12192000" cy="6858000"/>
   <p:notesSz cx="6858000" cy="9144000"/>
@@ -192,8 +196,8 @@
             <p14:sldId id="288"/>
             <p14:sldId id="268"/>
             <p14:sldId id="273"/>
+            <p14:sldId id="275"/>
             <p14:sldId id="274"/>
-            <p14:sldId id="275"/>
             <p14:sldId id="276"/>
             <p14:sldId id="289"/>
           </p14:sldIdLst>
@@ -203,6 +207,7 @@
             <p14:sldId id="290"/>
             <p14:sldId id="291"/>
             <p14:sldId id="294"/>
+            <p14:sldId id="303"/>
             <p14:sldId id="295"/>
             <p14:sldId id="296"/>
             <p14:sldId id="293"/>
@@ -214,13 +219,15 @@
           <p14:sldIdLst>
             <p14:sldId id="301"/>
             <p14:sldId id="260"/>
+            <p14:sldId id="258"/>
             <p14:sldId id="302"/>
+            <p14:sldId id="304"/>
+            <p14:sldId id="305"/>
+            <p14:sldId id="306"/>
           </p14:sldIdLst>
         </p14:section>
         <p14:section name="Varie" id="{B897E997-327A-41C4-9B8E-2D2E3E7C4715}">
-          <p14:sldIdLst>
-            <p14:sldId id="258"/>
-          </p14:sldIdLst>
+          <p14:sldIdLst/>
         </p14:section>
       </p14:sectionLst>
     </p:ext>
@@ -1186,7 +1193,7 @@
           <a:p>
             <a:fld id="{E8C18EB1-1395-440F-8F45-FF7855588E00}" type="datetimeFigureOut">
               <a:rPr lang="it-IT" smtClean="0"/>
-              <a:t>12/05/2018</a:t>
+              <a:t>03/06/2018</a:t>
             </a:fld>
             <a:endParaRPr lang="it-IT"/>
           </a:p>
@@ -2272,7 +2279,7 @@
           <a:p>
             <a:fld id="{CF17ABF3-D650-458B-B889-FD94F4F2E5BA}" type="datetimeFigureOut">
               <a:rPr lang="it-IT" smtClean="0"/>
-              <a:t>12/05/2018</a:t>
+              <a:t>03/06/2018</a:t>
             </a:fld>
             <a:endParaRPr lang="it-IT"/>
           </a:p>
@@ -2470,7 +2477,7 @@
           <a:p>
             <a:fld id="{CF17ABF3-D650-458B-B889-FD94F4F2E5BA}" type="datetimeFigureOut">
               <a:rPr lang="it-IT" smtClean="0"/>
-              <a:t>12/05/2018</a:t>
+              <a:t>03/06/2018</a:t>
             </a:fld>
             <a:endParaRPr lang="it-IT"/>
           </a:p>
@@ -2678,7 +2685,7 @@
           <a:p>
             <a:fld id="{CF17ABF3-D650-458B-B889-FD94F4F2E5BA}" type="datetimeFigureOut">
               <a:rPr lang="it-IT" smtClean="0"/>
-              <a:t>12/05/2018</a:t>
+              <a:t>03/06/2018</a:t>
             </a:fld>
             <a:endParaRPr lang="it-IT"/>
           </a:p>
@@ -2912,7 +2919,7 @@
           <a:p>
             <a:fld id="{41A8A3C6-44C6-4792-BCC2-709277E2DAA9}" type="datetimeFigureOut">
               <a:rPr lang="it-IT" smtClean="0"/>
-              <a:t>12/05/2018</a:t>
+              <a:t>03/06/2018</a:t>
             </a:fld>
             <a:endParaRPr lang="it-IT"/>
           </a:p>
@@ -3150,7 +3157,7 @@
           <a:p>
             <a:fld id="{41A8A3C6-44C6-4792-BCC2-709277E2DAA9}" type="datetimeFigureOut">
               <a:rPr lang="it-IT" smtClean="0"/>
-              <a:t>12/05/2018</a:t>
+              <a:t>03/06/2018</a:t>
             </a:fld>
             <a:endParaRPr lang="it-IT"/>
           </a:p>
@@ -3455,7 +3462,7 @@
           <a:p>
             <a:fld id="{41A8A3C6-44C6-4792-BCC2-709277E2DAA9}" type="datetimeFigureOut">
               <a:rPr lang="it-IT" smtClean="0"/>
-              <a:t>12/05/2018</a:t>
+              <a:t>03/06/2018</a:t>
             </a:fld>
             <a:endParaRPr lang="it-IT"/>
           </a:p>
@@ -3758,7 +3765,7 @@
           <a:p>
             <a:fld id="{41A8A3C6-44C6-4792-BCC2-709277E2DAA9}" type="datetimeFigureOut">
               <a:rPr lang="it-IT" smtClean="0"/>
-              <a:t>12/05/2018</a:t>
+              <a:t>03/06/2018</a:t>
             </a:fld>
             <a:endParaRPr lang="it-IT"/>
           </a:p>
@@ -4209,7 +4216,7 @@
           <a:p>
             <a:fld id="{41A8A3C6-44C6-4792-BCC2-709277E2DAA9}" type="datetimeFigureOut">
               <a:rPr lang="it-IT" smtClean="0"/>
-              <a:t>12/05/2018</a:t>
+              <a:t>03/06/2018</a:t>
             </a:fld>
             <a:endParaRPr lang="it-IT"/>
           </a:p>
@@ -4382,7 +4389,7 @@
           <a:p>
             <a:fld id="{41A8A3C6-44C6-4792-BCC2-709277E2DAA9}" type="datetimeFigureOut">
               <a:rPr lang="it-IT" smtClean="0"/>
-              <a:t>12/05/2018</a:t>
+              <a:t>03/06/2018</a:t>
             </a:fld>
             <a:endParaRPr lang="it-IT"/>
           </a:p>
@@ -4519,7 +4526,7 @@
           <a:p>
             <a:fld id="{41A8A3C6-44C6-4792-BCC2-709277E2DAA9}" type="datetimeFigureOut">
               <a:rPr lang="it-IT" smtClean="0"/>
-              <a:t>12/05/2018</a:t>
+              <a:t>03/06/2018</a:t>
             </a:fld>
             <a:endParaRPr lang="it-IT"/>
           </a:p>
@@ -4863,7 +4870,7 @@
           <a:p>
             <a:fld id="{41A8A3C6-44C6-4792-BCC2-709277E2DAA9}" type="datetimeFigureOut">
               <a:rPr lang="it-IT" smtClean="0"/>
-              <a:t>12/05/2018</a:t>
+              <a:t>03/06/2018</a:t>
             </a:fld>
             <a:endParaRPr lang="it-IT"/>
           </a:p>
@@ -5077,7 +5084,7 @@
           <a:p>
             <a:fld id="{CF17ABF3-D650-458B-B889-FD94F4F2E5BA}" type="datetimeFigureOut">
               <a:rPr lang="it-IT" smtClean="0"/>
-              <a:t>12/05/2018</a:t>
+              <a:t>03/06/2018</a:t>
             </a:fld>
             <a:endParaRPr lang="it-IT"/>
           </a:p>
@@ -5382,7 +5389,7 @@
           <a:p>
             <a:fld id="{41A8A3C6-44C6-4792-BCC2-709277E2DAA9}" type="datetimeFigureOut">
               <a:rPr lang="it-IT" smtClean="0"/>
-              <a:t>12/05/2018</a:t>
+              <a:t>03/06/2018</a:t>
             </a:fld>
             <a:endParaRPr lang="it-IT"/>
           </a:p>
@@ -5620,7 +5627,7 @@
           <a:p>
             <a:fld id="{41A8A3C6-44C6-4792-BCC2-709277E2DAA9}" type="datetimeFigureOut">
               <a:rPr lang="it-IT" smtClean="0"/>
-              <a:t>12/05/2018</a:t>
+              <a:t>03/06/2018</a:t>
             </a:fld>
             <a:endParaRPr lang="it-IT"/>
           </a:p>
@@ -5858,7 +5865,7 @@
           <a:p>
             <a:fld id="{41A8A3C6-44C6-4792-BCC2-709277E2DAA9}" type="datetimeFigureOut">
               <a:rPr lang="it-IT" smtClean="0"/>
-              <a:t>12/05/2018</a:t>
+              <a:t>03/06/2018</a:t>
             </a:fld>
             <a:endParaRPr lang="it-IT"/>
           </a:p>
@@ -6149,7 +6156,7 @@
           <a:p>
             <a:fld id="{CF17ABF3-D650-458B-B889-FD94F4F2E5BA}" type="datetimeFigureOut">
               <a:rPr lang="it-IT" smtClean="0"/>
-              <a:t>12/05/2018</a:t>
+              <a:t>03/06/2018</a:t>
             </a:fld>
             <a:endParaRPr lang="it-IT"/>
           </a:p>
@@ -6414,7 +6421,7 @@
           <a:p>
             <a:fld id="{CF17ABF3-D650-458B-B889-FD94F4F2E5BA}" type="datetimeFigureOut">
               <a:rPr lang="it-IT" smtClean="0"/>
-              <a:t>12/05/2018</a:t>
+              <a:t>03/06/2018</a:t>
             </a:fld>
             <a:endParaRPr lang="it-IT"/>
           </a:p>
@@ -6826,7 +6833,7 @@
           <a:p>
             <a:fld id="{CF17ABF3-D650-458B-B889-FD94F4F2E5BA}" type="datetimeFigureOut">
               <a:rPr lang="it-IT" smtClean="0"/>
-              <a:t>12/05/2018</a:t>
+              <a:t>03/06/2018</a:t>
             </a:fld>
             <a:endParaRPr lang="it-IT"/>
           </a:p>
@@ -6967,7 +6974,7 @@
           <a:p>
             <a:fld id="{CF17ABF3-D650-458B-B889-FD94F4F2E5BA}" type="datetimeFigureOut">
               <a:rPr lang="it-IT" smtClean="0"/>
-              <a:t>12/05/2018</a:t>
+              <a:t>03/06/2018</a:t>
             </a:fld>
             <a:endParaRPr lang="it-IT"/>
           </a:p>
@@ -7080,7 +7087,7 @@
           <a:p>
             <a:fld id="{CF17ABF3-D650-458B-B889-FD94F4F2E5BA}" type="datetimeFigureOut">
               <a:rPr lang="it-IT" smtClean="0"/>
-              <a:t>12/05/2018</a:t>
+              <a:t>03/06/2018</a:t>
             </a:fld>
             <a:endParaRPr lang="it-IT"/>
           </a:p>
@@ -7391,7 +7398,7 @@
           <a:p>
             <a:fld id="{CF17ABF3-D650-458B-B889-FD94F4F2E5BA}" type="datetimeFigureOut">
               <a:rPr lang="it-IT" smtClean="0"/>
-              <a:t>12/05/2018</a:t>
+              <a:t>03/06/2018</a:t>
             </a:fld>
             <a:endParaRPr lang="it-IT"/>
           </a:p>
@@ -7679,7 +7686,7 @@
           <a:p>
             <a:fld id="{CF17ABF3-D650-458B-B889-FD94F4F2E5BA}" type="datetimeFigureOut">
               <a:rPr lang="it-IT" smtClean="0"/>
-              <a:t>12/05/2018</a:t>
+              <a:t>03/06/2018</a:t>
             </a:fld>
             <a:endParaRPr lang="it-IT"/>
           </a:p>
@@ -7920,7 +7927,7 @@
           <a:p>
             <a:fld id="{CF17ABF3-D650-458B-B889-FD94F4F2E5BA}" type="datetimeFigureOut">
               <a:rPr lang="it-IT" smtClean="0"/>
-              <a:t>12/05/2018</a:t>
+              <a:t>03/06/2018</a:t>
             </a:fld>
             <a:endParaRPr lang="it-IT"/>
           </a:p>
@@ -8663,7 +8670,7 @@
 </file>
 
 <file path=ppt/slides/slide1.xml><?xml version="1.0" encoding="utf-8"?>
-<p:sld xmlns:a="http://schemas.openxmlformats.org/drawingml/2006/main" xmlns:r="http://schemas.openxmlformats.org/officeDocument/2006/relationships" xmlns:p="http://schemas.openxmlformats.org/presentationml/2006/main">
+<p:sld xmlns:a="http://schemas.openxmlformats.org/drawingml/2006/main" xmlns:r="http://schemas.openxmlformats.org/officeDocument/2006/relationships" xmlns:p="http://schemas.openxmlformats.org/presentationml/2006/main" show="0">
   <p:cSld>
     <p:spTree>
       <p:nvGrpSpPr>
@@ -16370,7 +16377,7 @@
 </file>
 
 <file path=ppt/slides/slide13.xml><?xml version="1.0" encoding="utf-8"?>
-<p:sld xmlns:a="http://schemas.openxmlformats.org/drawingml/2006/main" xmlns:r="http://schemas.openxmlformats.org/officeDocument/2006/relationships" xmlns:p="http://schemas.openxmlformats.org/presentationml/2006/main">
+<p:sld xmlns:a="http://schemas.openxmlformats.org/drawingml/2006/main" xmlns:r="http://schemas.openxmlformats.org/officeDocument/2006/relationships" xmlns:p="http://schemas.openxmlformats.org/presentationml/2006/main" show="0">
   <p:cSld>
     <p:spTree>
       <p:nvGrpSpPr>
@@ -16799,7 +16806,9 @@
           </a:custGeom>
           <a:ln w="38100" cap="flat">
             <a:solidFill>
-              <a:srgbClr val="00B050"/>
+              <a:schemeClr val="bg1">
+                <a:lumMod val="50000"/>
+              </a:schemeClr>
             </a:solidFill>
           </a:ln>
         </p:spPr>
@@ -19106,7 +19115,7 @@
 </file>
 
 <file path=ppt/slides/slide16.xml><?xml version="1.0" encoding="utf-8"?>
-<p:sld xmlns:a="http://schemas.openxmlformats.org/drawingml/2006/main" xmlns:r="http://schemas.openxmlformats.org/officeDocument/2006/relationships" xmlns:p="http://schemas.openxmlformats.org/presentationml/2006/main">
+<p:sld xmlns:a="http://schemas.openxmlformats.org/drawingml/2006/main" xmlns:r="http://schemas.openxmlformats.org/officeDocument/2006/relationships" xmlns:p="http://schemas.openxmlformats.org/presentationml/2006/main" show="0">
   <p:cSld>
     <p:spTree>
       <p:nvGrpSpPr>
@@ -24393,7 +24402,7 @@
 </file>
 
 <file path=ppt/slides/slide25.xml><?xml version="1.0" encoding="utf-8"?>
-<p:sld xmlns:a="http://schemas.openxmlformats.org/drawingml/2006/main" xmlns:r="http://schemas.openxmlformats.org/officeDocument/2006/relationships" xmlns:p="http://schemas.openxmlformats.org/presentationml/2006/main">
+<p:sld xmlns:a="http://schemas.openxmlformats.org/drawingml/2006/main" xmlns:r="http://schemas.openxmlformats.org/officeDocument/2006/relationships" xmlns:p="http://schemas.openxmlformats.org/presentationml/2006/main" show="0">
   <p:cSld>
     <p:spTree>
       <p:nvGrpSpPr>
@@ -24423,8 +24432,8 @@
         </p:nvSpPr>
         <p:spPr>
           <a:xfrm>
-            <a:off x="1075096" y="1019908"/>
-            <a:ext cx="3536546" cy="1107996"/>
+            <a:off x="1531791" y="872462"/>
+            <a:ext cx="3371436" cy="1200329"/>
           </a:xfrm>
           <a:prstGeom prst="rect">
             <a:avLst/>
@@ -24438,8 +24447,9 @@
           <a:lstStyle/>
           <a:p>
             <a:r>
-              <a:rPr lang="it-IT" sz="6600">
-                <a:latin typeface="Oswald Light" panose="00000400000000000000" pitchFamily="2" charset="0"/>
+              <a:rPr lang="it-IT" sz="7200">
+                <a:latin typeface="Amatic SC" panose="00000500000000000000" pitchFamily="2" charset="-79"/>
+                <a:cs typeface="Amatic SC" panose="00000500000000000000" pitchFamily="2" charset="-79"/>
               </a:rPr>
               <a:t>Definisco la</a:t>
             </a:r>
@@ -24460,8 +24470,8 @@
         </p:nvSpPr>
         <p:spPr>
           <a:xfrm>
-            <a:off x="1886477" y="1860806"/>
-            <a:ext cx="7027886" cy="1200329"/>
+            <a:off x="1550960" y="1657167"/>
+            <a:ext cx="6583854" cy="1446550"/>
           </a:xfrm>
           <a:prstGeom prst="rect">
             <a:avLst/>
@@ -24475,11 +24485,8 @@
           <a:lstStyle/>
           <a:p>
             <a:r>
-              <a:rPr lang="it-IT" sz="7200">
-                <a:solidFill>
-                  <a:srgbClr val="00B050"/>
-                </a:solidFill>
-                <a:latin typeface="Oswald SemiBold" panose="00000700000000000000" pitchFamily="2" charset="0"/>
+              <a:rPr lang="it-IT" sz="8800" b="1">
+                <a:latin typeface="Amatic SC" panose="00000500000000000000" pitchFamily="2" charset="-79"/>
                 <a:cs typeface="Amatic SC" panose="00000500000000000000" pitchFamily="2" charset="-79"/>
               </a:rPr>
               <a:t>Funzione di fitness</a:t>
@@ -24749,7 +24756,7 @@
     </p:spTree>
     <p:extLst>
       <p:ext uri="{BB962C8B-B14F-4D97-AF65-F5344CB8AC3E}">
-        <p14:creationId xmlns:p14="http://schemas.microsoft.com/office/powerpoint/2010/main" val="3634212792"/>
+        <p14:creationId xmlns:p14="http://schemas.microsoft.com/office/powerpoint/2010/main" val="1534704376"/>
       </p:ext>
     </p:extLst>
   </p:cSld>
@@ -24790,8 +24797,8 @@
         </p:nvSpPr>
         <p:spPr>
           <a:xfrm>
-            <a:off x="1531791" y="872462"/>
-            <a:ext cx="3371436" cy="1200329"/>
+            <a:off x="1075096" y="1019908"/>
+            <a:ext cx="3536546" cy="1107996"/>
           </a:xfrm>
           <a:prstGeom prst="rect">
             <a:avLst/>
@@ -24805,9 +24812,8 @@
           <a:lstStyle/>
           <a:p>
             <a:r>
-              <a:rPr lang="it-IT" sz="7200">
-                <a:latin typeface="Amatic SC" panose="00000500000000000000" pitchFamily="2" charset="-79"/>
-                <a:cs typeface="Amatic SC" panose="00000500000000000000" pitchFamily="2" charset="-79"/>
+              <a:rPr lang="it-IT" sz="6600">
+                <a:latin typeface="Oswald Light" panose="00000400000000000000" pitchFamily="2" charset="0"/>
               </a:rPr>
               <a:t>Definisco la</a:t>
             </a:r>
@@ -24828,8 +24834,8 @@
         </p:nvSpPr>
         <p:spPr>
           <a:xfrm>
-            <a:off x="1550960" y="1657167"/>
-            <a:ext cx="6583854" cy="1446550"/>
+            <a:off x="1886477" y="1860806"/>
+            <a:ext cx="7027886" cy="1200329"/>
           </a:xfrm>
           <a:prstGeom prst="rect">
             <a:avLst/>
@@ -24843,8 +24849,8 @@
           <a:lstStyle/>
           <a:p>
             <a:r>
-              <a:rPr lang="it-IT" sz="8800" b="1">
-                <a:latin typeface="Amatic SC" panose="00000500000000000000" pitchFamily="2" charset="-79"/>
+              <a:rPr lang="it-IT" sz="7200">
+                <a:latin typeface="Oswald SemiBold" panose="00000700000000000000" pitchFamily="2" charset="0"/>
                 <a:cs typeface="Amatic SC" panose="00000500000000000000" pitchFamily="2" charset="-79"/>
               </a:rPr>
               <a:t>Funzione di fitness</a:t>
@@ -25114,7 +25120,7 @@
     </p:spTree>
     <p:extLst>
       <p:ext uri="{BB962C8B-B14F-4D97-AF65-F5344CB8AC3E}">
-        <p14:creationId xmlns:p14="http://schemas.microsoft.com/office/powerpoint/2010/main" val="1534704376"/>
+        <p14:creationId xmlns:p14="http://schemas.microsoft.com/office/powerpoint/2010/main" val="3634212792"/>
       </p:ext>
     </p:extLst>
   </p:cSld>
@@ -25208,9 +25214,6 @@
           <a:p>
             <a:r>
               <a:rPr lang="it-IT" sz="7200">
-                <a:solidFill>
-                  <a:srgbClr val="00B050"/>
-                </a:solidFill>
                 <a:latin typeface="Oswald SemiBold" panose="00000700000000000000" pitchFamily="2" charset="0"/>
                 <a:cs typeface="Amatic SC" panose="00000500000000000000" pitchFamily="2" charset="-79"/>
               </a:rPr>
@@ -25965,7 +25968,7 @@
 </file>
 
 <file path=ppt/slides/slide3.xml><?xml version="1.0" encoding="utf-8"?>
-<p:sld xmlns:a="http://schemas.openxmlformats.org/drawingml/2006/main" xmlns:r="http://schemas.openxmlformats.org/officeDocument/2006/relationships" xmlns:p="http://schemas.openxmlformats.org/presentationml/2006/main">
+<p:sld xmlns:a="http://schemas.openxmlformats.org/drawingml/2006/main" xmlns:r="http://schemas.openxmlformats.org/officeDocument/2006/relationships" xmlns:p="http://schemas.openxmlformats.org/presentationml/2006/main" show="0">
   <p:cSld>
     <p:spTree>
       <p:nvGrpSpPr>
@@ -28133,6 +28136,834 @@
           <a:chExt cx="0" cy="0"/>
         </a:xfrm>
       </p:grpSpPr>
+      <p:sp>
+        <p:nvSpPr>
+          <p:cNvPr id="2" name="Ovale 1">
+            <a:extLst>
+              <a:ext uri="{FF2B5EF4-FFF2-40B4-BE49-F238E27FC236}">
+                <a16:creationId xmlns:a16="http://schemas.microsoft.com/office/drawing/2014/main" id="{AA3296BA-4A91-493E-AC45-4EB47E4E1946}"/>
+              </a:ext>
+            </a:extLst>
+          </p:cNvPr>
+          <p:cNvSpPr/>
+          <p:nvPr/>
+        </p:nvSpPr>
+        <p:spPr>
+          <a:xfrm>
+            <a:off x="7816362" y="4202723"/>
+            <a:ext cx="4018084" cy="2329961"/>
+          </a:xfrm>
+          <a:prstGeom prst="ellipse">
+            <a:avLst/>
+          </a:prstGeom>
+          <a:noFill/>
+          <a:ln w="38100">
+            <a:solidFill>
+              <a:schemeClr val="tx1"/>
+            </a:solidFill>
+          </a:ln>
+        </p:spPr>
+        <p:style>
+          <a:lnRef idx="2">
+            <a:schemeClr val="accent1">
+              <a:shade val="50000"/>
+            </a:schemeClr>
+          </a:lnRef>
+          <a:fillRef idx="1">
+            <a:schemeClr val="accent1"/>
+          </a:fillRef>
+          <a:effectRef idx="0">
+            <a:schemeClr val="accent1"/>
+          </a:effectRef>
+          <a:fontRef idx="minor">
+            <a:schemeClr val="lt1"/>
+          </a:fontRef>
+        </p:style>
+        <p:txBody>
+          <a:bodyPr rtlCol="0" anchor="ctr"/>
+          <a:lstStyle/>
+          <a:p>
+            <a:pPr algn="ctr"/>
+            <a:endParaRPr lang="it-IT"/>
+          </a:p>
+        </p:txBody>
+      </p:sp>
+      <p:sp>
+        <p:nvSpPr>
+          <p:cNvPr id="3" name="Ovale 2">
+            <a:extLst>
+              <a:ext uri="{FF2B5EF4-FFF2-40B4-BE49-F238E27FC236}">
+                <a16:creationId xmlns:a16="http://schemas.microsoft.com/office/drawing/2014/main" id="{2127D1CA-A450-46BE-BA1C-A440F65B03BA}"/>
+              </a:ext>
+            </a:extLst>
+          </p:cNvPr>
+          <p:cNvSpPr/>
+          <p:nvPr/>
+        </p:nvSpPr>
+        <p:spPr>
+          <a:xfrm>
+            <a:off x="556847" y="451339"/>
+            <a:ext cx="4018084" cy="2329961"/>
+          </a:xfrm>
+          <a:prstGeom prst="ellipse">
+            <a:avLst/>
+          </a:prstGeom>
+          <a:noFill/>
+          <a:ln w="38100">
+            <a:solidFill>
+              <a:schemeClr val="tx1"/>
+            </a:solidFill>
+          </a:ln>
+        </p:spPr>
+        <p:style>
+          <a:lnRef idx="2">
+            <a:schemeClr val="accent1">
+              <a:shade val="50000"/>
+            </a:schemeClr>
+          </a:lnRef>
+          <a:fillRef idx="1">
+            <a:schemeClr val="accent1"/>
+          </a:fillRef>
+          <a:effectRef idx="0">
+            <a:schemeClr val="accent1"/>
+          </a:effectRef>
+          <a:fontRef idx="minor">
+            <a:schemeClr val="lt1"/>
+          </a:fontRef>
+        </p:style>
+        <p:txBody>
+          <a:bodyPr rtlCol="0" anchor="ctr"/>
+          <a:lstStyle/>
+          <a:p>
+            <a:pPr algn="ctr"/>
+            <a:endParaRPr lang="it-IT"/>
+          </a:p>
+        </p:txBody>
+      </p:sp>
+      <p:sp>
+        <p:nvSpPr>
+          <p:cNvPr id="4" name="Ovale 3">
+            <a:extLst>
+              <a:ext uri="{FF2B5EF4-FFF2-40B4-BE49-F238E27FC236}">
+                <a16:creationId xmlns:a16="http://schemas.microsoft.com/office/drawing/2014/main" id="{2BC5A8F1-CFD2-457F-BF53-DAA2A9EF9080}"/>
+              </a:ext>
+            </a:extLst>
+          </p:cNvPr>
+          <p:cNvSpPr/>
+          <p:nvPr/>
+        </p:nvSpPr>
+        <p:spPr>
+          <a:xfrm>
+            <a:off x="3927231" y="2325565"/>
+            <a:ext cx="4018084" cy="2329961"/>
+          </a:xfrm>
+          <a:prstGeom prst="ellipse">
+            <a:avLst/>
+          </a:prstGeom>
+          <a:noFill/>
+          <a:ln w="38100">
+            <a:solidFill>
+              <a:schemeClr val="tx1"/>
+            </a:solidFill>
+          </a:ln>
+        </p:spPr>
+        <p:style>
+          <a:lnRef idx="2">
+            <a:schemeClr val="accent1">
+              <a:shade val="50000"/>
+            </a:schemeClr>
+          </a:lnRef>
+          <a:fillRef idx="1">
+            <a:schemeClr val="accent1"/>
+          </a:fillRef>
+          <a:effectRef idx="0">
+            <a:schemeClr val="accent1"/>
+          </a:effectRef>
+          <a:fontRef idx="minor">
+            <a:schemeClr val="lt1"/>
+          </a:fontRef>
+        </p:style>
+        <p:txBody>
+          <a:bodyPr rtlCol="0" anchor="ctr"/>
+          <a:lstStyle/>
+          <a:p>
+            <a:pPr algn="ctr"/>
+            <a:endParaRPr lang="it-IT"/>
+          </a:p>
+        </p:txBody>
+      </p:sp>
+      <p:sp>
+        <p:nvSpPr>
+          <p:cNvPr id="5" name="CasellaDiTesto 4">
+            <a:extLst>
+              <a:ext uri="{FF2B5EF4-FFF2-40B4-BE49-F238E27FC236}">
+                <a16:creationId xmlns:a16="http://schemas.microsoft.com/office/drawing/2014/main" id="{AFEDA68F-DA74-48B0-AE1F-434718751B19}"/>
+              </a:ext>
+            </a:extLst>
+          </p:cNvPr>
+          <p:cNvSpPr txBox="1"/>
+          <p:nvPr/>
+        </p:nvSpPr>
+        <p:spPr>
+          <a:xfrm>
+            <a:off x="1485899" y="1229429"/>
+            <a:ext cx="1811714" cy="461665"/>
+          </a:xfrm>
+          <a:prstGeom prst="rect">
+            <a:avLst/>
+          </a:prstGeom>
+          <a:noFill/>
+        </p:spPr>
+        <p:txBody>
+          <a:bodyPr wrap="none" rtlCol="0">
+            <a:spAutoFit/>
+          </a:bodyPr>
+          <a:lstStyle/>
+          <a:p>
+            <a:r>
+              <a:rPr lang="en-US" sz="2400"/>
+              <a:t>Generazione 1 </a:t>
+            </a:r>
+            <a:endParaRPr lang="it-IT" sz="2400"/>
+          </a:p>
+        </p:txBody>
+      </p:sp>
+      <p:sp>
+        <p:nvSpPr>
+          <p:cNvPr id="6" name="CasellaDiTesto 5">
+            <a:extLst>
+              <a:ext uri="{FF2B5EF4-FFF2-40B4-BE49-F238E27FC236}">
+                <a16:creationId xmlns:a16="http://schemas.microsoft.com/office/drawing/2014/main" id="{D4CFB817-43F6-4C64-BD89-73CB9CCAB7A8}"/>
+              </a:ext>
+            </a:extLst>
+          </p:cNvPr>
+          <p:cNvSpPr txBox="1"/>
+          <p:nvPr/>
+        </p:nvSpPr>
+        <p:spPr>
+          <a:xfrm>
+            <a:off x="5030416" y="3259712"/>
+            <a:ext cx="1495922" cy="461665"/>
+          </a:xfrm>
+          <a:prstGeom prst="rect">
+            <a:avLst/>
+          </a:prstGeom>
+          <a:noFill/>
+        </p:spPr>
+        <p:txBody>
+          <a:bodyPr wrap="none" rtlCol="0">
+            <a:spAutoFit/>
+          </a:bodyPr>
+          <a:lstStyle/>
+          <a:p>
+            <a:r>
+              <a:rPr lang="en-US" sz="2400"/>
+              <a:t>Mating pool</a:t>
+            </a:r>
+            <a:endParaRPr lang="it-IT" sz="2400"/>
+          </a:p>
+        </p:txBody>
+      </p:sp>
+      <p:sp>
+        <p:nvSpPr>
+          <p:cNvPr id="7" name="CasellaDiTesto 6">
+            <a:extLst>
+              <a:ext uri="{FF2B5EF4-FFF2-40B4-BE49-F238E27FC236}">
+                <a16:creationId xmlns:a16="http://schemas.microsoft.com/office/drawing/2014/main" id="{6A13BB27-AE2E-470E-BE72-9632135CE2EB}"/>
+              </a:ext>
+            </a:extLst>
+          </p:cNvPr>
+          <p:cNvSpPr txBox="1"/>
+          <p:nvPr/>
+        </p:nvSpPr>
+        <p:spPr>
+          <a:xfrm>
+            <a:off x="8842129" y="5136870"/>
+            <a:ext cx="1837362" cy="461665"/>
+          </a:xfrm>
+          <a:prstGeom prst="rect">
+            <a:avLst/>
+          </a:prstGeom>
+          <a:noFill/>
+        </p:spPr>
+        <p:txBody>
+          <a:bodyPr wrap="none" rtlCol="0">
+            <a:spAutoFit/>
+          </a:bodyPr>
+          <a:lstStyle/>
+          <a:p>
+            <a:r>
+              <a:rPr lang="en-US" sz="2400"/>
+              <a:t>Generazione 2 </a:t>
+            </a:r>
+            <a:endParaRPr lang="it-IT" sz="2400"/>
+          </a:p>
+        </p:txBody>
+      </p:sp>
+      <p:sp>
+        <p:nvSpPr>
+          <p:cNvPr id="9" name="Figura a mano libera: forma 8">
+            <a:extLst>
+              <a:ext uri="{FF2B5EF4-FFF2-40B4-BE49-F238E27FC236}">
+                <a16:creationId xmlns:a16="http://schemas.microsoft.com/office/drawing/2014/main" id="{CCBAD050-D77B-475A-B60B-9AE0912DE08E}"/>
+              </a:ext>
+            </a:extLst>
+          </p:cNvPr>
+          <p:cNvSpPr/>
+          <p:nvPr/>
+        </p:nvSpPr>
+        <p:spPr>
+          <a:xfrm>
+            <a:off x="3763108" y="1016740"/>
+            <a:ext cx="2523392" cy="1682498"/>
+          </a:xfrm>
+          <a:custGeom>
+            <a:avLst/>
+            <a:gdLst>
+              <a:gd name="connsiteX0" fmla="*/ 0 w 2523392"/>
+              <a:gd name="connsiteY0" fmla="*/ 29545 h 1682498"/>
+              <a:gd name="connsiteX1" fmla="*/ 1582615 w 2523392"/>
+              <a:gd name="connsiteY1" fmla="*/ 222975 h 1682498"/>
+              <a:gd name="connsiteX2" fmla="*/ 2523392 w 2523392"/>
+              <a:gd name="connsiteY2" fmla="*/ 1682498 h 1682498"/>
+            </a:gdLst>
+            <a:ahLst/>
+            <a:cxnLst>
+              <a:cxn ang="0">
+                <a:pos x="connsiteX0" y="connsiteY0"/>
+              </a:cxn>
+              <a:cxn ang="0">
+                <a:pos x="connsiteX1" y="connsiteY1"/>
+              </a:cxn>
+              <a:cxn ang="0">
+                <a:pos x="connsiteX2" y="connsiteY2"/>
+              </a:cxn>
+            </a:cxnLst>
+            <a:rect l="l" t="t" r="r" b="b"/>
+            <a:pathLst>
+              <a:path w="2523392" h="1682498">
+                <a:moveTo>
+                  <a:pt x="0" y="29545"/>
+                </a:moveTo>
+                <a:cubicBezTo>
+                  <a:pt x="581025" y="-11486"/>
+                  <a:pt x="1162050" y="-52517"/>
+                  <a:pt x="1582615" y="222975"/>
+                </a:cubicBezTo>
+                <a:cubicBezTo>
+                  <a:pt x="2003180" y="498467"/>
+                  <a:pt x="2263286" y="1090482"/>
+                  <a:pt x="2523392" y="1682498"/>
+                </a:cubicBezTo>
+              </a:path>
+            </a:pathLst>
+          </a:custGeom>
+          <a:noFill/>
+          <a:ln w="28575">
+            <a:solidFill>
+              <a:schemeClr val="tx1"/>
+            </a:solidFill>
+          </a:ln>
+        </p:spPr>
+        <p:style>
+          <a:lnRef idx="2">
+            <a:schemeClr val="accent1">
+              <a:shade val="50000"/>
+            </a:schemeClr>
+          </a:lnRef>
+          <a:fillRef idx="1">
+            <a:schemeClr val="accent1"/>
+          </a:fillRef>
+          <a:effectRef idx="0">
+            <a:schemeClr val="accent1"/>
+          </a:effectRef>
+          <a:fontRef idx="minor">
+            <a:schemeClr val="lt1"/>
+          </a:fontRef>
+        </p:style>
+        <p:txBody>
+          <a:bodyPr rtlCol="0" anchor="ctr"/>
+          <a:lstStyle/>
+          <a:p>
+            <a:pPr algn="ctr"/>
+            <a:endParaRPr lang="it-IT"/>
+          </a:p>
+        </p:txBody>
+      </p:sp>
+      <p:sp>
+        <p:nvSpPr>
+          <p:cNvPr id="10" name="Figura a mano libera: forma 9">
+            <a:extLst>
+              <a:ext uri="{FF2B5EF4-FFF2-40B4-BE49-F238E27FC236}">
+                <a16:creationId xmlns:a16="http://schemas.microsoft.com/office/drawing/2014/main" id="{AAF7E4BC-C649-4B8C-A4FA-1B5BAF5FE056}"/>
+              </a:ext>
+            </a:extLst>
+          </p:cNvPr>
+          <p:cNvSpPr/>
+          <p:nvPr/>
+        </p:nvSpPr>
+        <p:spPr>
+          <a:xfrm>
+            <a:off x="5991476" y="2484481"/>
+            <a:ext cx="295024" cy="214757"/>
+          </a:xfrm>
+          <a:custGeom>
+            <a:avLst/>
+            <a:gdLst>
+              <a:gd name="connsiteX0" fmla="*/ 0 w 484384"/>
+              <a:gd name="connsiteY0" fmla="*/ 213206 h 474750"/>
+              <a:gd name="connsiteX1" fmla="*/ 452761 w 484384"/>
+              <a:gd name="connsiteY1" fmla="*/ 435148 h 474750"/>
+              <a:gd name="connsiteX2" fmla="*/ 443884 w 484384"/>
+              <a:gd name="connsiteY2" fmla="*/ 435148 h 474750"/>
+              <a:gd name="connsiteX3" fmla="*/ 426128 w 484384"/>
+              <a:gd name="connsiteY3" fmla="*/ 35653 h 474750"/>
+              <a:gd name="connsiteX4" fmla="*/ 435006 w 484384"/>
+              <a:gd name="connsiteY4" fmla="*/ 44531 h 474750"/>
+            </a:gdLst>
+            <a:ahLst/>
+            <a:cxnLst>
+              <a:cxn ang="0">
+                <a:pos x="connsiteX0" y="connsiteY0"/>
+              </a:cxn>
+              <a:cxn ang="0">
+                <a:pos x="connsiteX1" y="connsiteY1"/>
+              </a:cxn>
+              <a:cxn ang="0">
+                <a:pos x="connsiteX2" y="connsiteY2"/>
+              </a:cxn>
+              <a:cxn ang="0">
+                <a:pos x="connsiteX3" y="connsiteY3"/>
+              </a:cxn>
+              <a:cxn ang="0">
+                <a:pos x="connsiteX4" y="connsiteY4"/>
+              </a:cxn>
+            </a:cxnLst>
+            <a:rect l="l" t="t" r="r" b="b"/>
+            <a:pathLst>
+              <a:path w="484384" h="474750">
+                <a:moveTo>
+                  <a:pt x="0" y="213206"/>
+                </a:moveTo>
+                <a:lnTo>
+                  <a:pt x="452761" y="435148"/>
+                </a:lnTo>
+                <a:cubicBezTo>
+                  <a:pt x="526742" y="472138"/>
+                  <a:pt x="448323" y="501731"/>
+                  <a:pt x="443884" y="435148"/>
+                </a:cubicBezTo>
+                <a:cubicBezTo>
+                  <a:pt x="439445" y="368565"/>
+                  <a:pt x="427608" y="100756"/>
+                  <a:pt x="426128" y="35653"/>
+                </a:cubicBezTo>
+                <a:cubicBezTo>
+                  <a:pt x="424648" y="-29450"/>
+                  <a:pt x="429827" y="7540"/>
+                  <a:pt x="435006" y="44531"/>
+                </a:cubicBezTo>
+              </a:path>
+            </a:pathLst>
+          </a:custGeom>
+          <a:ln w="19050" cap="flat">
+            <a:solidFill>
+              <a:schemeClr val="dk1"/>
+            </a:solidFill>
+          </a:ln>
+        </p:spPr>
+        <p:style>
+          <a:lnRef idx="3">
+            <a:schemeClr val="dk1"/>
+          </a:lnRef>
+          <a:fillRef idx="0">
+            <a:schemeClr val="dk1"/>
+          </a:fillRef>
+          <a:effectRef idx="2">
+            <a:schemeClr val="dk1"/>
+          </a:effectRef>
+          <a:fontRef idx="minor">
+            <a:schemeClr val="tx1"/>
+          </a:fontRef>
+        </p:style>
+        <p:txBody>
+          <a:bodyPr rot="0" spcFirstLastPara="0" vertOverflow="overflow" horzOverflow="overflow" vert="horz" wrap="square" lIns="91440" tIns="45720" rIns="91440" bIns="45720" numCol="1" spcCol="0" rtlCol="0" fromWordArt="0" anchor="ctr" anchorCtr="0" forceAA="0" compatLnSpc="1">
+            <a:prstTxWarp prst="textNoShape">
+              <a:avLst/>
+            </a:prstTxWarp>
+            <a:noAutofit/>
+          </a:bodyPr>
+          <a:lstStyle/>
+          <a:p>
+            <a:pPr algn="ctr"/>
+            <a:endParaRPr lang="it-IT"/>
+          </a:p>
+        </p:txBody>
+      </p:sp>
+      <p:sp>
+        <p:nvSpPr>
+          <p:cNvPr id="11" name="Figura a mano libera: forma 10">
+            <a:extLst>
+              <a:ext uri="{FF2B5EF4-FFF2-40B4-BE49-F238E27FC236}">
+                <a16:creationId xmlns:a16="http://schemas.microsoft.com/office/drawing/2014/main" id="{B33B7E68-1626-49CC-8B11-2A4B39025CC4}"/>
+              </a:ext>
+            </a:extLst>
+          </p:cNvPr>
+          <p:cNvSpPr/>
+          <p:nvPr/>
+        </p:nvSpPr>
+        <p:spPr>
+          <a:xfrm>
+            <a:off x="7485185" y="2973028"/>
+            <a:ext cx="2523392" cy="1682498"/>
+          </a:xfrm>
+          <a:custGeom>
+            <a:avLst/>
+            <a:gdLst>
+              <a:gd name="connsiteX0" fmla="*/ 0 w 2523392"/>
+              <a:gd name="connsiteY0" fmla="*/ 29545 h 1682498"/>
+              <a:gd name="connsiteX1" fmla="*/ 1582615 w 2523392"/>
+              <a:gd name="connsiteY1" fmla="*/ 222975 h 1682498"/>
+              <a:gd name="connsiteX2" fmla="*/ 2523392 w 2523392"/>
+              <a:gd name="connsiteY2" fmla="*/ 1682498 h 1682498"/>
+            </a:gdLst>
+            <a:ahLst/>
+            <a:cxnLst>
+              <a:cxn ang="0">
+                <a:pos x="connsiteX0" y="connsiteY0"/>
+              </a:cxn>
+              <a:cxn ang="0">
+                <a:pos x="connsiteX1" y="connsiteY1"/>
+              </a:cxn>
+              <a:cxn ang="0">
+                <a:pos x="connsiteX2" y="connsiteY2"/>
+              </a:cxn>
+            </a:cxnLst>
+            <a:rect l="l" t="t" r="r" b="b"/>
+            <a:pathLst>
+              <a:path w="2523392" h="1682498">
+                <a:moveTo>
+                  <a:pt x="0" y="29545"/>
+                </a:moveTo>
+                <a:cubicBezTo>
+                  <a:pt x="581025" y="-11486"/>
+                  <a:pt x="1162050" y="-52517"/>
+                  <a:pt x="1582615" y="222975"/>
+                </a:cubicBezTo>
+                <a:cubicBezTo>
+                  <a:pt x="2003180" y="498467"/>
+                  <a:pt x="2263286" y="1090482"/>
+                  <a:pt x="2523392" y="1682498"/>
+                </a:cubicBezTo>
+              </a:path>
+            </a:pathLst>
+          </a:custGeom>
+          <a:noFill/>
+          <a:ln w="28575">
+            <a:solidFill>
+              <a:schemeClr val="tx1"/>
+            </a:solidFill>
+          </a:ln>
+        </p:spPr>
+        <p:style>
+          <a:lnRef idx="2">
+            <a:schemeClr val="accent1">
+              <a:shade val="50000"/>
+            </a:schemeClr>
+          </a:lnRef>
+          <a:fillRef idx="1">
+            <a:schemeClr val="accent1"/>
+          </a:fillRef>
+          <a:effectRef idx="0">
+            <a:schemeClr val="accent1"/>
+          </a:effectRef>
+          <a:fontRef idx="minor">
+            <a:schemeClr val="lt1"/>
+          </a:fontRef>
+        </p:style>
+        <p:txBody>
+          <a:bodyPr rtlCol="0" anchor="ctr"/>
+          <a:lstStyle/>
+          <a:p>
+            <a:pPr algn="ctr"/>
+            <a:endParaRPr lang="it-IT"/>
+          </a:p>
+        </p:txBody>
+      </p:sp>
+      <p:sp>
+        <p:nvSpPr>
+          <p:cNvPr id="12" name="Figura a mano libera: forma 11">
+            <a:extLst>
+              <a:ext uri="{FF2B5EF4-FFF2-40B4-BE49-F238E27FC236}">
+                <a16:creationId xmlns:a16="http://schemas.microsoft.com/office/drawing/2014/main" id="{BC6FA77D-84E8-4ACF-86F9-9781329D2AE8}"/>
+              </a:ext>
+            </a:extLst>
+          </p:cNvPr>
+          <p:cNvSpPr/>
+          <p:nvPr/>
+        </p:nvSpPr>
+        <p:spPr>
+          <a:xfrm>
+            <a:off x="9760810" y="4455039"/>
+            <a:ext cx="295024" cy="214757"/>
+          </a:xfrm>
+          <a:custGeom>
+            <a:avLst/>
+            <a:gdLst>
+              <a:gd name="connsiteX0" fmla="*/ 0 w 484384"/>
+              <a:gd name="connsiteY0" fmla="*/ 213206 h 474750"/>
+              <a:gd name="connsiteX1" fmla="*/ 452761 w 484384"/>
+              <a:gd name="connsiteY1" fmla="*/ 435148 h 474750"/>
+              <a:gd name="connsiteX2" fmla="*/ 443884 w 484384"/>
+              <a:gd name="connsiteY2" fmla="*/ 435148 h 474750"/>
+              <a:gd name="connsiteX3" fmla="*/ 426128 w 484384"/>
+              <a:gd name="connsiteY3" fmla="*/ 35653 h 474750"/>
+              <a:gd name="connsiteX4" fmla="*/ 435006 w 484384"/>
+              <a:gd name="connsiteY4" fmla="*/ 44531 h 474750"/>
+            </a:gdLst>
+            <a:ahLst/>
+            <a:cxnLst>
+              <a:cxn ang="0">
+                <a:pos x="connsiteX0" y="connsiteY0"/>
+              </a:cxn>
+              <a:cxn ang="0">
+                <a:pos x="connsiteX1" y="connsiteY1"/>
+              </a:cxn>
+              <a:cxn ang="0">
+                <a:pos x="connsiteX2" y="connsiteY2"/>
+              </a:cxn>
+              <a:cxn ang="0">
+                <a:pos x="connsiteX3" y="connsiteY3"/>
+              </a:cxn>
+              <a:cxn ang="0">
+                <a:pos x="connsiteX4" y="connsiteY4"/>
+              </a:cxn>
+            </a:cxnLst>
+            <a:rect l="l" t="t" r="r" b="b"/>
+            <a:pathLst>
+              <a:path w="484384" h="474750">
+                <a:moveTo>
+                  <a:pt x="0" y="213206"/>
+                </a:moveTo>
+                <a:lnTo>
+                  <a:pt x="452761" y="435148"/>
+                </a:lnTo>
+                <a:cubicBezTo>
+                  <a:pt x="526742" y="472138"/>
+                  <a:pt x="448323" y="501731"/>
+                  <a:pt x="443884" y="435148"/>
+                </a:cubicBezTo>
+                <a:cubicBezTo>
+                  <a:pt x="439445" y="368565"/>
+                  <a:pt x="427608" y="100756"/>
+                  <a:pt x="426128" y="35653"/>
+                </a:cubicBezTo>
+                <a:cubicBezTo>
+                  <a:pt x="424648" y="-29450"/>
+                  <a:pt x="429827" y="7540"/>
+                  <a:pt x="435006" y="44531"/>
+                </a:cubicBezTo>
+              </a:path>
+            </a:pathLst>
+          </a:custGeom>
+          <a:ln w="19050" cap="flat">
+            <a:solidFill>
+              <a:schemeClr val="dk1"/>
+            </a:solidFill>
+          </a:ln>
+        </p:spPr>
+        <p:style>
+          <a:lnRef idx="3">
+            <a:schemeClr val="dk1"/>
+          </a:lnRef>
+          <a:fillRef idx="0">
+            <a:schemeClr val="dk1"/>
+          </a:fillRef>
+          <a:effectRef idx="2">
+            <a:schemeClr val="dk1"/>
+          </a:effectRef>
+          <a:fontRef idx="minor">
+            <a:schemeClr val="tx1"/>
+          </a:fontRef>
+        </p:style>
+        <p:txBody>
+          <a:bodyPr rot="0" spcFirstLastPara="0" vertOverflow="overflow" horzOverflow="overflow" vert="horz" wrap="square" lIns="91440" tIns="45720" rIns="91440" bIns="45720" numCol="1" spcCol="0" rtlCol="0" fromWordArt="0" anchor="ctr" anchorCtr="0" forceAA="0" compatLnSpc="1">
+            <a:prstTxWarp prst="textNoShape">
+              <a:avLst/>
+            </a:prstTxWarp>
+            <a:noAutofit/>
+          </a:bodyPr>
+          <a:lstStyle/>
+          <a:p>
+            <a:pPr algn="ctr"/>
+            <a:endParaRPr lang="it-IT"/>
+          </a:p>
+        </p:txBody>
+      </p:sp>
+      <p:sp>
+        <p:nvSpPr>
+          <p:cNvPr id="13" name="CasellaDiTesto 12">
+            <a:extLst>
+              <a:ext uri="{FF2B5EF4-FFF2-40B4-BE49-F238E27FC236}">
+                <a16:creationId xmlns:a16="http://schemas.microsoft.com/office/drawing/2014/main" id="{BBA10E1F-48D4-4092-82C7-770C6BDE8802}"/>
+              </a:ext>
+            </a:extLst>
+          </p:cNvPr>
+          <p:cNvSpPr txBox="1"/>
+          <p:nvPr/>
+        </p:nvSpPr>
+        <p:spPr>
+          <a:xfrm>
+            <a:off x="5620481" y="1209487"/>
+            <a:ext cx="1058303" cy="400110"/>
+          </a:xfrm>
+          <a:prstGeom prst="rect">
+            <a:avLst/>
+          </a:prstGeom>
+          <a:noFill/>
+        </p:spPr>
+        <p:txBody>
+          <a:bodyPr wrap="none" rtlCol="0">
+            <a:spAutoFit/>
+          </a:bodyPr>
+          <a:lstStyle/>
+          <a:p>
+            <a:r>
+              <a:rPr lang="en-US" sz="2000"/>
+              <a:t>Selezione</a:t>
+            </a:r>
+            <a:endParaRPr lang="it-IT" sz="2000"/>
+          </a:p>
+        </p:txBody>
+      </p:sp>
+      <p:sp>
+        <p:nvSpPr>
+          <p:cNvPr id="14" name="CasellaDiTesto 13">
+            <a:extLst>
+              <a:ext uri="{FF2B5EF4-FFF2-40B4-BE49-F238E27FC236}">
+                <a16:creationId xmlns:a16="http://schemas.microsoft.com/office/drawing/2014/main" id="{A7313B3B-098B-4A59-8C63-90B1D115244E}"/>
+              </a:ext>
+            </a:extLst>
+          </p:cNvPr>
+          <p:cNvSpPr txBox="1"/>
+          <p:nvPr/>
+        </p:nvSpPr>
+        <p:spPr>
+          <a:xfrm>
+            <a:off x="9364383" y="2905769"/>
+            <a:ext cx="1439818" cy="707886"/>
+          </a:xfrm>
+          <a:prstGeom prst="rect">
+            <a:avLst/>
+          </a:prstGeom>
+          <a:noFill/>
+        </p:spPr>
+        <p:txBody>
+          <a:bodyPr wrap="none" rtlCol="0">
+            <a:spAutoFit/>
+          </a:bodyPr>
+          <a:lstStyle/>
+          <a:p>
+            <a:r>
+              <a:rPr lang="en-US" sz="2000"/>
+              <a:t>Crossing over</a:t>
+            </a:r>
+          </a:p>
+          <a:p>
+            <a:r>
+              <a:rPr lang="en-US" sz="2000"/>
+              <a:t>e mutazione</a:t>
+            </a:r>
+            <a:endParaRPr lang="it-IT" sz="2000"/>
+          </a:p>
+        </p:txBody>
+      </p:sp>
+      <p:sp>
+        <p:nvSpPr>
+          <p:cNvPr id="15" name="Rettangolo 14">
+            <a:extLst>
+              <a:ext uri="{FF2B5EF4-FFF2-40B4-BE49-F238E27FC236}">
+                <a16:creationId xmlns:a16="http://schemas.microsoft.com/office/drawing/2014/main" id="{FC75CC72-A19C-4E41-95BA-D33B12B1CC77}"/>
+              </a:ext>
+            </a:extLst>
+          </p:cNvPr>
+          <p:cNvSpPr/>
+          <p:nvPr/>
+        </p:nvSpPr>
+        <p:spPr>
+          <a:xfrm>
+            <a:off x="8627084" y="325316"/>
+            <a:ext cx="2857500" cy="1240320"/>
+          </a:xfrm>
+          <a:prstGeom prst="rect">
+            <a:avLst/>
+          </a:prstGeom>
+          <a:solidFill>
+            <a:schemeClr val="tx1"/>
+          </a:solidFill>
+          <a:ln>
+            <a:noFill/>
+          </a:ln>
+        </p:spPr>
+        <p:style>
+          <a:lnRef idx="2">
+            <a:schemeClr val="accent1">
+              <a:shade val="50000"/>
+            </a:schemeClr>
+          </a:lnRef>
+          <a:fillRef idx="1">
+            <a:schemeClr val="accent1"/>
+          </a:fillRef>
+          <a:effectRef idx="0">
+            <a:schemeClr val="accent1"/>
+          </a:effectRef>
+          <a:fontRef idx="minor">
+            <a:schemeClr val="lt1"/>
+          </a:fontRef>
+        </p:style>
+        <p:txBody>
+          <a:bodyPr rtlCol="0" anchor="ctr"/>
+          <a:lstStyle/>
+          <a:p>
+            <a:pPr algn="ctr"/>
+            <a:r>
+              <a:rPr lang="en-US" sz="4800"/>
+              <a:t>BOZZA</a:t>
+            </a:r>
+            <a:endParaRPr lang="it-IT" sz="4800"/>
+          </a:p>
+        </p:txBody>
+      </p:sp>
+    </p:spTree>
+    <p:extLst>
+      <p:ext uri="{BB962C8B-B14F-4D97-AF65-F5344CB8AC3E}">
+        <p14:creationId xmlns:p14="http://schemas.microsoft.com/office/powerpoint/2010/main" val="2747850218"/>
+      </p:ext>
+    </p:extLst>
+  </p:cSld>
+  <p:clrMapOvr>
+    <a:masterClrMapping/>
+  </p:clrMapOvr>
+</p:sld>
+</file>
+
+<file path=ppt/slides/slide33.xml><?xml version="1.0" encoding="utf-8"?>
+<p:sld xmlns:a="http://schemas.openxmlformats.org/drawingml/2006/main" xmlns:r="http://schemas.openxmlformats.org/officeDocument/2006/relationships" xmlns:p="http://schemas.openxmlformats.org/presentationml/2006/main">
+  <p:cSld>
+    <p:spTree>
+      <p:nvGrpSpPr>
+        <p:cNvPr id="1" name=""/>
+        <p:cNvGrpSpPr/>
+        <p:nvPr/>
+      </p:nvGrpSpPr>
+      <p:grpSpPr>
+        <a:xfrm>
+          <a:off x="0" y="0"/>
+          <a:ext cx="0" cy="0"/>
+          <a:chOff x="0" y="0"/>
+          <a:chExt cx="0" cy="0"/>
+        </a:xfrm>
+      </p:grpSpPr>
       <p:graphicFrame>
         <p:nvGraphicFramePr>
           <p:cNvPr id="4" name="Grafico 3">
@@ -28499,6 +29330,62 @@
           </a:p>
         </p:txBody>
       </p:sp>
+      <p:sp>
+        <p:nvSpPr>
+          <p:cNvPr id="10" name="Rettangolo 9">
+            <a:extLst>
+              <a:ext uri="{FF2B5EF4-FFF2-40B4-BE49-F238E27FC236}">
+                <a16:creationId xmlns:a16="http://schemas.microsoft.com/office/drawing/2014/main" id="{36C4935B-D093-4BBA-9249-3FECB4CE5FC4}"/>
+              </a:ext>
+            </a:extLst>
+          </p:cNvPr>
+          <p:cNvSpPr/>
+          <p:nvPr/>
+        </p:nvSpPr>
+        <p:spPr>
+          <a:xfrm>
+            <a:off x="8937730" y="4885127"/>
+            <a:ext cx="2857500" cy="1240320"/>
+          </a:xfrm>
+          <a:prstGeom prst="rect">
+            <a:avLst/>
+          </a:prstGeom>
+          <a:solidFill>
+            <a:schemeClr val="tx1"/>
+          </a:solidFill>
+          <a:ln>
+            <a:noFill/>
+          </a:ln>
+        </p:spPr>
+        <p:style>
+          <a:lnRef idx="2">
+            <a:schemeClr val="accent1">
+              <a:shade val="50000"/>
+            </a:schemeClr>
+          </a:lnRef>
+          <a:fillRef idx="1">
+            <a:schemeClr val="accent1"/>
+          </a:fillRef>
+          <a:effectRef idx="0">
+            <a:schemeClr val="accent1"/>
+          </a:effectRef>
+          <a:fontRef idx="minor">
+            <a:schemeClr val="lt1"/>
+          </a:fontRef>
+        </p:style>
+        <p:txBody>
+          <a:bodyPr rtlCol="0" anchor="ctr"/>
+          <a:lstStyle/>
+          <a:p>
+            <a:pPr algn="ctr"/>
+            <a:r>
+              <a:rPr lang="en-US" sz="4800"/>
+              <a:t>BOZZA</a:t>
+            </a:r>
+            <a:endParaRPr lang="it-IT" sz="4800"/>
+          </a:p>
+        </p:txBody>
+      </p:sp>
     </p:spTree>
     <p:extLst>
       <p:ext uri="{BB962C8B-B14F-4D97-AF65-F5344CB8AC3E}">
@@ -28512,7 +29399,7 @@
 </p:sld>
 </file>
 
-<file path=ppt/slides/slide33.xml><?xml version="1.0" encoding="utf-8"?>
+<file path=ppt/slides/slide34.xml><?xml version="1.0" encoding="utf-8"?>
 <p:sld xmlns:a="http://schemas.openxmlformats.org/drawingml/2006/main" xmlns:r="http://schemas.openxmlformats.org/officeDocument/2006/relationships" xmlns:p="http://schemas.openxmlformats.org/presentationml/2006/main">
   <p:cSld>
     <p:spTree>
@@ -28608,6 +29495,125 @@
           </p:spPr>
         </p:pic>
       </p:grpSp>
+      <p:sp>
+        <p:nvSpPr>
+          <p:cNvPr id="5" name="Rettangolo 4">
+            <a:extLst>
+              <a:ext uri="{FF2B5EF4-FFF2-40B4-BE49-F238E27FC236}">
+                <a16:creationId xmlns:a16="http://schemas.microsoft.com/office/drawing/2014/main" id="{1CBA8B60-C028-4517-B139-A60B9418F063}"/>
+              </a:ext>
+            </a:extLst>
+          </p:cNvPr>
+          <p:cNvSpPr/>
+          <p:nvPr/>
+        </p:nvSpPr>
+        <p:spPr>
+          <a:xfrm>
+            <a:off x="8627084" y="325316"/>
+            <a:ext cx="2857500" cy="1240320"/>
+          </a:xfrm>
+          <a:prstGeom prst="rect">
+            <a:avLst/>
+          </a:prstGeom>
+          <a:solidFill>
+            <a:schemeClr val="tx1"/>
+          </a:solidFill>
+          <a:ln>
+            <a:noFill/>
+          </a:ln>
+        </p:spPr>
+        <p:style>
+          <a:lnRef idx="2">
+            <a:schemeClr val="accent1">
+              <a:shade val="50000"/>
+            </a:schemeClr>
+          </a:lnRef>
+          <a:fillRef idx="1">
+            <a:schemeClr val="accent1"/>
+          </a:fillRef>
+          <a:effectRef idx="0">
+            <a:schemeClr val="accent1"/>
+          </a:effectRef>
+          <a:fontRef idx="minor">
+            <a:schemeClr val="lt1"/>
+          </a:fontRef>
+        </p:style>
+        <p:txBody>
+          <a:bodyPr rtlCol="0" anchor="ctr"/>
+          <a:lstStyle/>
+          <a:p>
+            <a:pPr algn="ctr"/>
+            <a:r>
+              <a:rPr lang="en-US" sz="4800"/>
+              <a:t>BOZZA</a:t>
+            </a:r>
+            <a:endParaRPr lang="it-IT" sz="4800"/>
+          </a:p>
+        </p:txBody>
+      </p:sp>
+      <p:sp>
+        <p:nvSpPr>
+          <p:cNvPr id="6" name="Rettangolo 5">
+            <a:extLst>
+              <a:ext uri="{FF2B5EF4-FFF2-40B4-BE49-F238E27FC236}">
+                <a16:creationId xmlns:a16="http://schemas.microsoft.com/office/drawing/2014/main" id="{39077BCC-DDD1-47E3-9543-7B42D8A62B6F}"/>
+              </a:ext>
+            </a:extLst>
+          </p:cNvPr>
+          <p:cNvSpPr/>
+          <p:nvPr/>
+        </p:nvSpPr>
+        <p:spPr>
+          <a:xfrm>
+            <a:off x="7877908" y="2514600"/>
+            <a:ext cx="3420207" cy="430823"/>
+          </a:xfrm>
+          <a:prstGeom prst="rect">
+            <a:avLst/>
+          </a:prstGeom>
+          <a:solidFill>
+            <a:schemeClr val="bg1"/>
+          </a:solidFill>
+          <a:ln>
+            <a:noFill/>
+          </a:ln>
+        </p:spPr>
+        <p:style>
+          <a:lnRef idx="2">
+            <a:schemeClr val="accent1">
+              <a:shade val="50000"/>
+            </a:schemeClr>
+          </a:lnRef>
+          <a:fillRef idx="1">
+            <a:schemeClr val="accent1"/>
+          </a:fillRef>
+          <a:effectRef idx="0">
+            <a:schemeClr val="accent1"/>
+          </a:effectRef>
+          <a:fontRef idx="minor">
+            <a:schemeClr val="lt1"/>
+          </a:fontRef>
+        </p:style>
+        <p:txBody>
+          <a:bodyPr rtlCol="0" anchor="ctr"/>
+          <a:lstStyle/>
+          <a:p>
+            <a:r>
+              <a:rPr lang="en-US">
+                <a:solidFill>
+                  <a:schemeClr val="tx1"/>
+                </a:solidFill>
+              </a:rPr>
+              <a:t>Mating pool</a:t>
+            </a:r>
+            <a:endParaRPr lang="it-IT">
+              <a:solidFill>
+                <a:schemeClr val="tx1"/>
+              </a:solidFill>
+            </a:endParaRPr>
+          </a:p>
+        </p:txBody>
+      </p:sp>
     </p:spTree>
     <p:extLst>
       <p:ext uri="{BB962C8B-B14F-4D97-AF65-F5344CB8AC3E}">
@@ -28621,7 +29627,7 @@
 </p:sld>
 </file>
 
-<file path=ppt/slides/slide34.xml><?xml version="1.0" encoding="utf-8"?>
+<file path=ppt/slides/slide35.xml><?xml version="1.0" encoding="utf-8"?>
 <p:sld xmlns:a="http://schemas.openxmlformats.org/drawingml/2006/main" xmlns:r="http://schemas.openxmlformats.org/officeDocument/2006/relationships" xmlns:p="http://schemas.openxmlformats.org/presentationml/2006/main">
   <p:cSld>
     <p:spTree>
@@ -28738,7 +29744,7 @@
 </p:sld>
 </file>
 
-<file path=ppt/slides/slide35.xml><?xml version="1.0" encoding="utf-8"?>
+<file path=ppt/slides/slide36.xml><?xml version="1.0" encoding="utf-8"?>
 <p:sld xmlns:a="http://schemas.openxmlformats.org/drawingml/2006/main" xmlns:r="http://schemas.openxmlformats.org/officeDocument/2006/relationships" xmlns:p="http://schemas.openxmlformats.org/presentationml/2006/main">
   <p:cSld>
     <p:spTree>
@@ -29543,7 +30549,7 @@
 </p:sld>
 </file>
 
-<file path=ppt/slides/slide36.xml><?xml version="1.0" encoding="utf-8"?>
+<file path=ppt/slides/slide37.xml><?xml version="1.0" encoding="utf-8"?>
 <p:sld xmlns:a="http://schemas.openxmlformats.org/drawingml/2006/main" xmlns:r="http://schemas.openxmlformats.org/officeDocument/2006/relationships" xmlns:p="http://schemas.openxmlformats.org/presentationml/2006/main">
   <p:cSld>
     <p:spTree>
@@ -29602,7 +30608,7 @@
 </p:sld>
 </file>
 
-<file path=ppt/slides/slide37.xml><?xml version="1.0" encoding="utf-8"?>
+<file path=ppt/slides/slide38.xml><?xml version="1.0" encoding="utf-8"?>
 <p:sld xmlns:a="http://schemas.openxmlformats.org/drawingml/2006/main" xmlns:r="http://schemas.openxmlformats.org/officeDocument/2006/relationships" xmlns:p="http://schemas.openxmlformats.org/presentationml/2006/main">
   <p:cSld>
     <p:spTree>
@@ -29985,7 +30991,7 @@
 </p:sld>
 </file>
 
-<file path=ppt/slides/slide38.xml><?xml version="1.0" encoding="utf-8"?>
+<file path=ppt/slides/slide39.xml><?xml version="1.0" encoding="utf-8"?>
 <p:sld xmlns:a="http://schemas.openxmlformats.org/drawingml/2006/main" xmlns:r="http://schemas.openxmlformats.org/officeDocument/2006/relationships" xmlns:p="http://schemas.openxmlformats.org/presentationml/2006/main">
   <p:cSld>
     <p:spTree>
@@ -30760,7 +31766,1590 @@
 </p:sld>
 </file>
 
-<file path=ppt/slides/slide39.xml><?xml version="1.0" encoding="utf-8"?>
+<file path=ppt/slides/slide4.xml><?xml version="1.0" encoding="utf-8"?>
+<p:sld xmlns:a="http://schemas.openxmlformats.org/drawingml/2006/main" xmlns:r="http://schemas.openxmlformats.org/officeDocument/2006/relationships" xmlns:p="http://schemas.openxmlformats.org/presentationml/2006/main">
+  <p:cSld>
+    <p:spTree>
+      <p:nvGrpSpPr>
+        <p:cNvPr id="1" name=""/>
+        <p:cNvGrpSpPr/>
+        <p:nvPr/>
+      </p:nvGrpSpPr>
+      <p:grpSpPr>
+        <a:xfrm>
+          <a:off x="0" y="0"/>
+          <a:ext cx="0" cy="0"/>
+          <a:chOff x="0" y="0"/>
+          <a:chExt cx="0" cy="0"/>
+        </a:xfrm>
+      </p:grpSpPr>
+      <p:sp>
+        <p:nvSpPr>
+          <p:cNvPr id="4" name="CasellaDiTesto 3">
+            <a:extLst>
+              <a:ext uri="{FF2B5EF4-FFF2-40B4-BE49-F238E27FC236}">
+                <a16:creationId xmlns:a16="http://schemas.microsoft.com/office/drawing/2014/main" id="{48BBD5E7-8F15-45DB-87B3-86EFE17E46E2}"/>
+              </a:ext>
+            </a:extLst>
+          </p:cNvPr>
+          <p:cNvSpPr txBox="1"/>
+          <p:nvPr/>
+        </p:nvSpPr>
+        <p:spPr>
+          <a:xfrm>
+            <a:off x="2372451" y="1924803"/>
+            <a:ext cx="3599062" cy="1446550"/>
+          </a:xfrm>
+          <a:prstGeom prst="rect">
+            <a:avLst/>
+          </a:prstGeom>
+          <a:noFill/>
+        </p:spPr>
+        <p:txBody>
+          <a:bodyPr wrap="none" rtlCol="0">
+            <a:spAutoFit/>
+          </a:bodyPr>
+          <a:lstStyle/>
+          <a:p>
+            <a:r>
+              <a:rPr lang="en-US" sz="8800" b="1">
+                <a:latin typeface="Amatic SC" panose="00000500000000000000" pitchFamily="2" charset="-79"/>
+                <a:cs typeface="Amatic SC" panose="00000500000000000000" pitchFamily="2" charset="-79"/>
+              </a:rPr>
+              <a:t>Algoritmo</a:t>
+            </a:r>
+            <a:endParaRPr lang="it-IT" b="1">
+              <a:latin typeface="Amatic SC" panose="00000500000000000000" pitchFamily="2" charset="-79"/>
+              <a:cs typeface="Amatic SC" panose="00000500000000000000" pitchFamily="2" charset="-79"/>
+            </a:endParaRPr>
+          </a:p>
+        </p:txBody>
+      </p:sp>
+      <p:sp>
+        <p:nvSpPr>
+          <p:cNvPr id="5" name="CasellaDiTesto 4">
+            <a:extLst>
+              <a:ext uri="{FF2B5EF4-FFF2-40B4-BE49-F238E27FC236}">
+                <a16:creationId xmlns:a16="http://schemas.microsoft.com/office/drawing/2014/main" id="{61CCC2BC-5AFF-4577-8F29-BF714B99C2AE}"/>
+              </a:ext>
+            </a:extLst>
+          </p:cNvPr>
+          <p:cNvSpPr txBox="1"/>
+          <p:nvPr/>
+        </p:nvSpPr>
+        <p:spPr>
+          <a:xfrm>
+            <a:off x="6901484" y="3651070"/>
+            <a:ext cx="3289683" cy="1569660"/>
+          </a:xfrm>
+          <a:prstGeom prst="rect">
+            <a:avLst/>
+          </a:prstGeom>
+          <a:noFill/>
+        </p:spPr>
+        <p:txBody>
+          <a:bodyPr wrap="none" rtlCol="0">
+            <a:spAutoFit/>
+          </a:bodyPr>
+          <a:lstStyle/>
+          <a:p>
+            <a:r>
+              <a:rPr lang="en-US" sz="9600" b="1">
+                <a:latin typeface="Amatic SC" panose="00000500000000000000" pitchFamily="2" charset="-79"/>
+                <a:cs typeface="Amatic SC" panose="00000500000000000000" pitchFamily="2" charset="-79"/>
+              </a:rPr>
+              <a:t>Genetico</a:t>
+            </a:r>
+            <a:endParaRPr lang="en-US" b="1">
+              <a:latin typeface="Amatic SC" panose="00000500000000000000" pitchFamily="2" charset="-79"/>
+              <a:cs typeface="Amatic SC" panose="00000500000000000000" pitchFamily="2" charset="-79"/>
+            </a:endParaRPr>
+          </a:p>
+        </p:txBody>
+      </p:sp>
+      <p:sp>
+        <p:nvSpPr>
+          <p:cNvPr id="8" name="Figura a mano libera: forma 7">
+            <a:extLst>
+              <a:ext uri="{FF2B5EF4-FFF2-40B4-BE49-F238E27FC236}">
+                <a16:creationId xmlns:a16="http://schemas.microsoft.com/office/drawing/2014/main" id="{90E8F6BC-C1AF-4885-A75C-D8116208676D}"/>
+              </a:ext>
+            </a:extLst>
+          </p:cNvPr>
+          <p:cNvSpPr/>
+          <p:nvPr/>
+        </p:nvSpPr>
+        <p:spPr>
+          <a:xfrm>
+            <a:off x="114363" y="-197769"/>
+            <a:ext cx="2347546" cy="2845847"/>
+          </a:xfrm>
+          <a:custGeom>
+            <a:avLst/>
+            <a:gdLst>
+              <a:gd name="connsiteX0" fmla="*/ 0 w 2215661"/>
+              <a:gd name="connsiteY0" fmla="*/ 0 h 2934005"/>
+              <a:gd name="connsiteX1" fmla="*/ 1345223 w 2215661"/>
+              <a:gd name="connsiteY1" fmla="*/ 571500 h 2934005"/>
+              <a:gd name="connsiteX2" fmla="*/ 1186961 w 2215661"/>
+              <a:gd name="connsiteY2" fmla="*/ 1855177 h 2934005"/>
+              <a:gd name="connsiteX3" fmla="*/ 2031023 w 2215661"/>
+              <a:gd name="connsiteY3" fmla="*/ 2795954 h 2934005"/>
+              <a:gd name="connsiteX4" fmla="*/ 2215661 w 2215661"/>
+              <a:gd name="connsiteY4" fmla="*/ 2910254 h 2934005"/>
+              <a:gd name="connsiteX0" fmla="*/ 0 w 2347546"/>
+              <a:gd name="connsiteY0" fmla="*/ 0 h 2880012"/>
+              <a:gd name="connsiteX1" fmla="*/ 1345223 w 2347546"/>
+              <a:gd name="connsiteY1" fmla="*/ 571500 h 2880012"/>
+              <a:gd name="connsiteX2" fmla="*/ 1186961 w 2347546"/>
+              <a:gd name="connsiteY2" fmla="*/ 1855177 h 2880012"/>
+              <a:gd name="connsiteX3" fmla="*/ 2031023 w 2347546"/>
+              <a:gd name="connsiteY3" fmla="*/ 2795954 h 2880012"/>
+              <a:gd name="connsiteX4" fmla="*/ 2347546 w 2347546"/>
+              <a:gd name="connsiteY4" fmla="*/ 2813538 h 2880012"/>
+              <a:gd name="connsiteX0" fmla="*/ 0 w 2347546"/>
+              <a:gd name="connsiteY0" fmla="*/ 0 h 2845847"/>
+              <a:gd name="connsiteX1" fmla="*/ 1345223 w 2347546"/>
+              <a:gd name="connsiteY1" fmla="*/ 571500 h 2845847"/>
+              <a:gd name="connsiteX2" fmla="*/ 1186961 w 2347546"/>
+              <a:gd name="connsiteY2" fmla="*/ 1855177 h 2845847"/>
+              <a:gd name="connsiteX3" fmla="*/ 1714500 w 2347546"/>
+              <a:gd name="connsiteY3" fmla="*/ 2734408 h 2845847"/>
+              <a:gd name="connsiteX4" fmla="*/ 2347546 w 2347546"/>
+              <a:gd name="connsiteY4" fmla="*/ 2813538 h 2845847"/>
+            </a:gdLst>
+            <a:ahLst/>
+            <a:cxnLst>
+              <a:cxn ang="0">
+                <a:pos x="connsiteX0" y="connsiteY0"/>
+              </a:cxn>
+              <a:cxn ang="0">
+                <a:pos x="connsiteX1" y="connsiteY1"/>
+              </a:cxn>
+              <a:cxn ang="0">
+                <a:pos x="connsiteX2" y="connsiteY2"/>
+              </a:cxn>
+              <a:cxn ang="0">
+                <a:pos x="connsiteX3" y="connsiteY3"/>
+              </a:cxn>
+              <a:cxn ang="0">
+                <a:pos x="connsiteX4" y="connsiteY4"/>
+              </a:cxn>
+            </a:cxnLst>
+            <a:rect l="l" t="t" r="r" b="b"/>
+            <a:pathLst>
+              <a:path w="2347546" h="2845847">
+                <a:moveTo>
+                  <a:pt x="0" y="0"/>
+                </a:moveTo>
+                <a:cubicBezTo>
+                  <a:pt x="573698" y="131152"/>
+                  <a:pt x="1147396" y="262304"/>
+                  <a:pt x="1345223" y="571500"/>
+                </a:cubicBezTo>
+                <a:cubicBezTo>
+                  <a:pt x="1543050" y="880696"/>
+                  <a:pt x="1125415" y="1494692"/>
+                  <a:pt x="1186961" y="1855177"/>
+                </a:cubicBezTo>
+                <a:cubicBezTo>
+                  <a:pt x="1248507" y="2215662"/>
+                  <a:pt x="1521069" y="2574681"/>
+                  <a:pt x="1714500" y="2734408"/>
+                </a:cubicBezTo>
+                <a:cubicBezTo>
+                  <a:pt x="1907931" y="2894135"/>
+                  <a:pt x="2340952" y="2844311"/>
+                  <a:pt x="2347546" y="2813538"/>
+                </a:cubicBezTo>
+              </a:path>
+            </a:pathLst>
+          </a:custGeom>
+          <a:noFill/>
+          <a:ln w="38100">
+            <a:solidFill>
+              <a:schemeClr val="tx1"/>
+            </a:solidFill>
+            <a:prstDash val="dash"/>
+          </a:ln>
+        </p:spPr>
+        <p:style>
+          <a:lnRef idx="2">
+            <a:schemeClr val="accent1">
+              <a:shade val="50000"/>
+            </a:schemeClr>
+          </a:lnRef>
+          <a:fillRef idx="1">
+            <a:schemeClr val="accent1"/>
+          </a:fillRef>
+          <a:effectRef idx="0">
+            <a:schemeClr val="accent1"/>
+          </a:effectRef>
+          <a:fontRef idx="minor">
+            <a:schemeClr val="lt1"/>
+          </a:fontRef>
+        </p:style>
+        <p:txBody>
+          <a:bodyPr rtlCol="0" anchor="ctr"/>
+          <a:lstStyle/>
+          <a:p>
+            <a:pPr algn="ctr"/>
+            <a:endParaRPr lang="it-IT"/>
+          </a:p>
+        </p:txBody>
+      </p:sp>
+      <p:sp>
+        <p:nvSpPr>
+          <p:cNvPr id="9" name="Figura a mano libera: forma 8">
+            <a:extLst>
+              <a:ext uri="{FF2B5EF4-FFF2-40B4-BE49-F238E27FC236}">
+                <a16:creationId xmlns:a16="http://schemas.microsoft.com/office/drawing/2014/main" id="{4D713577-669C-4389-A621-CB4E88F81249}"/>
+              </a:ext>
+            </a:extLst>
+          </p:cNvPr>
+          <p:cNvSpPr/>
+          <p:nvPr/>
+        </p:nvSpPr>
+        <p:spPr>
+          <a:xfrm>
+            <a:off x="5924595" y="2499489"/>
+            <a:ext cx="1362871" cy="2134057"/>
+          </a:xfrm>
+          <a:custGeom>
+            <a:avLst/>
+            <a:gdLst>
+              <a:gd name="connsiteX0" fmla="*/ 0 w 1362871"/>
+              <a:gd name="connsiteY0" fmla="*/ 130290 h 2284406"/>
+              <a:gd name="connsiteX1" fmla="*/ 1362808 w 1362871"/>
+              <a:gd name="connsiteY1" fmla="*/ 130290 h 2284406"/>
+              <a:gd name="connsiteX2" fmla="*/ 61546 w 1362871"/>
+              <a:gd name="connsiteY2" fmla="*/ 1484306 h 2284406"/>
+              <a:gd name="connsiteX3" fmla="*/ 896815 w 1362871"/>
+              <a:gd name="connsiteY3" fmla="*/ 1923921 h 2284406"/>
+              <a:gd name="connsiteX4" fmla="*/ 949569 w 1362871"/>
+              <a:gd name="connsiteY4" fmla="*/ 2284406 h 2284406"/>
+              <a:gd name="connsiteX0" fmla="*/ 0 w 1362871"/>
+              <a:gd name="connsiteY0" fmla="*/ 130290 h 1923921"/>
+              <a:gd name="connsiteX1" fmla="*/ 1362808 w 1362871"/>
+              <a:gd name="connsiteY1" fmla="*/ 130290 h 1923921"/>
+              <a:gd name="connsiteX2" fmla="*/ 61546 w 1362871"/>
+              <a:gd name="connsiteY2" fmla="*/ 1484306 h 1923921"/>
+              <a:gd name="connsiteX3" fmla="*/ 896815 w 1362871"/>
+              <a:gd name="connsiteY3" fmla="*/ 1923921 h 1923921"/>
+            </a:gdLst>
+            <a:ahLst/>
+            <a:cxnLst>
+              <a:cxn ang="0">
+                <a:pos x="connsiteX0" y="connsiteY0"/>
+              </a:cxn>
+              <a:cxn ang="0">
+                <a:pos x="connsiteX1" y="connsiteY1"/>
+              </a:cxn>
+              <a:cxn ang="0">
+                <a:pos x="connsiteX2" y="connsiteY2"/>
+              </a:cxn>
+              <a:cxn ang="0">
+                <a:pos x="connsiteX3" y="connsiteY3"/>
+              </a:cxn>
+            </a:cxnLst>
+            <a:rect l="l" t="t" r="r" b="b"/>
+            <a:pathLst>
+              <a:path w="1362871" h="1923921">
+                <a:moveTo>
+                  <a:pt x="0" y="130290"/>
+                </a:moveTo>
+                <a:cubicBezTo>
+                  <a:pt x="676275" y="17455"/>
+                  <a:pt x="1352550" y="-95379"/>
+                  <a:pt x="1362808" y="130290"/>
+                </a:cubicBezTo>
+                <a:cubicBezTo>
+                  <a:pt x="1373066" y="355959"/>
+                  <a:pt x="139211" y="1185368"/>
+                  <a:pt x="61546" y="1484306"/>
+                </a:cubicBezTo>
+                <a:cubicBezTo>
+                  <a:pt x="-16119" y="1783244"/>
+                  <a:pt x="748811" y="1790571"/>
+                  <a:pt x="896815" y="1923921"/>
+                </a:cubicBezTo>
+              </a:path>
+            </a:pathLst>
+          </a:custGeom>
+          <a:noFill/>
+          <a:ln w="38100">
+            <a:solidFill>
+              <a:schemeClr val="tx1"/>
+            </a:solidFill>
+            <a:prstDash val="dash"/>
+          </a:ln>
+        </p:spPr>
+        <p:style>
+          <a:lnRef idx="2">
+            <a:schemeClr val="accent1">
+              <a:shade val="50000"/>
+            </a:schemeClr>
+          </a:lnRef>
+          <a:fillRef idx="1">
+            <a:schemeClr val="accent1"/>
+          </a:fillRef>
+          <a:effectRef idx="0">
+            <a:schemeClr val="accent1"/>
+          </a:effectRef>
+          <a:fontRef idx="minor">
+            <a:schemeClr val="lt1"/>
+          </a:fontRef>
+        </p:style>
+        <p:txBody>
+          <a:bodyPr rot="0" spcFirstLastPara="0" vertOverflow="overflow" horzOverflow="overflow" vert="horz" wrap="square" lIns="91440" tIns="45720" rIns="91440" bIns="45720" numCol="1" spcCol="0" rtlCol="0" fromWordArt="0" anchor="ctr" anchorCtr="0" forceAA="0" compatLnSpc="1">
+            <a:prstTxWarp prst="textNoShape">
+              <a:avLst/>
+            </a:prstTxWarp>
+            <a:noAutofit/>
+          </a:bodyPr>
+          <a:lstStyle/>
+          <a:p>
+            <a:pPr algn="ctr"/>
+            <a:endParaRPr lang="it-IT"/>
+          </a:p>
+        </p:txBody>
+      </p:sp>
+      <p:sp>
+        <p:nvSpPr>
+          <p:cNvPr id="10" name="Figura a mano libera: forma 9">
+            <a:extLst>
+              <a:ext uri="{FF2B5EF4-FFF2-40B4-BE49-F238E27FC236}">
+                <a16:creationId xmlns:a16="http://schemas.microsoft.com/office/drawing/2014/main" id="{AF65964B-F066-40FC-B1A6-5C6BAF46A187}"/>
+              </a:ext>
+            </a:extLst>
+          </p:cNvPr>
+          <p:cNvSpPr/>
+          <p:nvPr/>
+        </p:nvSpPr>
+        <p:spPr>
+          <a:xfrm>
+            <a:off x="10191167" y="4458578"/>
+            <a:ext cx="1688123" cy="2516448"/>
+          </a:xfrm>
+          <a:custGeom>
+            <a:avLst/>
+            <a:gdLst>
+              <a:gd name="connsiteX0" fmla="*/ 0 w 1688123"/>
+              <a:gd name="connsiteY0" fmla="*/ 76463 h 2377226"/>
+              <a:gd name="connsiteX1" fmla="*/ 1670538 w 1688123"/>
+              <a:gd name="connsiteY1" fmla="*/ 208348 h 2377226"/>
+              <a:gd name="connsiteX2" fmla="*/ 764930 w 1688123"/>
+              <a:gd name="connsiteY2" fmla="*/ 1852509 h 2377226"/>
+              <a:gd name="connsiteX3" fmla="*/ 1459523 w 1688123"/>
+              <a:gd name="connsiteY3" fmla="*/ 2336086 h 2377226"/>
+              <a:gd name="connsiteX4" fmla="*/ 1688123 w 1688123"/>
+              <a:gd name="connsiteY4" fmla="*/ 2318501 h 2377226"/>
+            </a:gdLst>
+            <a:ahLst/>
+            <a:cxnLst>
+              <a:cxn ang="0">
+                <a:pos x="connsiteX0" y="connsiteY0"/>
+              </a:cxn>
+              <a:cxn ang="0">
+                <a:pos x="connsiteX1" y="connsiteY1"/>
+              </a:cxn>
+              <a:cxn ang="0">
+                <a:pos x="connsiteX2" y="connsiteY2"/>
+              </a:cxn>
+              <a:cxn ang="0">
+                <a:pos x="connsiteX3" y="connsiteY3"/>
+              </a:cxn>
+              <a:cxn ang="0">
+                <a:pos x="connsiteX4" y="connsiteY4"/>
+              </a:cxn>
+            </a:cxnLst>
+            <a:rect l="l" t="t" r="r" b="b"/>
+            <a:pathLst>
+              <a:path w="1688123" h="2377226">
+                <a:moveTo>
+                  <a:pt x="0" y="76463"/>
+                </a:moveTo>
+                <a:cubicBezTo>
+                  <a:pt x="771525" y="-5599"/>
+                  <a:pt x="1543050" y="-87660"/>
+                  <a:pt x="1670538" y="208348"/>
+                </a:cubicBezTo>
+                <a:cubicBezTo>
+                  <a:pt x="1798026" y="504356"/>
+                  <a:pt x="800099" y="1497886"/>
+                  <a:pt x="764930" y="1852509"/>
+                </a:cubicBezTo>
+                <a:cubicBezTo>
+                  <a:pt x="729761" y="2207132"/>
+                  <a:pt x="1305658" y="2258421"/>
+                  <a:pt x="1459523" y="2336086"/>
+                </a:cubicBezTo>
+                <a:cubicBezTo>
+                  <a:pt x="1613388" y="2413751"/>
+                  <a:pt x="1650755" y="2366126"/>
+                  <a:pt x="1688123" y="2318501"/>
+                </a:cubicBezTo>
+              </a:path>
+            </a:pathLst>
+          </a:custGeom>
+          <a:noFill/>
+          <a:ln w="38100">
+            <a:solidFill>
+              <a:schemeClr val="tx1"/>
+            </a:solidFill>
+            <a:prstDash val="dash"/>
+          </a:ln>
+        </p:spPr>
+        <p:style>
+          <a:lnRef idx="2">
+            <a:schemeClr val="accent1">
+              <a:shade val="50000"/>
+            </a:schemeClr>
+          </a:lnRef>
+          <a:fillRef idx="1">
+            <a:schemeClr val="accent1"/>
+          </a:fillRef>
+          <a:effectRef idx="0">
+            <a:schemeClr val="accent1"/>
+          </a:effectRef>
+          <a:fontRef idx="minor">
+            <a:schemeClr val="lt1"/>
+          </a:fontRef>
+        </p:style>
+        <p:txBody>
+          <a:bodyPr rot="0" spcFirstLastPara="0" vertOverflow="overflow" horzOverflow="overflow" vert="horz" wrap="square" lIns="91440" tIns="45720" rIns="91440" bIns="45720" numCol="1" spcCol="0" rtlCol="0" fromWordArt="0" anchor="ctr" anchorCtr="0" forceAA="0" compatLnSpc="1">
+            <a:prstTxWarp prst="textNoShape">
+              <a:avLst/>
+            </a:prstTxWarp>
+            <a:noAutofit/>
+          </a:bodyPr>
+          <a:lstStyle/>
+          <a:p>
+            <a:pPr algn="ctr"/>
+            <a:endParaRPr lang="it-IT"/>
+          </a:p>
+        </p:txBody>
+      </p:sp>
+      <p:sp>
+        <p:nvSpPr>
+          <p:cNvPr id="14" name="Figura a mano libera: forma 13">
+            <a:extLst>
+              <a:ext uri="{FF2B5EF4-FFF2-40B4-BE49-F238E27FC236}">
+                <a16:creationId xmlns:a16="http://schemas.microsoft.com/office/drawing/2014/main" id="{D8B644DC-AD2D-4C61-AA99-8536108B32DD}"/>
+              </a:ext>
+            </a:extLst>
+          </p:cNvPr>
+          <p:cNvSpPr/>
+          <p:nvPr/>
+        </p:nvSpPr>
+        <p:spPr>
+          <a:xfrm>
+            <a:off x="3719146" y="3200400"/>
+            <a:ext cx="528715" cy="1134208"/>
+          </a:xfrm>
+          <a:custGeom>
+            <a:avLst/>
+            <a:gdLst>
+              <a:gd name="connsiteX0" fmla="*/ 369277 w 528715"/>
+              <a:gd name="connsiteY0" fmla="*/ 0 h 1134208"/>
+              <a:gd name="connsiteX1" fmla="*/ 509954 w 528715"/>
+              <a:gd name="connsiteY1" fmla="*/ 527538 h 1134208"/>
+              <a:gd name="connsiteX2" fmla="*/ 0 w 528715"/>
+              <a:gd name="connsiteY2" fmla="*/ 1134208 h 1134208"/>
+            </a:gdLst>
+            <a:ahLst/>
+            <a:cxnLst>
+              <a:cxn ang="0">
+                <a:pos x="connsiteX0" y="connsiteY0"/>
+              </a:cxn>
+              <a:cxn ang="0">
+                <a:pos x="connsiteX1" y="connsiteY1"/>
+              </a:cxn>
+              <a:cxn ang="0">
+                <a:pos x="connsiteX2" y="connsiteY2"/>
+              </a:cxn>
+            </a:cxnLst>
+            <a:rect l="l" t="t" r="r" b="b"/>
+            <a:pathLst>
+              <a:path w="528715" h="1134208">
+                <a:moveTo>
+                  <a:pt x="369277" y="0"/>
+                </a:moveTo>
+                <a:cubicBezTo>
+                  <a:pt x="470388" y="169251"/>
+                  <a:pt x="571500" y="338503"/>
+                  <a:pt x="509954" y="527538"/>
+                </a:cubicBezTo>
+                <a:cubicBezTo>
+                  <a:pt x="448408" y="716573"/>
+                  <a:pt x="224204" y="925390"/>
+                  <a:pt x="0" y="1134208"/>
+                </a:cubicBezTo>
+              </a:path>
+            </a:pathLst>
+          </a:custGeom>
+          <a:ln w="38100" cap="flat">
+            <a:solidFill>
+              <a:schemeClr val="dk1"/>
+            </a:solidFill>
+          </a:ln>
+        </p:spPr>
+        <p:style>
+          <a:lnRef idx="3">
+            <a:schemeClr val="dk1"/>
+          </a:lnRef>
+          <a:fillRef idx="0">
+            <a:schemeClr val="dk1"/>
+          </a:fillRef>
+          <a:effectRef idx="2">
+            <a:schemeClr val="dk1"/>
+          </a:effectRef>
+          <a:fontRef idx="minor">
+            <a:schemeClr val="tx1"/>
+          </a:fontRef>
+        </p:style>
+        <p:txBody>
+          <a:bodyPr rot="0" spcFirstLastPara="0" vertOverflow="overflow" horzOverflow="overflow" vert="horz" wrap="square" lIns="91440" tIns="45720" rIns="91440" bIns="45720" numCol="1" spcCol="0" rtlCol="0" fromWordArt="0" anchor="ctr" anchorCtr="0" forceAA="0" compatLnSpc="1">
+            <a:prstTxWarp prst="textNoShape">
+              <a:avLst/>
+            </a:prstTxWarp>
+            <a:noAutofit/>
+          </a:bodyPr>
+          <a:lstStyle/>
+          <a:p>
+            <a:pPr algn="ctr"/>
+            <a:endParaRPr lang="it-IT" b="1">
+              <a:solidFill>
+                <a:schemeClr val="tx1"/>
+              </a:solidFill>
+            </a:endParaRPr>
+          </a:p>
+        </p:txBody>
+      </p:sp>
+      <p:sp>
+        <p:nvSpPr>
+          <p:cNvPr id="15" name="Figura a mano libera: forma 14">
+            <a:extLst>
+              <a:ext uri="{FF2B5EF4-FFF2-40B4-BE49-F238E27FC236}">
+                <a16:creationId xmlns:a16="http://schemas.microsoft.com/office/drawing/2014/main" id="{D9B82B0F-B4E2-4736-86A0-2F20CB26AFC8}"/>
+              </a:ext>
+            </a:extLst>
+          </p:cNvPr>
+          <p:cNvSpPr/>
+          <p:nvPr/>
+        </p:nvSpPr>
+        <p:spPr>
+          <a:xfrm rot="4366853">
+            <a:off x="3673378" y="4071954"/>
+            <a:ext cx="226792" cy="310379"/>
+          </a:xfrm>
+          <a:custGeom>
+            <a:avLst/>
+            <a:gdLst>
+              <a:gd name="connsiteX0" fmla="*/ 0 w 484384"/>
+              <a:gd name="connsiteY0" fmla="*/ 213206 h 474750"/>
+              <a:gd name="connsiteX1" fmla="*/ 452761 w 484384"/>
+              <a:gd name="connsiteY1" fmla="*/ 435148 h 474750"/>
+              <a:gd name="connsiteX2" fmla="*/ 443884 w 484384"/>
+              <a:gd name="connsiteY2" fmla="*/ 435148 h 474750"/>
+              <a:gd name="connsiteX3" fmla="*/ 426128 w 484384"/>
+              <a:gd name="connsiteY3" fmla="*/ 35653 h 474750"/>
+              <a:gd name="connsiteX4" fmla="*/ 435006 w 484384"/>
+              <a:gd name="connsiteY4" fmla="*/ 44531 h 474750"/>
+            </a:gdLst>
+            <a:ahLst/>
+            <a:cxnLst>
+              <a:cxn ang="0">
+                <a:pos x="connsiteX0" y="connsiteY0"/>
+              </a:cxn>
+              <a:cxn ang="0">
+                <a:pos x="connsiteX1" y="connsiteY1"/>
+              </a:cxn>
+              <a:cxn ang="0">
+                <a:pos x="connsiteX2" y="connsiteY2"/>
+              </a:cxn>
+              <a:cxn ang="0">
+                <a:pos x="connsiteX3" y="connsiteY3"/>
+              </a:cxn>
+              <a:cxn ang="0">
+                <a:pos x="connsiteX4" y="connsiteY4"/>
+              </a:cxn>
+            </a:cxnLst>
+            <a:rect l="l" t="t" r="r" b="b"/>
+            <a:pathLst>
+              <a:path w="484384" h="474750">
+                <a:moveTo>
+                  <a:pt x="0" y="213206"/>
+                </a:moveTo>
+                <a:lnTo>
+                  <a:pt x="452761" y="435148"/>
+                </a:lnTo>
+                <a:cubicBezTo>
+                  <a:pt x="526742" y="472138"/>
+                  <a:pt x="448323" y="501731"/>
+                  <a:pt x="443884" y="435148"/>
+                </a:cubicBezTo>
+                <a:cubicBezTo>
+                  <a:pt x="439445" y="368565"/>
+                  <a:pt x="427608" y="100756"/>
+                  <a:pt x="426128" y="35653"/>
+                </a:cubicBezTo>
+                <a:cubicBezTo>
+                  <a:pt x="424648" y="-29450"/>
+                  <a:pt x="429827" y="7540"/>
+                  <a:pt x="435006" y="44531"/>
+                </a:cubicBezTo>
+              </a:path>
+            </a:pathLst>
+          </a:custGeom>
+          <a:ln w="38100" cap="flat">
+            <a:solidFill>
+              <a:schemeClr val="dk1"/>
+            </a:solidFill>
+          </a:ln>
+        </p:spPr>
+        <p:style>
+          <a:lnRef idx="3">
+            <a:schemeClr val="dk1"/>
+          </a:lnRef>
+          <a:fillRef idx="0">
+            <a:schemeClr val="dk1"/>
+          </a:fillRef>
+          <a:effectRef idx="2">
+            <a:schemeClr val="dk1"/>
+          </a:effectRef>
+          <a:fontRef idx="minor">
+            <a:schemeClr val="tx1"/>
+          </a:fontRef>
+        </p:style>
+        <p:txBody>
+          <a:bodyPr rtlCol="0" anchor="ctr"/>
+          <a:lstStyle/>
+          <a:p>
+            <a:pPr algn="ctr"/>
+            <a:endParaRPr lang="it-IT" b="1"/>
+          </a:p>
+        </p:txBody>
+      </p:sp>
+      <p:sp>
+        <p:nvSpPr>
+          <p:cNvPr id="17" name="Figura a mano libera: forma 16">
+            <a:extLst>
+              <a:ext uri="{FF2B5EF4-FFF2-40B4-BE49-F238E27FC236}">
+                <a16:creationId xmlns:a16="http://schemas.microsoft.com/office/drawing/2014/main" id="{9383B5B2-FB4D-46DC-9908-ADE97E8C73BC}"/>
+              </a:ext>
+            </a:extLst>
+          </p:cNvPr>
+          <p:cNvSpPr/>
+          <p:nvPr/>
+        </p:nvSpPr>
+        <p:spPr>
+          <a:xfrm rot="13913730">
+            <a:off x="8362903" y="1952999"/>
+            <a:ext cx="269087" cy="373275"/>
+          </a:xfrm>
+          <a:custGeom>
+            <a:avLst/>
+            <a:gdLst>
+              <a:gd name="connsiteX0" fmla="*/ 0 w 484384"/>
+              <a:gd name="connsiteY0" fmla="*/ 213206 h 474750"/>
+              <a:gd name="connsiteX1" fmla="*/ 452761 w 484384"/>
+              <a:gd name="connsiteY1" fmla="*/ 435148 h 474750"/>
+              <a:gd name="connsiteX2" fmla="*/ 443884 w 484384"/>
+              <a:gd name="connsiteY2" fmla="*/ 435148 h 474750"/>
+              <a:gd name="connsiteX3" fmla="*/ 426128 w 484384"/>
+              <a:gd name="connsiteY3" fmla="*/ 35653 h 474750"/>
+              <a:gd name="connsiteX4" fmla="*/ 435006 w 484384"/>
+              <a:gd name="connsiteY4" fmla="*/ 44531 h 474750"/>
+            </a:gdLst>
+            <a:ahLst/>
+            <a:cxnLst>
+              <a:cxn ang="0">
+                <a:pos x="connsiteX0" y="connsiteY0"/>
+              </a:cxn>
+              <a:cxn ang="0">
+                <a:pos x="connsiteX1" y="connsiteY1"/>
+              </a:cxn>
+              <a:cxn ang="0">
+                <a:pos x="connsiteX2" y="connsiteY2"/>
+              </a:cxn>
+              <a:cxn ang="0">
+                <a:pos x="connsiteX3" y="connsiteY3"/>
+              </a:cxn>
+              <a:cxn ang="0">
+                <a:pos x="connsiteX4" y="connsiteY4"/>
+              </a:cxn>
+            </a:cxnLst>
+            <a:rect l="l" t="t" r="r" b="b"/>
+            <a:pathLst>
+              <a:path w="484384" h="474750">
+                <a:moveTo>
+                  <a:pt x="0" y="213206"/>
+                </a:moveTo>
+                <a:lnTo>
+                  <a:pt x="452761" y="435148"/>
+                </a:lnTo>
+                <a:cubicBezTo>
+                  <a:pt x="526742" y="472138"/>
+                  <a:pt x="448323" y="501731"/>
+                  <a:pt x="443884" y="435148"/>
+                </a:cubicBezTo>
+                <a:cubicBezTo>
+                  <a:pt x="439445" y="368565"/>
+                  <a:pt x="427608" y="100756"/>
+                  <a:pt x="426128" y="35653"/>
+                </a:cubicBezTo>
+                <a:cubicBezTo>
+                  <a:pt x="424648" y="-29450"/>
+                  <a:pt x="429827" y="7540"/>
+                  <a:pt x="435006" y="44531"/>
+                </a:cubicBezTo>
+              </a:path>
+            </a:pathLst>
+          </a:custGeom>
+          <a:ln w="38100" cap="flat">
+            <a:solidFill>
+              <a:schemeClr val="dk1"/>
+            </a:solidFill>
+          </a:ln>
+        </p:spPr>
+        <p:style>
+          <a:lnRef idx="3">
+            <a:schemeClr val="dk1"/>
+          </a:lnRef>
+          <a:fillRef idx="0">
+            <a:schemeClr val="dk1"/>
+          </a:fillRef>
+          <a:effectRef idx="2">
+            <a:schemeClr val="dk1"/>
+          </a:effectRef>
+          <a:fontRef idx="minor">
+            <a:schemeClr val="tx1"/>
+          </a:fontRef>
+        </p:style>
+        <p:txBody>
+          <a:bodyPr rtlCol="0" anchor="ctr"/>
+          <a:lstStyle/>
+          <a:p>
+            <a:pPr algn="ctr"/>
+            <a:endParaRPr lang="it-IT" b="1"/>
+          </a:p>
+        </p:txBody>
+      </p:sp>
+      <p:sp>
+        <p:nvSpPr>
+          <p:cNvPr id="18" name="CasellaDiTesto 17">
+            <a:extLst>
+              <a:ext uri="{FF2B5EF4-FFF2-40B4-BE49-F238E27FC236}">
+                <a16:creationId xmlns:a16="http://schemas.microsoft.com/office/drawing/2014/main" id="{AA03D525-2832-4A7C-9A03-C0642676733D}"/>
+              </a:ext>
+            </a:extLst>
+          </p:cNvPr>
+          <p:cNvSpPr txBox="1"/>
+          <p:nvPr/>
+        </p:nvSpPr>
+        <p:spPr>
+          <a:xfrm>
+            <a:off x="1503191" y="4571999"/>
+            <a:ext cx="2374511" cy="830997"/>
+          </a:xfrm>
+          <a:prstGeom prst="rect">
+            <a:avLst/>
+          </a:prstGeom>
+          <a:noFill/>
+        </p:spPr>
+        <p:txBody>
+          <a:bodyPr wrap="square" rtlCol="0">
+            <a:spAutoFit/>
+          </a:bodyPr>
+          <a:lstStyle/>
+          <a:p>
+            <a:r>
+              <a:rPr lang="en-US" sz="2400">
+                <a:latin typeface="Oswald" panose="00000500000000000000" pitchFamily="2" charset="0"/>
+              </a:rPr>
+              <a:t>Serve per risolvere classi di </a:t>
+            </a:r>
+            <a:r>
+              <a:rPr lang="en-US" sz="2400">
+                <a:latin typeface="Oswald SemiBold" panose="00000700000000000000" pitchFamily="2" charset="0"/>
+              </a:rPr>
+              <a:t>problemi</a:t>
+            </a:r>
+            <a:endParaRPr lang="it-IT" sz="2400">
+              <a:latin typeface="Oswald SemiBold" panose="00000700000000000000" pitchFamily="2" charset="0"/>
+            </a:endParaRPr>
+          </a:p>
+        </p:txBody>
+      </p:sp>
+      <p:sp>
+        <p:nvSpPr>
+          <p:cNvPr id="21" name="CasellaDiTesto 20">
+            <a:extLst>
+              <a:ext uri="{FF2B5EF4-FFF2-40B4-BE49-F238E27FC236}">
+                <a16:creationId xmlns:a16="http://schemas.microsoft.com/office/drawing/2014/main" id="{B91E1F1F-D95C-4C20-948A-A6ACDFFBC80C}"/>
+              </a:ext>
+            </a:extLst>
+          </p:cNvPr>
+          <p:cNvSpPr txBox="1"/>
+          <p:nvPr/>
+        </p:nvSpPr>
+        <p:spPr>
+          <a:xfrm>
+            <a:off x="7807864" y="1004564"/>
+            <a:ext cx="3227364" cy="830997"/>
+          </a:xfrm>
+          <a:prstGeom prst="rect">
+            <a:avLst/>
+          </a:prstGeom>
+          <a:noFill/>
+        </p:spPr>
+        <p:txBody>
+          <a:bodyPr wrap="square" rtlCol="0">
+            <a:spAutoFit/>
+          </a:bodyPr>
+          <a:lstStyle/>
+          <a:p>
+            <a:pPr algn="ctr"/>
+            <a:r>
+              <a:rPr lang="en-US" sz="2400">
+                <a:latin typeface="Oswald" panose="00000500000000000000" pitchFamily="2" charset="0"/>
+              </a:rPr>
+              <a:t>Si ispira alla </a:t>
+            </a:r>
+            <a:r>
+              <a:rPr lang="en-US" sz="2400" b="1">
+                <a:latin typeface="Oswald SemiBold" panose="00000700000000000000" pitchFamily="2" charset="0"/>
+              </a:rPr>
+              <a:t>selezione</a:t>
+            </a:r>
+            <a:r>
+              <a:rPr lang="en-US" sz="2400">
+                <a:latin typeface="Oswald" panose="00000500000000000000" pitchFamily="2" charset="0"/>
+              </a:rPr>
+              <a:t> </a:t>
+            </a:r>
+            <a:r>
+              <a:rPr lang="en-US" sz="2400">
+                <a:latin typeface="Oswald SemiBold" panose="00000700000000000000" pitchFamily="2" charset="0"/>
+              </a:rPr>
+              <a:t>naturale</a:t>
+            </a:r>
+            <a:r>
+              <a:rPr lang="en-US" sz="2400">
+                <a:latin typeface="Oswald" panose="00000500000000000000" pitchFamily="2" charset="0"/>
+              </a:rPr>
+              <a:t> e alla </a:t>
+            </a:r>
+            <a:r>
+              <a:rPr lang="en-US" sz="2400">
+                <a:latin typeface="Oswald SemiBold" panose="00000700000000000000" pitchFamily="2" charset="0"/>
+              </a:rPr>
+              <a:t>genetica</a:t>
+            </a:r>
+            <a:endParaRPr lang="it-IT" sz="2400">
+              <a:latin typeface="Oswald SemiBold" panose="00000700000000000000" pitchFamily="2" charset="0"/>
+            </a:endParaRPr>
+          </a:p>
+        </p:txBody>
+      </p:sp>
+      <p:sp>
+        <p:nvSpPr>
+          <p:cNvPr id="23" name="Figura a mano libera: forma 22">
+            <a:extLst>
+              <a:ext uri="{FF2B5EF4-FFF2-40B4-BE49-F238E27FC236}">
+                <a16:creationId xmlns:a16="http://schemas.microsoft.com/office/drawing/2014/main" id="{7CFE28F5-7302-4004-9F71-15D3882E2941}"/>
+              </a:ext>
+            </a:extLst>
+          </p:cNvPr>
+          <p:cNvSpPr/>
+          <p:nvPr/>
+        </p:nvSpPr>
+        <p:spPr>
+          <a:xfrm>
+            <a:off x="8255208" y="1995853"/>
+            <a:ext cx="276439" cy="1890347"/>
+          </a:xfrm>
+          <a:custGeom>
+            <a:avLst/>
+            <a:gdLst>
+              <a:gd name="connsiteX0" fmla="*/ 263769 w 276439"/>
+              <a:gd name="connsiteY0" fmla="*/ 1890347 h 1890347"/>
+              <a:gd name="connsiteX1" fmla="*/ 246184 w 276439"/>
+              <a:gd name="connsiteY1" fmla="*/ 1661747 h 1890347"/>
+              <a:gd name="connsiteX2" fmla="*/ 0 w 276439"/>
+              <a:gd name="connsiteY2" fmla="*/ 1055077 h 1890347"/>
+              <a:gd name="connsiteX3" fmla="*/ 246184 w 276439"/>
+              <a:gd name="connsiteY3" fmla="*/ 0 h 1890347"/>
+            </a:gdLst>
+            <a:ahLst/>
+            <a:cxnLst>
+              <a:cxn ang="0">
+                <a:pos x="connsiteX0" y="connsiteY0"/>
+              </a:cxn>
+              <a:cxn ang="0">
+                <a:pos x="connsiteX1" y="connsiteY1"/>
+              </a:cxn>
+              <a:cxn ang="0">
+                <a:pos x="connsiteX2" y="connsiteY2"/>
+              </a:cxn>
+              <a:cxn ang="0">
+                <a:pos x="connsiteX3" y="connsiteY3"/>
+              </a:cxn>
+            </a:cxnLst>
+            <a:rect l="l" t="t" r="r" b="b"/>
+            <a:pathLst>
+              <a:path w="276439" h="1890347">
+                <a:moveTo>
+                  <a:pt x="263769" y="1890347"/>
+                </a:moveTo>
+                <a:cubicBezTo>
+                  <a:pt x="276957" y="1845653"/>
+                  <a:pt x="290145" y="1800959"/>
+                  <a:pt x="246184" y="1661747"/>
+                </a:cubicBezTo>
+                <a:cubicBezTo>
+                  <a:pt x="202223" y="1522535"/>
+                  <a:pt x="0" y="1332035"/>
+                  <a:pt x="0" y="1055077"/>
+                </a:cubicBezTo>
+                <a:cubicBezTo>
+                  <a:pt x="0" y="778119"/>
+                  <a:pt x="123092" y="389059"/>
+                  <a:pt x="246184" y="0"/>
+                </a:cubicBezTo>
+              </a:path>
+            </a:pathLst>
+          </a:custGeom>
+          <a:ln w="38100" cap="flat">
+            <a:solidFill>
+              <a:schemeClr val="dk1"/>
+            </a:solidFill>
+          </a:ln>
+        </p:spPr>
+        <p:style>
+          <a:lnRef idx="3">
+            <a:schemeClr val="dk1"/>
+          </a:lnRef>
+          <a:fillRef idx="0">
+            <a:schemeClr val="dk1"/>
+          </a:fillRef>
+          <a:effectRef idx="2">
+            <a:schemeClr val="dk1"/>
+          </a:effectRef>
+          <a:fontRef idx="minor">
+            <a:schemeClr val="tx1"/>
+          </a:fontRef>
+        </p:style>
+        <p:txBody>
+          <a:bodyPr rot="0" spcFirstLastPara="0" vertOverflow="overflow" horzOverflow="overflow" vert="horz" wrap="square" lIns="91440" tIns="45720" rIns="91440" bIns="45720" numCol="1" spcCol="0" rtlCol="0" fromWordArt="0" anchor="ctr" anchorCtr="0" forceAA="0" compatLnSpc="1">
+            <a:prstTxWarp prst="textNoShape">
+              <a:avLst/>
+            </a:prstTxWarp>
+            <a:noAutofit/>
+          </a:bodyPr>
+          <a:lstStyle/>
+          <a:p>
+            <a:pPr algn="ctr"/>
+            <a:endParaRPr lang="it-IT" b="1">
+              <a:solidFill>
+                <a:schemeClr val="tx1"/>
+              </a:solidFill>
+            </a:endParaRPr>
+          </a:p>
+        </p:txBody>
+      </p:sp>
+    </p:spTree>
+    <p:extLst>
+      <p:ext uri="{BB962C8B-B14F-4D97-AF65-F5344CB8AC3E}">
+        <p14:creationId xmlns:p14="http://schemas.microsoft.com/office/powerpoint/2010/main" val="2709226315"/>
+      </p:ext>
+    </p:extLst>
+  </p:cSld>
+  <p:clrMapOvr>
+    <a:masterClrMapping/>
+  </p:clrMapOvr>
+</p:sld>
+</file>
+
+<file path=ppt/slides/slide40.xml><?xml version="1.0" encoding="utf-8"?>
+<p:sld xmlns:a="http://schemas.openxmlformats.org/drawingml/2006/main" xmlns:r="http://schemas.openxmlformats.org/officeDocument/2006/relationships" xmlns:p="http://schemas.openxmlformats.org/presentationml/2006/main" show="0">
+  <p:cSld>
+    <p:spTree>
+      <p:nvGrpSpPr>
+        <p:cNvPr id="1" name=""/>
+        <p:cNvGrpSpPr/>
+        <p:nvPr/>
+      </p:nvGrpSpPr>
+      <p:grpSpPr>
+        <a:xfrm>
+          <a:off x="0" y="0"/>
+          <a:ext cx="0" cy="0"/>
+          <a:chOff x="0" y="0"/>
+          <a:chExt cx="0" cy="0"/>
+        </a:xfrm>
+      </p:grpSpPr>
+      <p:pic>
+        <p:nvPicPr>
+          <p:cNvPr id="90" name="Immagine 89">
+            <a:extLst>
+              <a:ext uri="{FF2B5EF4-FFF2-40B4-BE49-F238E27FC236}">
+                <a16:creationId xmlns:a16="http://schemas.microsoft.com/office/drawing/2014/main" id="{CE8290A0-D475-41A6-8297-B6A51E31E6F7}"/>
+              </a:ext>
+            </a:extLst>
+          </p:cNvPr>
+          <p:cNvPicPr>
+            <a:picLocks noChangeAspect="1"/>
+          </p:cNvPicPr>
+          <p:nvPr/>
+        </p:nvPicPr>
+        <p:blipFill>
+          <a:blip r:embed="rId2">
+            <a:extLst>
+              <a:ext uri="{BEBA8EAE-BF5A-486C-A8C5-ECC9F3942E4B}">
+                <a14:imgProps xmlns:a14="http://schemas.microsoft.com/office/drawing/2010/main">
+                  <a14:imgLayer r:embed="rId3">
+                    <a14:imgEffect>
+                      <a14:saturation sat="0"/>
+                    </a14:imgEffect>
+                  </a14:imgLayer>
+                </a14:imgProps>
+              </a:ext>
+            </a:extLst>
+          </a:blip>
+          <a:stretch>
+            <a:fillRect/>
+          </a:stretch>
+        </p:blipFill>
+        <p:spPr>
+          <a:xfrm>
+            <a:off x="6562957" y="611880"/>
+            <a:ext cx="4722675" cy="1712220"/>
+          </a:xfrm>
+          <a:prstGeom prst="rect">
+            <a:avLst/>
+          </a:prstGeom>
+        </p:spPr>
+      </p:pic>
+      <p:pic>
+        <p:nvPicPr>
+          <p:cNvPr id="91" name="Immagine 90">
+            <a:extLst>
+              <a:ext uri="{FF2B5EF4-FFF2-40B4-BE49-F238E27FC236}">
+                <a16:creationId xmlns:a16="http://schemas.microsoft.com/office/drawing/2014/main" id="{32A70907-626B-466E-BDF8-AC4268ECDC7B}"/>
+              </a:ext>
+            </a:extLst>
+          </p:cNvPr>
+          <p:cNvPicPr>
+            <a:picLocks noChangeAspect="1"/>
+          </p:cNvPicPr>
+          <p:nvPr/>
+        </p:nvPicPr>
+        <p:blipFill>
+          <a:blip r:embed="rId4">
+            <a:extLst>
+              <a:ext uri="{BEBA8EAE-BF5A-486C-A8C5-ECC9F3942E4B}">
+                <a14:imgProps xmlns:a14="http://schemas.microsoft.com/office/drawing/2010/main">
+                  <a14:imgLayer r:embed="rId5">
+                    <a14:imgEffect>
+                      <a14:saturation sat="0"/>
+                    </a14:imgEffect>
+                  </a14:imgLayer>
+                </a14:imgProps>
+              </a:ext>
+            </a:extLst>
+          </a:blip>
+          <a:stretch>
+            <a:fillRect/>
+          </a:stretch>
+        </p:blipFill>
+        <p:spPr>
+          <a:xfrm>
+            <a:off x="6562957" y="4019550"/>
+            <a:ext cx="4722673" cy="1712220"/>
+          </a:xfrm>
+          <a:prstGeom prst="rect">
+            <a:avLst/>
+          </a:prstGeom>
+        </p:spPr>
+      </p:pic>
+      <p:sp>
+        <p:nvSpPr>
+          <p:cNvPr id="92" name="Figura a mano libera: forma 91">
+            <a:extLst>
+              <a:ext uri="{FF2B5EF4-FFF2-40B4-BE49-F238E27FC236}">
+                <a16:creationId xmlns:a16="http://schemas.microsoft.com/office/drawing/2014/main" id="{8979EA67-90AE-4945-BB76-DB89978D166B}"/>
+              </a:ext>
+            </a:extLst>
+          </p:cNvPr>
+          <p:cNvSpPr/>
+          <p:nvPr/>
+        </p:nvSpPr>
+        <p:spPr>
+          <a:xfrm>
+            <a:off x="9248775" y="2505075"/>
+            <a:ext cx="296266" cy="1304925"/>
+          </a:xfrm>
+          <a:custGeom>
+            <a:avLst/>
+            <a:gdLst>
+              <a:gd name="connsiteX0" fmla="*/ 0 w 296266"/>
+              <a:gd name="connsiteY0" fmla="*/ 0 h 1366621"/>
+              <a:gd name="connsiteX1" fmla="*/ 295275 w 296266"/>
+              <a:gd name="connsiteY1" fmla="*/ 647700 h 1366621"/>
+              <a:gd name="connsiteX2" fmla="*/ 95250 w 296266"/>
+              <a:gd name="connsiteY2" fmla="*/ 1304925 h 1366621"/>
+              <a:gd name="connsiteX3" fmla="*/ 76200 w 296266"/>
+              <a:gd name="connsiteY3" fmla="*/ 1343025 h 1366621"/>
+              <a:gd name="connsiteX4" fmla="*/ 85725 w 296266"/>
+              <a:gd name="connsiteY4" fmla="*/ 1343025 h 1366621"/>
+              <a:gd name="connsiteX0" fmla="*/ 838230 w 1134496"/>
+              <a:gd name="connsiteY0" fmla="*/ 0 h 1368573"/>
+              <a:gd name="connsiteX1" fmla="*/ 1133505 w 1134496"/>
+              <a:gd name="connsiteY1" fmla="*/ 647700 h 1368573"/>
+              <a:gd name="connsiteX2" fmla="*/ 933480 w 1134496"/>
+              <a:gd name="connsiteY2" fmla="*/ 1304925 h 1368573"/>
+              <a:gd name="connsiteX3" fmla="*/ 914430 w 1134496"/>
+              <a:gd name="connsiteY3" fmla="*/ 1343025 h 1368573"/>
+              <a:gd name="connsiteX4" fmla="*/ 30 w 1134496"/>
+              <a:gd name="connsiteY4" fmla="*/ 1304925 h 1368573"/>
+              <a:gd name="connsiteX0" fmla="*/ 0 w 296266"/>
+              <a:gd name="connsiteY0" fmla="*/ 0 h 1368573"/>
+              <a:gd name="connsiteX1" fmla="*/ 295275 w 296266"/>
+              <a:gd name="connsiteY1" fmla="*/ 647700 h 1368573"/>
+              <a:gd name="connsiteX2" fmla="*/ 95250 w 296266"/>
+              <a:gd name="connsiteY2" fmla="*/ 1304925 h 1368573"/>
+              <a:gd name="connsiteX3" fmla="*/ 76200 w 296266"/>
+              <a:gd name="connsiteY3" fmla="*/ 1343025 h 1368573"/>
+              <a:gd name="connsiteX0" fmla="*/ 0 w 296266"/>
+              <a:gd name="connsiteY0" fmla="*/ 0 h 1304925"/>
+              <a:gd name="connsiteX1" fmla="*/ 295275 w 296266"/>
+              <a:gd name="connsiteY1" fmla="*/ 647700 h 1304925"/>
+              <a:gd name="connsiteX2" fmla="*/ 95250 w 296266"/>
+              <a:gd name="connsiteY2" fmla="*/ 1304925 h 1304925"/>
+            </a:gdLst>
+            <a:ahLst/>
+            <a:cxnLst>
+              <a:cxn ang="0">
+                <a:pos x="connsiteX0" y="connsiteY0"/>
+              </a:cxn>
+              <a:cxn ang="0">
+                <a:pos x="connsiteX1" y="connsiteY1"/>
+              </a:cxn>
+              <a:cxn ang="0">
+                <a:pos x="connsiteX2" y="connsiteY2"/>
+              </a:cxn>
+            </a:cxnLst>
+            <a:rect l="l" t="t" r="r" b="b"/>
+            <a:pathLst>
+              <a:path w="296266" h="1304925">
+                <a:moveTo>
+                  <a:pt x="0" y="0"/>
+                </a:moveTo>
+                <a:cubicBezTo>
+                  <a:pt x="139700" y="215106"/>
+                  <a:pt x="279400" y="430213"/>
+                  <a:pt x="295275" y="647700"/>
+                </a:cubicBezTo>
+                <a:cubicBezTo>
+                  <a:pt x="311150" y="865187"/>
+                  <a:pt x="131763" y="1189037"/>
+                  <a:pt x="95250" y="1304925"/>
+                </a:cubicBezTo>
+              </a:path>
+            </a:pathLst>
+          </a:custGeom>
+          <a:ln w="38100" cap="flat">
+            <a:solidFill>
+              <a:schemeClr val="dk1"/>
+            </a:solidFill>
+          </a:ln>
+        </p:spPr>
+        <p:style>
+          <a:lnRef idx="3">
+            <a:schemeClr val="dk1"/>
+          </a:lnRef>
+          <a:fillRef idx="0">
+            <a:schemeClr val="dk1"/>
+          </a:fillRef>
+          <a:effectRef idx="2">
+            <a:schemeClr val="dk1"/>
+          </a:effectRef>
+          <a:fontRef idx="minor">
+            <a:schemeClr val="tx1"/>
+          </a:fontRef>
+        </p:style>
+        <p:txBody>
+          <a:bodyPr rot="0" spcFirstLastPara="0" vertOverflow="overflow" horzOverflow="overflow" vert="horz" wrap="square" lIns="91440" tIns="45720" rIns="91440" bIns="45720" numCol="1" spcCol="0" rtlCol="0" fromWordArt="0" anchor="ctr" anchorCtr="0" forceAA="0" compatLnSpc="1">
+            <a:prstTxWarp prst="textNoShape">
+              <a:avLst/>
+            </a:prstTxWarp>
+            <a:noAutofit/>
+          </a:bodyPr>
+          <a:lstStyle/>
+          <a:p>
+            <a:pPr algn="ctr"/>
+            <a:endParaRPr lang="it-IT" b="1">
+              <a:solidFill>
+                <a:schemeClr val="tx1"/>
+              </a:solidFill>
+            </a:endParaRPr>
+          </a:p>
+        </p:txBody>
+      </p:sp>
+      <p:sp>
+        <p:nvSpPr>
+          <p:cNvPr id="93" name="Figura a mano libera: forma 92">
+            <a:extLst>
+              <a:ext uri="{FF2B5EF4-FFF2-40B4-BE49-F238E27FC236}">
+                <a16:creationId xmlns:a16="http://schemas.microsoft.com/office/drawing/2014/main" id="{158C1F3E-2713-46AC-A854-D502E45C4961}"/>
+              </a:ext>
+            </a:extLst>
+          </p:cNvPr>
+          <p:cNvSpPr/>
+          <p:nvPr/>
+        </p:nvSpPr>
+        <p:spPr>
+          <a:xfrm rot="3123303">
+            <a:off x="9262364" y="3507272"/>
+            <a:ext cx="269087" cy="373275"/>
+          </a:xfrm>
+          <a:custGeom>
+            <a:avLst/>
+            <a:gdLst>
+              <a:gd name="connsiteX0" fmla="*/ 0 w 484384"/>
+              <a:gd name="connsiteY0" fmla="*/ 213206 h 474750"/>
+              <a:gd name="connsiteX1" fmla="*/ 452761 w 484384"/>
+              <a:gd name="connsiteY1" fmla="*/ 435148 h 474750"/>
+              <a:gd name="connsiteX2" fmla="*/ 443884 w 484384"/>
+              <a:gd name="connsiteY2" fmla="*/ 435148 h 474750"/>
+              <a:gd name="connsiteX3" fmla="*/ 426128 w 484384"/>
+              <a:gd name="connsiteY3" fmla="*/ 35653 h 474750"/>
+              <a:gd name="connsiteX4" fmla="*/ 435006 w 484384"/>
+              <a:gd name="connsiteY4" fmla="*/ 44531 h 474750"/>
+            </a:gdLst>
+            <a:ahLst/>
+            <a:cxnLst>
+              <a:cxn ang="0">
+                <a:pos x="connsiteX0" y="connsiteY0"/>
+              </a:cxn>
+              <a:cxn ang="0">
+                <a:pos x="connsiteX1" y="connsiteY1"/>
+              </a:cxn>
+              <a:cxn ang="0">
+                <a:pos x="connsiteX2" y="connsiteY2"/>
+              </a:cxn>
+              <a:cxn ang="0">
+                <a:pos x="connsiteX3" y="connsiteY3"/>
+              </a:cxn>
+              <a:cxn ang="0">
+                <a:pos x="connsiteX4" y="connsiteY4"/>
+              </a:cxn>
+            </a:cxnLst>
+            <a:rect l="l" t="t" r="r" b="b"/>
+            <a:pathLst>
+              <a:path w="484384" h="474750">
+                <a:moveTo>
+                  <a:pt x="0" y="213206"/>
+                </a:moveTo>
+                <a:lnTo>
+                  <a:pt x="452761" y="435148"/>
+                </a:lnTo>
+                <a:cubicBezTo>
+                  <a:pt x="526742" y="472138"/>
+                  <a:pt x="448323" y="501731"/>
+                  <a:pt x="443884" y="435148"/>
+                </a:cubicBezTo>
+                <a:cubicBezTo>
+                  <a:pt x="439445" y="368565"/>
+                  <a:pt x="427608" y="100756"/>
+                  <a:pt x="426128" y="35653"/>
+                </a:cubicBezTo>
+                <a:cubicBezTo>
+                  <a:pt x="424648" y="-29450"/>
+                  <a:pt x="429827" y="7540"/>
+                  <a:pt x="435006" y="44531"/>
+                </a:cubicBezTo>
+              </a:path>
+            </a:pathLst>
+          </a:custGeom>
+          <a:ln w="38100" cap="flat">
+            <a:solidFill>
+              <a:schemeClr val="dk1"/>
+            </a:solidFill>
+          </a:ln>
+        </p:spPr>
+        <p:style>
+          <a:lnRef idx="3">
+            <a:schemeClr val="dk1"/>
+          </a:lnRef>
+          <a:fillRef idx="0">
+            <a:schemeClr val="dk1"/>
+          </a:fillRef>
+          <a:effectRef idx="2">
+            <a:schemeClr val="dk1"/>
+          </a:effectRef>
+          <a:fontRef idx="minor">
+            <a:schemeClr val="tx1"/>
+          </a:fontRef>
+        </p:style>
+        <p:txBody>
+          <a:bodyPr rtlCol="0" anchor="ctr"/>
+          <a:lstStyle/>
+          <a:p>
+            <a:pPr algn="ctr"/>
+            <a:endParaRPr lang="it-IT" b="1"/>
+          </a:p>
+        </p:txBody>
+      </p:sp>
+      <p:sp>
+        <p:nvSpPr>
+          <p:cNvPr id="94" name="Titolo 1">
+            <a:extLst>
+              <a:ext uri="{FF2B5EF4-FFF2-40B4-BE49-F238E27FC236}">
+                <a16:creationId xmlns:a16="http://schemas.microsoft.com/office/drawing/2014/main" id="{A5D5873A-ABBC-4092-85C0-856BC0371927}"/>
+              </a:ext>
+            </a:extLst>
+          </p:cNvPr>
+          <p:cNvSpPr>
+            <a:spLocks noGrp="1"/>
+          </p:cNvSpPr>
+          <p:nvPr>
+            <p:ph type="ctrTitle"/>
+          </p:nvPr>
+        </p:nvSpPr>
+        <p:spPr>
+          <a:xfrm>
+            <a:off x="523531" y="1088435"/>
+            <a:ext cx="4894556" cy="1712220"/>
+          </a:xfrm>
+        </p:spPr>
+        <p:txBody>
+          <a:bodyPr>
+            <a:noAutofit/>
+          </a:bodyPr>
+          <a:lstStyle/>
+          <a:p>
+            <a:r>
+              <a:rPr lang="en-US" sz="11500">
+                <a:latin typeface="Amatic SC" panose="00000500000000000000" pitchFamily="2" charset="-79"/>
+                <a:cs typeface="Amatic SC" panose="00000500000000000000" pitchFamily="2" charset="-79"/>
+              </a:rPr>
+              <a:t>C</a:t>
+            </a:r>
+            <a:r>
+              <a:rPr lang="it-IT" sz="11500">
+                <a:latin typeface="Amatic SC" panose="00000500000000000000" pitchFamily="2" charset="-79"/>
+                <a:cs typeface="Amatic SC" panose="00000500000000000000" pitchFamily="2" charset="-79"/>
+              </a:rPr>
+              <a:t>rossover</a:t>
+            </a:r>
+          </a:p>
+        </p:txBody>
+      </p:sp>
+      <p:grpSp>
+        <p:nvGrpSpPr>
+          <p:cNvPr id="95" name="Gruppo 94">
+            <a:extLst>
+              <a:ext uri="{FF2B5EF4-FFF2-40B4-BE49-F238E27FC236}">
+                <a16:creationId xmlns:a16="http://schemas.microsoft.com/office/drawing/2014/main" id="{B5683AD9-F6F3-4E5E-9569-9798D0BB7697}"/>
+              </a:ext>
+            </a:extLst>
+          </p:cNvPr>
+          <p:cNvGrpSpPr/>
+          <p:nvPr/>
+        </p:nvGrpSpPr>
+        <p:grpSpPr>
+          <a:xfrm>
+            <a:off x="605311" y="1060585"/>
+            <a:ext cx="4687410" cy="1712220"/>
+            <a:chOff x="816745" y="275208"/>
+            <a:chExt cx="4687410" cy="3331345"/>
+          </a:xfrm>
+        </p:grpSpPr>
+        <p:cxnSp>
+          <p:nvCxnSpPr>
+            <p:cNvPr id="96" name="Connettore diritto 95">
+              <a:extLst>
+                <a:ext uri="{FF2B5EF4-FFF2-40B4-BE49-F238E27FC236}">
+                  <a16:creationId xmlns:a16="http://schemas.microsoft.com/office/drawing/2014/main" id="{F887BF12-9EB0-41A9-8E6E-8D4D125A4F8E}"/>
+                </a:ext>
+              </a:extLst>
+            </p:cNvPr>
+            <p:cNvCxnSpPr/>
+            <p:nvPr/>
+          </p:nvCxnSpPr>
+          <p:spPr>
+            <a:xfrm>
+              <a:off x="816746" y="275208"/>
+              <a:ext cx="4687409" cy="177553"/>
+            </a:xfrm>
+            <a:prstGeom prst="line">
+              <a:avLst/>
+            </a:prstGeom>
+            <a:ln w="19050"/>
+          </p:spPr>
+          <p:style>
+            <a:lnRef idx="2">
+              <a:schemeClr val="dk1"/>
+            </a:lnRef>
+            <a:fillRef idx="0">
+              <a:schemeClr val="dk1"/>
+            </a:fillRef>
+            <a:effectRef idx="1">
+              <a:schemeClr val="dk1"/>
+            </a:effectRef>
+            <a:fontRef idx="minor">
+              <a:schemeClr val="tx1"/>
+            </a:fontRef>
+          </p:style>
+        </p:cxnSp>
+        <p:cxnSp>
+          <p:nvCxnSpPr>
+            <p:cNvPr id="97" name="Connettore diritto 96">
+              <a:extLst>
+                <a:ext uri="{FF2B5EF4-FFF2-40B4-BE49-F238E27FC236}">
+                  <a16:creationId xmlns:a16="http://schemas.microsoft.com/office/drawing/2014/main" id="{952FD48D-582A-4B4A-BE29-20DB523E2ADE}"/>
+                </a:ext>
+              </a:extLst>
+            </p:cNvPr>
+            <p:cNvCxnSpPr/>
+            <p:nvPr/>
+          </p:nvCxnSpPr>
+          <p:spPr>
+            <a:xfrm>
+              <a:off x="816745" y="3429000"/>
+              <a:ext cx="4687409" cy="177553"/>
+            </a:xfrm>
+            <a:prstGeom prst="line">
+              <a:avLst/>
+            </a:prstGeom>
+            <a:ln w="19050"/>
+          </p:spPr>
+          <p:style>
+            <a:lnRef idx="2">
+              <a:schemeClr val="dk1"/>
+            </a:lnRef>
+            <a:fillRef idx="0">
+              <a:schemeClr val="dk1"/>
+            </a:fillRef>
+            <a:effectRef idx="1">
+              <a:schemeClr val="dk1"/>
+            </a:effectRef>
+            <a:fontRef idx="minor">
+              <a:schemeClr val="tx1"/>
+            </a:fontRef>
+          </p:style>
+        </p:cxnSp>
+      </p:grpSp>
+      <p:sp>
+        <p:nvSpPr>
+          <p:cNvPr id="98" name="CasellaDiTesto 97">
+            <a:extLst>
+              <a:ext uri="{FF2B5EF4-FFF2-40B4-BE49-F238E27FC236}">
+                <a16:creationId xmlns:a16="http://schemas.microsoft.com/office/drawing/2014/main" id="{0EC92DE4-9E08-4332-B6F3-2FDF061871F5}"/>
+              </a:ext>
+            </a:extLst>
+          </p:cNvPr>
+          <p:cNvSpPr txBox="1"/>
+          <p:nvPr/>
+        </p:nvSpPr>
+        <p:spPr>
+          <a:xfrm>
+            <a:off x="605311" y="3157537"/>
+            <a:ext cx="3660688" cy="769441"/>
+          </a:xfrm>
+          <a:prstGeom prst="rect">
+            <a:avLst/>
+          </a:prstGeom>
+          <a:noFill/>
+        </p:spPr>
+        <p:txBody>
+          <a:bodyPr wrap="square" rtlCol="0">
+            <a:spAutoFit/>
+          </a:bodyPr>
+          <a:lstStyle/>
+          <a:p>
+            <a:r>
+              <a:rPr lang="en-US" sz="2200">
+                <a:latin typeface="Oswald" panose="00000500000000000000" pitchFamily="2" charset="0"/>
+              </a:rPr>
+              <a:t>Ovvero come </a:t>
+            </a:r>
+            <a:r>
+              <a:rPr lang="it-IT" sz="2200">
+                <a:latin typeface="Oswald" panose="00000500000000000000" pitchFamily="2" charset="0"/>
+              </a:rPr>
+              <a:t>gli</a:t>
+            </a:r>
+            <a:r>
+              <a:rPr lang="en-US" sz="2200">
+                <a:latin typeface="Oswald" panose="00000500000000000000" pitchFamily="2" charset="0"/>
+              </a:rPr>
+              <a:t> </a:t>
+            </a:r>
+            <a:r>
+              <a:rPr lang="en-US" sz="2200" err="1">
+                <a:latin typeface="Oswald" panose="00000500000000000000" pitchFamily="2" charset="0"/>
+              </a:rPr>
+              <a:t>individui</a:t>
+            </a:r>
+            <a:r>
+              <a:rPr lang="en-US" sz="2200">
+                <a:latin typeface="Oswald" panose="00000500000000000000" pitchFamily="2" charset="0"/>
+              </a:rPr>
+              <a:t> </a:t>
+            </a:r>
+            <a:r>
+              <a:rPr lang="en-US" sz="2200" err="1">
+                <a:latin typeface="Oswald" panose="00000500000000000000" pitchFamily="2" charset="0"/>
+              </a:rPr>
+              <a:t>si</a:t>
+            </a:r>
+            <a:r>
+              <a:rPr lang="en-US" sz="2200">
+                <a:latin typeface="Oswald" panose="00000500000000000000" pitchFamily="2" charset="0"/>
+              </a:rPr>
+              <a:t> </a:t>
+            </a:r>
+            <a:r>
+              <a:rPr lang="en-US" sz="2200" err="1">
+                <a:latin typeface="Oswald" panose="00000500000000000000" pitchFamily="2" charset="0"/>
+              </a:rPr>
+              <a:t>scambiano</a:t>
+            </a:r>
+            <a:r>
+              <a:rPr lang="en-US" sz="2200">
+                <a:latin typeface="Oswald" panose="00000500000000000000" pitchFamily="2" charset="0"/>
+              </a:rPr>
+              <a:t> </a:t>
+            </a:r>
+            <a:r>
+              <a:rPr lang="en-US" sz="2200" err="1">
+                <a:latin typeface="Oswald" panose="00000500000000000000" pitchFamily="2" charset="0"/>
+              </a:rPr>
+              <a:t>informazioni</a:t>
+            </a:r>
+            <a:endParaRPr lang="it-IT" sz="2200">
+              <a:latin typeface="Oswald" panose="00000500000000000000" pitchFamily="2" charset="0"/>
+            </a:endParaRPr>
+          </a:p>
+        </p:txBody>
+      </p:sp>
+    </p:spTree>
+    <p:extLst>
+      <p:ext uri="{BB962C8B-B14F-4D97-AF65-F5344CB8AC3E}">
+        <p14:creationId xmlns:p14="http://schemas.microsoft.com/office/powerpoint/2010/main" val="1844740091"/>
+      </p:ext>
+    </p:extLst>
+  </p:cSld>
+  <p:clrMapOvr>
+    <a:masterClrMapping/>
+  </p:clrMapOvr>
+</p:sld>
+</file>
+
+<file path=ppt/slides/slide41.xml><?xml version="1.0" encoding="utf-8"?>
 <p:sld xmlns:a="http://schemas.openxmlformats.org/drawingml/2006/main" xmlns:r="http://schemas.openxmlformats.org/officeDocument/2006/relationships" xmlns:p="http://schemas.openxmlformats.org/presentationml/2006/main">
   <p:cSld>
     <p:spTree>
@@ -31550,1013 +34139,7 @@
 </p:sld>
 </file>
 
-<file path=ppt/slides/slide4.xml><?xml version="1.0" encoding="utf-8"?>
-<p:sld xmlns:a="http://schemas.openxmlformats.org/drawingml/2006/main" xmlns:r="http://schemas.openxmlformats.org/officeDocument/2006/relationships" xmlns:p="http://schemas.openxmlformats.org/presentationml/2006/main">
-  <p:cSld>
-    <p:spTree>
-      <p:nvGrpSpPr>
-        <p:cNvPr id="1" name=""/>
-        <p:cNvGrpSpPr/>
-        <p:nvPr/>
-      </p:nvGrpSpPr>
-      <p:grpSpPr>
-        <a:xfrm>
-          <a:off x="0" y="0"/>
-          <a:ext cx="0" cy="0"/>
-          <a:chOff x="0" y="0"/>
-          <a:chExt cx="0" cy="0"/>
-        </a:xfrm>
-      </p:grpSpPr>
-      <p:sp>
-        <p:nvSpPr>
-          <p:cNvPr id="4" name="CasellaDiTesto 3">
-            <a:extLst>
-              <a:ext uri="{FF2B5EF4-FFF2-40B4-BE49-F238E27FC236}">
-                <a16:creationId xmlns:a16="http://schemas.microsoft.com/office/drawing/2014/main" id="{48BBD5E7-8F15-45DB-87B3-86EFE17E46E2}"/>
-              </a:ext>
-            </a:extLst>
-          </p:cNvPr>
-          <p:cNvSpPr txBox="1"/>
-          <p:nvPr/>
-        </p:nvSpPr>
-        <p:spPr>
-          <a:xfrm>
-            <a:off x="2372451" y="1924803"/>
-            <a:ext cx="3599062" cy="1446550"/>
-          </a:xfrm>
-          <a:prstGeom prst="rect">
-            <a:avLst/>
-          </a:prstGeom>
-          <a:noFill/>
-        </p:spPr>
-        <p:txBody>
-          <a:bodyPr wrap="none" rtlCol="0">
-            <a:spAutoFit/>
-          </a:bodyPr>
-          <a:lstStyle/>
-          <a:p>
-            <a:r>
-              <a:rPr lang="en-US" sz="8800" b="1">
-                <a:latin typeface="Amatic SC" panose="00000500000000000000" pitchFamily="2" charset="-79"/>
-                <a:cs typeface="Amatic SC" panose="00000500000000000000" pitchFamily="2" charset="-79"/>
-              </a:rPr>
-              <a:t>Algoritmo</a:t>
-            </a:r>
-            <a:endParaRPr lang="it-IT" b="1">
-              <a:latin typeface="Amatic SC" panose="00000500000000000000" pitchFamily="2" charset="-79"/>
-              <a:cs typeface="Amatic SC" panose="00000500000000000000" pitchFamily="2" charset="-79"/>
-            </a:endParaRPr>
-          </a:p>
-        </p:txBody>
-      </p:sp>
-      <p:sp>
-        <p:nvSpPr>
-          <p:cNvPr id="5" name="CasellaDiTesto 4">
-            <a:extLst>
-              <a:ext uri="{FF2B5EF4-FFF2-40B4-BE49-F238E27FC236}">
-                <a16:creationId xmlns:a16="http://schemas.microsoft.com/office/drawing/2014/main" id="{61CCC2BC-5AFF-4577-8F29-BF714B99C2AE}"/>
-              </a:ext>
-            </a:extLst>
-          </p:cNvPr>
-          <p:cNvSpPr txBox="1"/>
-          <p:nvPr/>
-        </p:nvSpPr>
-        <p:spPr>
-          <a:xfrm>
-            <a:off x="6901484" y="3651070"/>
-            <a:ext cx="3289683" cy="1569660"/>
-          </a:xfrm>
-          <a:prstGeom prst="rect">
-            <a:avLst/>
-          </a:prstGeom>
-          <a:noFill/>
-        </p:spPr>
-        <p:txBody>
-          <a:bodyPr wrap="none" rtlCol="0">
-            <a:spAutoFit/>
-          </a:bodyPr>
-          <a:lstStyle/>
-          <a:p>
-            <a:r>
-              <a:rPr lang="en-US" sz="9600" b="1">
-                <a:latin typeface="Amatic SC" panose="00000500000000000000" pitchFamily="2" charset="-79"/>
-                <a:cs typeface="Amatic SC" panose="00000500000000000000" pitchFamily="2" charset="-79"/>
-              </a:rPr>
-              <a:t>Genetico</a:t>
-            </a:r>
-            <a:endParaRPr lang="en-US" b="1">
-              <a:latin typeface="Amatic SC" panose="00000500000000000000" pitchFamily="2" charset="-79"/>
-              <a:cs typeface="Amatic SC" panose="00000500000000000000" pitchFamily="2" charset="-79"/>
-            </a:endParaRPr>
-          </a:p>
-        </p:txBody>
-      </p:sp>
-      <p:sp>
-        <p:nvSpPr>
-          <p:cNvPr id="8" name="Figura a mano libera: forma 7">
-            <a:extLst>
-              <a:ext uri="{FF2B5EF4-FFF2-40B4-BE49-F238E27FC236}">
-                <a16:creationId xmlns:a16="http://schemas.microsoft.com/office/drawing/2014/main" id="{90E8F6BC-C1AF-4885-A75C-D8116208676D}"/>
-              </a:ext>
-            </a:extLst>
-          </p:cNvPr>
-          <p:cNvSpPr/>
-          <p:nvPr/>
-        </p:nvSpPr>
-        <p:spPr>
-          <a:xfrm>
-            <a:off x="114363" y="-197769"/>
-            <a:ext cx="2347546" cy="2845847"/>
-          </a:xfrm>
-          <a:custGeom>
-            <a:avLst/>
-            <a:gdLst>
-              <a:gd name="connsiteX0" fmla="*/ 0 w 2215661"/>
-              <a:gd name="connsiteY0" fmla="*/ 0 h 2934005"/>
-              <a:gd name="connsiteX1" fmla="*/ 1345223 w 2215661"/>
-              <a:gd name="connsiteY1" fmla="*/ 571500 h 2934005"/>
-              <a:gd name="connsiteX2" fmla="*/ 1186961 w 2215661"/>
-              <a:gd name="connsiteY2" fmla="*/ 1855177 h 2934005"/>
-              <a:gd name="connsiteX3" fmla="*/ 2031023 w 2215661"/>
-              <a:gd name="connsiteY3" fmla="*/ 2795954 h 2934005"/>
-              <a:gd name="connsiteX4" fmla="*/ 2215661 w 2215661"/>
-              <a:gd name="connsiteY4" fmla="*/ 2910254 h 2934005"/>
-              <a:gd name="connsiteX0" fmla="*/ 0 w 2347546"/>
-              <a:gd name="connsiteY0" fmla="*/ 0 h 2880012"/>
-              <a:gd name="connsiteX1" fmla="*/ 1345223 w 2347546"/>
-              <a:gd name="connsiteY1" fmla="*/ 571500 h 2880012"/>
-              <a:gd name="connsiteX2" fmla="*/ 1186961 w 2347546"/>
-              <a:gd name="connsiteY2" fmla="*/ 1855177 h 2880012"/>
-              <a:gd name="connsiteX3" fmla="*/ 2031023 w 2347546"/>
-              <a:gd name="connsiteY3" fmla="*/ 2795954 h 2880012"/>
-              <a:gd name="connsiteX4" fmla="*/ 2347546 w 2347546"/>
-              <a:gd name="connsiteY4" fmla="*/ 2813538 h 2880012"/>
-              <a:gd name="connsiteX0" fmla="*/ 0 w 2347546"/>
-              <a:gd name="connsiteY0" fmla="*/ 0 h 2845847"/>
-              <a:gd name="connsiteX1" fmla="*/ 1345223 w 2347546"/>
-              <a:gd name="connsiteY1" fmla="*/ 571500 h 2845847"/>
-              <a:gd name="connsiteX2" fmla="*/ 1186961 w 2347546"/>
-              <a:gd name="connsiteY2" fmla="*/ 1855177 h 2845847"/>
-              <a:gd name="connsiteX3" fmla="*/ 1714500 w 2347546"/>
-              <a:gd name="connsiteY3" fmla="*/ 2734408 h 2845847"/>
-              <a:gd name="connsiteX4" fmla="*/ 2347546 w 2347546"/>
-              <a:gd name="connsiteY4" fmla="*/ 2813538 h 2845847"/>
-            </a:gdLst>
-            <a:ahLst/>
-            <a:cxnLst>
-              <a:cxn ang="0">
-                <a:pos x="connsiteX0" y="connsiteY0"/>
-              </a:cxn>
-              <a:cxn ang="0">
-                <a:pos x="connsiteX1" y="connsiteY1"/>
-              </a:cxn>
-              <a:cxn ang="0">
-                <a:pos x="connsiteX2" y="connsiteY2"/>
-              </a:cxn>
-              <a:cxn ang="0">
-                <a:pos x="connsiteX3" y="connsiteY3"/>
-              </a:cxn>
-              <a:cxn ang="0">
-                <a:pos x="connsiteX4" y="connsiteY4"/>
-              </a:cxn>
-            </a:cxnLst>
-            <a:rect l="l" t="t" r="r" b="b"/>
-            <a:pathLst>
-              <a:path w="2347546" h="2845847">
-                <a:moveTo>
-                  <a:pt x="0" y="0"/>
-                </a:moveTo>
-                <a:cubicBezTo>
-                  <a:pt x="573698" y="131152"/>
-                  <a:pt x="1147396" y="262304"/>
-                  <a:pt x="1345223" y="571500"/>
-                </a:cubicBezTo>
-                <a:cubicBezTo>
-                  <a:pt x="1543050" y="880696"/>
-                  <a:pt x="1125415" y="1494692"/>
-                  <a:pt x="1186961" y="1855177"/>
-                </a:cubicBezTo>
-                <a:cubicBezTo>
-                  <a:pt x="1248507" y="2215662"/>
-                  <a:pt x="1521069" y="2574681"/>
-                  <a:pt x="1714500" y="2734408"/>
-                </a:cubicBezTo>
-                <a:cubicBezTo>
-                  <a:pt x="1907931" y="2894135"/>
-                  <a:pt x="2340952" y="2844311"/>
-                  <a:pt x="2347546" y="2813538"/>
-                </a:cubicBezTo>
-              </a:path>
-            </a:pathLst>
-          </a:custGeom>
-          <a:noFill/>
-          <a:ln w="38100">
-            <a:solidFill>
-              <a:schemeClr val="tx1"/>
-            </a:solidFill>
-            <a:prstDash val="dash"/>
-          </a:ln>
-        </p:spPr>
-        <p:style>
-          <a:lnRef idx="2">
-            <a:schemeClr val="accent1">
-              <a:shade val="50000"/>
-            </a:schemeClr>
-          </a:lnRef>
-          <a:fillRef idx="1">
-            <a:schemeClr val="accent1"/>
-          </a:fillRef>
-          <a:effectRef idx="0">
-            <a:schemeClr val="accent1"/>
-          </a:effectRef>
-          <a:fontRef idx="minor">
-            <a:schemeClr val="lt1"/>
-          </a:fontRef>
-        </p:style>
-        <p:txBody>
-          <a:bodyPr rtlCol="0" anchor="ctr"/>
-          <a:lstStyle/>
-          <a:p>
-            <a:pPr algn="ctr"/>
-            <a:endParaRPr lang="it-IT"/>
-          </a:p>
-        </p:txBody>
-      </p:sp>
-      <p:sp>
-        <p:nvSpPr>
-          <p:cNvPr id="9" name="Figura a mano libera: forma 8">
-            <a:extLst>
-              <a:ext uri="{FF2B5EF4-FFF2-40B4-BE49-F238E27FC236}">
-                <a16:creationId xmlns:a16="http://schemas.microsoft.com/office/drawing/2014/main" id="{4D713577-669C-4389-A621-CB4E88F81249}"/>
-              </a:ext>
-            </a:extLst>
-          </p:cNvPr>
-          <p:cNvSpPr/>
-          <p:nvPr/>
-        </p:nvSpPr>
-        <p:spPr>
-          <a:xfrm>
-            <a:off x="5924595" y="2499489"/>
-            <a:ext cx="1362871" cy="2134057"/>
-          </a:xfrm>
-          <a:custGeom>
-            <a:avLst/>
-            <a:gdLst>
-              <a:gd name="connsiteX0" fmla="*/ 0 w 1362871"/>
-              <a:gd name="connsiteY0" fmla="*/ 130290 h 2284406"/>
-              <a:gd name="connsiteX1" fmla="*/ 1362808 w 1362871"/>
-              <a:gd name="connsiteY1" fmla="*/ 130290 h 2284406"/>
-              <a:gd name="connsiteX2" fmla="*/ 61546 w 1362871"/>
-              <a:gd name="connsiteY2" fmla="*/ 1484306 h 2284406"/>
-              <a:gd name="connsiteX3" fmla="*/ 896815 w 1362871"/>
-              <a:gd name="connsiteY3" fmla="*/ 1923921 h 2284406"/>
-              <a:gd name="connsiteX4" fmla="*/ 949569 w 1362871"/>
-              <a:gd name="connsiteY4" fmla="*/ 2284406 h 2284406"/>
-              <a:gd name="connsiteX0" fmla="*/ 0 w 1362871"/>
-              <a:gd name="connsiteY0" fmla="*/ 130290 h 1923921"/>
-              <a:gd name="connsiteX1" fmla="*/ 1362808 w 1362871"/>
-              <a:gd name="connsiteY1" fmla="*/ 130290 h 1923921"/>
-              <a:gd name="connsiteX2" fmla="*/ 61546 w 1362871"/>
-              <a:gd name="connsiteY2" fmla="*/ 1484306 h 1923921"/>
-              <a:gd name="connsiteX3" fmla="*/ 896815 w 1362871"/>
-              <a:gd name="connsiteY3" fmla="*/ 1923921 h 1923921"/>
-            </a:gdLst>
-            <a:ahLst/>
-            <a:cxnLst>
-              <a:cxn ang="0">
-                <a:pos x="connsiteX0" y="connsiteY0"/>
-              </a:cxn>
-              <a:cxn ang="0">
-                <a:pos x="connsiteX1" y="connsiteY1"/>
-              </a:cxn>
-              <a:cxn ang="0">
-                <a:pos x="connsiteX2" y="connsiteY2"/>
-              </a:cxn>
-              <a:cxn ang="0">
-                <a:pos x="connsiteX3" y="connsiteY3"/>
-              </a:cxn>
-            </a:cxnLst>
-            <a:rect l="l" t="t" r="r" b="b"/>
-            <a:pathLst>
-              <a:path w="1362871" h="1923921">
-                <a:moveTo>
-                  <a:pt x="0" y="130290"/>
-                </a:moveTo>
-                <a:cubicBezTo>
-                  <a:pt x="676275" y="17455"/>
-                  <a:pt x="1352550" y="-95379"/>
-                  <a:pt x="1362808" y="130290"/>
-                </a:cubicBezTo>
-                <a:cubicBezTo>
-                  <a:pt x="1373066" y="355959"/>
-                  <a:pt x="139211" y="1185368"/>
-                  <a:pt x="61546" y="1484306"/>
-                </a:cubicBezTo>
-                <a:cubicBezTo>
-                  <a:pt x="-16119" y="1783244"/>
-                  <a:pt x="748811" y="1790571"/>
-                  <a:pt x="896815" y="1923921"/>
-                </a:cubicBezTo>
-              </a:path>
-            </a:pathLst>
-          </a:custGeom>
-          <a:noFill/>
-          <a:ln w="38100">
-            <a:solidFill>
-              <a:schemeClr val="tx1"/>
-            </a:solidFill>
-            <a:prstDash val="dash"/>
-          </a:ln>
-        </p:spPr>
-        <p:style>
-          <a:lnRef idx="2">
-            <a:schemeClr val="accent1">
-              <a:shade val="50000"/>
-            </a:schemeClr>
-          </a:lnRef>
-          <a:fillRef idx="1">
-            <a:schemeClr val="accent1"/>
-          </a:fillRef>
-          <a:effectRef idx="0">
-            <a:schemeClr val="accent1"/>
-          </a:effectRef>
-          <a:fontRef idx="minor">
-            <a:schemeClr val="lt1"/>
-          </a:fontRef>
-        </p:style>
-        <p:txBody>
-          <a:bodyPr rot="0" spcFirstLastPara="0" vertOverflow="overflow" horzOverflow="overflow" vert="horz" wrap="square" lIns="91440" tIns="45720" rIns="91440" bIns="45720" numCol="1" spcCol="0" rtlCol="0" fromWordArt="0" anchor="ctr" anchorCtr="0" forceAA="0" compatLnSpc="1">
-            <a:prstTxWarp prst="textNoShape">
-              <a:avLst/>
-            </a:prstTxWarp>
-            <a:noAutofit/>
-          </a:bodyPr>
-          <a:lstStyle/>
-          <a:p>
-            <a:pPr algn="ctr"/>
-            <a:endParaRPr lang="it-IT"/>
-          </a:p>
-        </p:txBody>
-      </p:sp>
-      <p:sp>
-        <p:nvSpPr>
-          <p:cNvPr id="10" name="Figura a mano libera: forma 9">
-            <a:extLst>
-              <a:ext uri="{FF2B5EF4-FFF2-40B4-BE49-F238E27FC236}">
-                <a16:creationId xmlns:a16="http://schemas.microsoft.com/office/drawing/2014/main" id="{AF65964B-F066-40FC-B1A6-5C6BAF46A187}"/>
-              </a:ext>
-            </a:extLst>
-          </p:cNvPr>
-          <p:cNvSpPr/>
-          <p:nvPr/>
-        </p:nvSpPr>
-        <p:spPr>
-          <a:xfrm>
-            <a:off x="10191167" y="4458578"/>
-            <a:ext cx="1688123" cy="2516448"/>
-          </a:xfrm>
-          <a:custGeom>
-            <a:avLst/>
-            <a:gdLst>
-              <a:gd name="connsiteX0" fmla="*/ 0 w 1688123"/>
-              <a:gd name="connsiteY0" fmla="*/ 76463 h 2377226"/>
-              <a:gd name="connsiteX1" fmla="*/ 1670538 w 1688123"/>
-              <a:gd name="connsiteY1" fmla="*/ 208348 h 2377226"/>
-              <a:gd name="connsiteX2" fmla="*/ 764930 w 1688123"/>
-              <a:gd name="connsiteY2" fmla="*/ 1852509 h 2377226"/>
-              <a:gd name="connsiteX3" fmla="*/ 1459523 w 1688123"/>
-              <a:gd name="connsiteY3" fmla="*/ 2336086 h 2377226"/>
-              <a:gd name="connsiteX4" fmla="*/ 1688123 w 1688123"/>
-              <a:gd name="connsiteY4" fmla="*/ 2318501 h 2377226"/>
-            </a:gdLst>
-            <a:ahLst/>
-            <a:cxnLst>
-              <a:cxn ang="0">
-                <a:pos x="connsiteX0" y="connsiteY0"/>
-              </a:cxn>
-              <a:cxn ang="0">
-                <a:pos x="connsiteX1" y="connsiteY1"/>
-              </a:cxn>
-              <a:cxn ang="0">
-                <a:pos x="connsiteX2" y="connsiteY2"/>
-              </a:cxn>
-              <a:cxn ang="0">
-                <a:pos x="connsiteX3" y="connsiteY3"/>
-              </a:cxn>
-              <a:cxn ang="0">
-                <a:pos x="connsiteX4" y="connsiteY4"/>
-              </a:cxn>
-            </a:cxnLst>
-            <a:rect l="l" t="t" r="r" b="b"/>
-            <a:pathLst>
-              <a:path w="1688123" h="2377226">
-                <a:moveTo>
-                  <a:pt x="0" y="76463"/>
-                </a:moveTo>
-                <a:cubicBezTo>
-                  <a:pt x="771525" y="-5599"/>
-                  <a:pt x="1543050" y="-87660"/>
-                  <a:pt x="1670538" y="208348"/>
-                </a:cubicBezTo>
-                <a:cubicBezTo>
-                  <a:pt x="1798026" y="504356"/>
-                  <a:pt x="800099" y="1497886"/>
-                  <a:pt x="764930" y="1852509"/>
-                </a:cubicBezTo>
-                <a:cubicBezTo>
-                  <a:pt x="729761" y="2207132"/>
-                  <a:pt x="1305658" y="2258421"/>
-                  <a:pt x="1459523" y="2336086"/>
-                </a:cubicBezTo>
-                <a:cubicBezTo>
-                  <a:pt x="1613388" y="2413751"/>
-                  <a:pt x="1650755" y="2366126"/>
-                  <a:pt x="1688123" y="2318501"/>
-                </a:cubicBezTo>
-              </a:path>
-            </a:pathLst>
-          </a:custGeom>
-          <a:noFill/>
-          <a:ln w="38100">
-            <a:solidFill>
-              <a:schemeClr val="tx1"/>
-            </a:solidFill>
-            <a:prstDash val="dash"/>
-          </a:ln>
-        </p:spPr>
-        <p:style>
-          <a:lnRef idx="2">
-            <a:schemeClr val="accent1">
-              <a:shade val="50000"/>
-            </a:schemeClr>
-          </a:lnRef>
-          <a:fillRef idx="1">
-            <a:schemeClr val="accent1"/>
-          </a:fillRef>
-          <a:effectRef idx="0">
-            <a:schemeClr val="accent1"/>
-          </a:effectRef>
-          <a:fontRef idx="minor">
-            <a:schemeClr val="lt1"/>
-          </a:fontRef>
-        </p:style>
-        <p:txBody>
-          <a:bodyPr rot="0" spcFirstLastPara="0" vertOverflow="overflow" horzOverflow="overflow" vert="horz" wrap="square" lIns="91440" tIns="45720" rIns="91440" bIns="45720" numCol="1" spcCol="0" rtlCol="0" fromWordArt="0" anchor="ctr" anchorCtr="0" forceAA="0" compatLnSpc="1">
-            <a:prstTxWarp prst="textNoShape">
-              <a:avLst/>
-            </a:prstTxWarp>
-            <a:noAutofit/>
-          </a:bodyPr>
-          <a:lstStyle/>
-          <a:p>
-            <a:pPr algn="ctr"/>
-            <a:endParaRPr lang="it-IT"/>
-          </a:p>
-        </p:txBody>
-      </p:sp>
-      <p:sp>
-        <p:nvSpPr>
-          <p:cNvPr id="14" name="Figura a mano libera: forma 13">
-            <a:extLst>
-              <a:ext uri="{FF2B5EF4-FFF2-40B4-BE49-F238E27FC236}">
-                <a16:creationId xmlns:a16="http://schemas.microsoft.com/office/drawing/2014/main" id="{D8B644DC-AD2D-4C61-AA99-8536108B32DD}"/>
-              </a:ext>
-            </a:extLst>
-          </p:cNvPr>
-          <p:cNvSpPr/>
-          <p:nvPr/>
-        </p:nvSpPr>
-        <p:spPr>
-          <a:xfrm>
-            <a:off x="3719146" y="3200400"/>
-            <a:ext cx="528715" cy="1134208"/>
-          </a:xfrm>
-          <a:custGeom>
-            <a:avLst/>
-            <a:gdLst>
-              <a:gd name="connsiteX0" fmla="*/ 369277 w 528715"/>
-              <a:gd name="connsiteY0" fmla="*/ 0 h 1134208"/>
-              <a:gd name="connsiteX1" fmla="*/ 509954 w 528715"/>
-              <a:gd name="connsiteY1" fmla="*/ 527538 h 1134208"/>
-              <a:gd name="connsiteX2" fmla="*/ 0 w 528715"/>
-              <a:gd name="connsiteY2" fmla="*/ 1134208 h 1134208"/>
-            </a:gdLst>
-            <a:ahLst/>
-            <a:cxnLst>
-              <a:cxn ang="0">
-                <a:pos x="connsiteX0" y="connsiteY0"/>
-              </a:cxn>
-              <a:cxn ang="0">
-                <a:pos x="connsiteX1" y="connsiteY1"/>
-              </a:cxn>
-              <a:cxn ang="0">
-                <a:pos x="connsiteX2" y="connsiteY2"/>
-              </a:cxn>
-            </a:cxnLst>
-            <a:rect l="l" t="t" r="r" b="b"/>
-            <a:pathLst>
-              <a:path w="528715" h="1134208">
-                <a:moveTo>
-                  <a:pt x="369277" y="0"/>
-                </a:moveTo>
-                <a:cubicBezTo>
-                  <a:pt x="470388" y="169251"/>
-                  <a:pt x="571500" y="338503"/>
-                  <a:pt x="509954" y="527538"/>
-                </a:cubicBezTo>
-                <a:cubicBezTo>
-                  <a:pt x="448408" y="716573"/>
-                  <a:pt x="224204" y="925390"/>
-                  <a:pt x="0" y="1134208"/>
-                </a:cubicBezTo>
-              </a:path>
-            </a:pathLst>
-          </a:custGeom>
-          <a:ln w="38100" cap="flat">
-            <a:solidFill>
-              <a:schemeClr val="dk1"/>
-            </a:solidFill>
-          </a:ln>
-        </p:spPr>
-        <p:style>
-          <a:lnRef idx="3">
-            <a:schemeClr val="dk1"/>
-          </a:lnRef>
-          <a:fillRef idx="0">
-            <a:schemeClr val="dk1"/>
-          </a:fillRef>
-          <a:effectRef idx="2">
-            <a:schemeClr val="dk1"/>
-          </a:effectRef>
-          <a:fontRef idx="minor">
-            <a:schemeClr val="tx1"/>
-          </a:fontRef>
-        </p:style>
-        <p:txBody>
-          <a:bodyPr rot="0" spcFirstLastPara="0" vertOverflow="overflow" horzOverflow="overflow" vert="horz" wrap="square" lIns="91440" tIns="45720" rIns="91440" bIns="45720" numCol="1" spcCol="0" rtlCol="0" fromWordArt="0" anchor="ctr" anchorCtr="0" forceAA="0" compatLnSpc="1">
-            <a:prstTxWarp prst="textNoShape">
-              <a:avLst/>
-            </a:prstTxWarp>
-            <a:noAutofit/>
-          </a:bodyPr>
-          <a:lstStyle/>
-          <a:p>
-            <a:pPr algn="ctr"/>
-            <a:endParaRPr lang="it-IT" b="1">
-              <a:solidFill>
-                <a:schemeClr val="tx1"/>
-              </a:solidFill>
-            </a:endParaRPr>
-          </a:p>
-        </p:txBody>
-      </p:sp>
-      <p:sp>
-        <p:nvSpPr>
-          <p:cNvPr id="15" name="Figura a mano libera: forma 14">
-            <a:extLst>
-              <a:ext uri="{FF2B5EF4-FFF2-40B4-BE49-F238E27FC236}">
-                <a16:creationId xmlns:a16="http://schemas.microsoft.com/office/drawing/2014/main" id="{D9B82B0F-B4E2-4736-86A0-2F20CB26AFC8}"/>
-              </a:ext>
-            </a:extLst>
-          </p:cNvPr>
-          <p:cNvSpPr/>
-          <p:nvPr/>
-        </p:nvSpPr>
-        <p:spPr>
-          <a:xfrm rot="4366853">
-            <a:off x="3673378" y="4071954"/>
-            <a:ext cx="226792" cy="310379"/>
-          </a:xfrm>
-          <a:custGeom>
-            <a:avLst/>
-            <a:gdLst>
-              <a:gd name="connsiteX0" fmla="*/ 0 w 484384"/>
-              <a:gd name="connsiteY0" fmla="*/ 213206 h 474750"/>
-              <a:gd name="connsiteX1" fmla="*/ 452761 w 484384"/>
-              <a:gd name="connsiteY1" fmla="*/ 435148 h 474750"/>
-              <a:gd name="connsiteX2" fmla="*/ 443884 w 484384"/>
-              <a:gd name="connsiteY2" fmla="*/ 435148 h 474750"/>
-              <a:gd name="connsiteX3" fmla="*/ 426128 w 484384"/>
-              <a:gd name="connsiteY3" fmla="*/ 35653 h 474750"/>
-              <a:gd name="connsiteX4" fmla="*/ 435006 w 484384"/>
-              <a:gd name="connsiteY4" fmla="*/ 44531 h 474750"/>
-            </a:gdLst>
-            <a:ahLst/>
-            <a:cxnLst>
-              <a:cxn ang="0">
-                <a:pos x="connsiteX0" y="connsiteY0"/>
-              </a:cxn>
-              <a:cxn ang="0">
-                <a:pos x="connsiteX1" y="connsiteY1"/>
-              </a:cxn>
-              <a:cxn ang="0">
-                <a:pos x="connsiteX2" y="connsiteY2"/>
-              </a:cxn>
-              <a:cxn ang="0">
-                <a:pos x="connsiteX3" y="connsiteY3"/>
-              </a:cxn>
-              <a:cxn ang="0">
-                <a:pos x="connsiteX4" y="connsiteY4"/>
-              </a:cxn>
-            </a:cxnLst>
-            <a:rect l="l" t="t" r="r" b="b"/>
-            <a:pathLst>
-              <a:path w="484384" h="474750">
-                <a:moveTo>
-                  <a:pt x="0" y="213206"/>
-                </a:moveTo>
-                <a:lnTo>
-                  <a:pt x="452761" y="435148"/>
-                </a:lnTo>
-                <a:cubicBezTo>
-                  <a:pt x="526742" y="472138"/>
-                  <a:pt x="448323" y="501731"/>
-                  <a:pt x="443884" y="435148"/>
-                </a:cubicBezTo>
-                <a:cubicBezTo>
-                  <a:pt x="439445" y="368565"/>
-                  <a:pt x="427608" y="100756"/>
-                  <a:pt x="426128" y="35653"/>
-                </a:cubicBezTo>
-                <a:cubicBezTo>
-                  <a:pt x="424648" y="-29450"/>
-                  <a:pt x="429827" y="7540"/>
-                  <a:pt x="435006" y="44531"/>
-                </a:cubicBezTo>
-              </a:path>
-            </a:pathLst>
-          </a:custGeom>
-          <a:ln w="38100" cap="flat">
-            <a:solidFill>
-              <a:schemeClr val="dk1"/>
-            </a:solidFill>
-          </a:ln>
-        </p:spPr>
-        <p:style>
-          <a:lnRef idx="3">
-            <a:schemeClr val="dk1"/>
-          </a:lnRef>
-          <a:fillRef idx="0">
-            <a:schemeClr val="dk1"/>
-          </a:fillRef>
-          <a:effectRef idx="2">
-            <a:schemeClr val="dk1"/>
-          </a:effectRef>
-          <a:fontRef idx="minor">
-            <a:schemeClr val="tx1"/>
-          </a:fontRef>
-        </p:style>
-        <p:txBody>
-          <a:bodyPr rtlCol="0" anchor="ctr"/>
-          <a:lstStyle/>
-          <a:p>
-            <a:pPr algn="ctr"/>
-            <a:endParaRPr lang="it-IT" b="1"/>
-          </a:p>
-        </p:txBody>
-      </p:sp>
-      <p:sp>
-        <p:nvSpPr>
-          <p:cNvPr id="17" name="Figura a mano libera: forma 16">
-            <a:extLst>
-              <a:ext uri="{FF2B5EF4-FFF2-40B4-BE49-F238E27FC236}">
-                <a16:creationId xmlns:a16="http://schemas.microsoft.com/office/drawing/2014/main" id="{9383B5B2-FB4D-46DC-9908-ADE97E8C73BC}"/>
-              </a:ext>
-            </a:extLst>
-          </p:cNvPr>
-          <p:cNvSpPr/>
-          <p:nvPr/>
-        </p:nvSpPr>
-        <p:spPr>
-          <a:xfrm rot="13913730">
-            <a:off x="8362903" y="1952999"/>
-            <a:ext cx="269087" cy="373275"/>
-          </a:xfrm>
-          <a:custGeom>
-            <a:avLst/>
-            <a:gdLst>
-              <a:gd name="connsiteX0" fmla="*/ 0 w 484384"/>
-              <a:gd name="connsiteY0" fmla="*/ 213206 h 474750"/>
-              <a:gd name="connsiteX1" fmla="*/ 452761 w 484384"/>
-              <a:gd name="connsiteY1" fmla="*/ 435148 h 474750"/>
-              <a:gd name="connsiteX2" fmla="*/ 443884 w 484384"/>
-              <a:gd name="connsiteY2" fmla="*/ 435148 h 474750"/>
-              <a:gd name="connsiteX3" fmla="*/ 426128 w 484384"/>
-              <a:gd name="connsiteY3" fmla="*/ 35653 h 474750"/>
-              <a:gd name="connsiteX4" fmla="*/ 435006 w 484384"/>
-              <a:gd name="connsiteY4" fmla="*/ 44531 h 474750"/>
-            </a:gdLst>
-            <a:ahLst/>
-            <a:cxnLst>
-              <a:cxn ang="0">
-                <a:pos x="connsiteX0" y="connsiteY0"/>
-              </a:cxn>
-              <a:cxn ang="0">
-                <a:pos x="connsiteX1" y="connsiteY1"/>
-              </a:cxn>
-              <a:cxn ang="0">
-                <a:pos x="connsiteX2" y="connsiteY2"/>
-              </a:cxn>
-              <a:cxn ang="0">
-                <a:pos x="connsiteX3" y="connsiteY3"/>
-              </a:cxn>
-              <a:cxn ang="0">
-                <a:pos x="connsiteX4" y="connsiteY4"/>
-              </a:cxn>
-            </a:cxnLst>
-            <a:rect l="l" t="t" r="r" b="b"/>
-            <a:pathLst>
-              <a:path w="484384" h="474750">
-                <a:moveTo>
-                  <a:pt x="0" y="213206"/>
-                </a:moveTo>
-                <a:lnTo>
-                  <a:pt x="452761" y="435148"/>
-                </a:lnTo>
-                <a:cubicBezTo>
-                  <a:pt x="526742" y="472138"/>
-                  <a:pt x="448323" y="501731"/>
-                  <a:pt x="443884" y="435148"/>
-                </a:cubicBezTo>
-                <a:cubicBezTo>
-                  <a:pt x="439445" y="368565"/>
-                  <a:pt x="427608" y="100756"/>
-                  <a:pt x="426128" y="35653"/>
-                </a:cubicBezTo>
-                <a:cubicBezTo>
-                  <a:pt x="424648" y="-29450"/>
-                  <a:pt x="429827" y="7540"/>
-                  <a:pt x="435006" y="44531"/>
-                </a:cubicBezTo>
-              </a:path>
-            </a:pathLst>
-          </a:custGeom>
-          <a:ln w="38100" cap="flat">
-            <a:solidFill>
-              <a:schemeClr val="dk1"/>
-            </a:solidFill>
-          </a:ln>
-        </p:spPr>
-        <p:style>
-          <a:lnRef idx="3">
-            <a:schemeClr val="dk1"/>
-          </a:lnRef>
-          <a:fillRef idx="0">
-            <a:schemeClr val="dk1"/>
-          </a:fillRef>
-          <a:effectRef idx="2">
-            <a:schemeClr val="dk1"/>
-          </a:effectRef>
-          <a:fontRef idx="minor">
-            <a:schemeClr val="tx1"/>
-          </a:fontRef>
-        </p:style>
-        <p:txBody>
-          <a:bodyPr rtlCol="0" anchor="ctr"/>
-          <a:lstStyle/>
-          <a:p>
-            <a:pPr algn="ctr"/>
-            <a:endParaRPr lang="it-IT" b="1"/>
-          </a:p>
-        </p:txBody>
-      </p:sp>
-      <p:sp>
-        <p:nvSpPr>
-          <p:cNvPr id="18" name="CasellaDiTesto 17">
-            <a:extLst>
-              <a:ext uri="{FF2B5EF4-FFF2-40B4-BE49-F238E27FC236}">
-                <a16:creationId xmlns:a16="http://schemas.microsoft.com/office/drawing/2014/main" id="{AA03D525-2832-4A7C-9A03-C0642676733D}"/>
-              </a:ext>
-            </a:extLst>
-          </p:cNvPr>
-          <p:cNvSpPr txBox="1"/>
-          <p:nvPr/>
-        </p:nvSpPr>
-        <p:spPr>
-          <a:xfrm>
-            <a:off x="1503191" y="4571999"/>
-            <a:ext cx="2374511" cy="830997"/>
-          </a:xfrm>
-          <a:prstGeom prst="rect">
-            <a:avLst/>
-          </a:prstGeom>
-          <a:noFill/>
-        </p:spPr>
-        <p:txBody>
-          <a:bodyPr wrap="square" rtlCol="0">
-            <a:spAutoFit/>
-          </a:bodyPr>
-          <a:lstStyle/>
-          <a:p>
-            <a:r>
-              <a:rPr lang="en-US" sz="2400">
-                <a:latin typeface="Oswald" panose="00000500000000000000" pitchFamily="2" charset="0"/>
-              </a:rPr>
-              <a:t>Serve per risolvere classi di </a:t>
-            </a:r>
-            <a:r>
-              <a:rPr lang="en-US" sz="2400">
-                <a:latin typeface="Oswald SemiBold" panose="00000700000000000000" pitchFamily="2" charset="0"/>
-              </a:rPr>
-              <a:t>problemi</a:t>
-            </a:r>
-            <a:endParaRPr lang="it-IT" sz="2400">
-              <a:latin typeface="Oswald SemiBold" panose="00000700000000000000" pitchFamily="2" charset="0"/>
-            </a:endParaRPr>
-          </a:p>
-        </p:txBody>
-      </p:sp>
-      <p:sp>
-        <p:nvSpPr>
-          <p:cNvPr id="21" name="CasellaDiTesto 20">
-            <a:extLst>
-              <a:ext uri="{FF2B5EF4-FFF2-40B4-BE49-F238E27FC236}">
-                <a16:creationId xmlns:a16="http://schemas.microsoft.com/office/drawing/2014/main" id="{B91E1F1F-D95C-4C20-948A-A6ACDFFBC80C}"/>
-              </a:ext>
-            </a:extLst>
-          </p:cNvPr>
-          <p:cNvSpPr txBox="1"/>
-          <p:nvPr/>
-        </p:nvSpPr>
-        <p:spPr>
-          <a:xfrm>
-            <a:off x="7807864" y="1004564"/>
-            <a:ext cx="3227364" cy="830997"/>
-          </a:xfrm>
-          <a:prstGeom prst="rect">
-            <a:avLst/>
-          </a:prstGeom>
-          <a:noFill/>
-        </p:spPr>
-        <p:txBody>
-          <a:bodyPr wrap="square" rtlCol="0">
-            <a:spAutoFit/>
-          </a:bodyPr>
-          <a:lstStyle/>
-          <a:p>
-            <a:pPr algn="ctr"/>
-            <a:r>
-              <a:rPr lang="en-US" sz="2400">
-                <a:latin typeface="Oswald" panose="00000500000000000000" pitchFamily="2" charset="0"/>
-              </a:rPr>
-              <a:t>Si ispira alla </a:t>
-            </a:r>
-            <a:r>
-              <a:rPr lang="en-US" sz="2400" b="1">
-                <a:latin typeface="Oswald SemiBold" panose="00000700000000000000" pitchFamily="2" charset="0"/>
-              </a:rPr>
-              <a:t>selezione</a:t>
-            </a:r>
-            <a:r>
-              <a:rPr lang="en-US" sz="2400">
-                <a:latin typeface="Oswald" panose="00000500000000000000" pitchFamily="2" charset="0"/>
-              </a:rPr>
-              <a:t> </a:t>
-            </a:r>
-            <a:r>
-              <a:rPr lang="en-US" sz="2400">
-                <a:latin typeface="Oswald SemiBold" panose="00000700000000000000" pitchFamily="2" charset="0"/>
-              </a:rPr>
-              <a:t>naturale</a:t>
-            </a:r>
-            <a:r>
-              <a:rPr lang="en-US" sz="2400">
-                <a:latin typeface="Oswald" panose="00000500000000000000" pitchFamily="2" charset="0"/>
-              </a:rPr>
-              <a:t> e alla </a:t>
-            </a:r>
-            <a:r>
-              <a:rPr lang="en-US" sz="2400">
-                <a:latin typeface="Oswald SemiBold" panose="00000700000000000000" pitchFamily="2" charset="0"/>
-              </a:rPr>
-              <a:t>genetica</a:t>
-            </a:r>
-            <a:endParaRPr lang="it-IT" sz="2400">
-              <a:latin typeface="Oswald SemiBold" panose="00000700000000000000" pitchFamily="2" charset="0"/>
-            </a:endParaRPr>
-          </a:p>
-        </p:txBody>
-      </p:sp>
-      <p:sp>
-        <p:nvSpPr>
-          <p:cNvPr id="23" name="Figura a mano libera: forma 22">
-            <a:extLst>
-              <a:ext uri="{FF2B5EF4-FFF2-40B4-BE49-F238E27FC236}">
-                <a16:creationId xmlns:a16="http://schemas.microsoft.com/office/drawing/2014/main" id="{7CFE28F5-7302-4004-9F71-15D3882E2941}"/>
-              </a:ext>
-            </a:extLst>
-          </p:cNvPr>
-          <p:cNvSpPr/>
-          <p:nvPr/>
-        </p:nvSpPr>
-        <p:spPr>
-          <a:xfrm>
-            <a:off x="8255208" y="1995853"/>
-            <a:ext cx="276439" cy="1890347"/>
-          </a:xfrm>
-          <a:custGeom>
-            <a:avLst/>
-            <a:gdLst>
-              <a:gd name="connsiteX0" fmla="*/ 263769 w 276439"/>
-              <a:gd name="connsiteY0" fmla="*/ 1890347 h 1890347"/>
-              <a:gd name="connsiteX1" fmla="*/ 246184 w 276439"/>
-              <a:gd name="connsiteY1" fmla="*/ 1661747 h 1890347"/>
-              <a:gd name="connsiteX2" fmla="*/ 0 w 276439"/>
-              <a:gd name="connsiteY2" fmla="*/ 1055077 h 1890347"/>
-              <a:gd name="connsiteX3" fmla="*/ 246184 w 276439"/>
-              <a:gd name="connsiteY3" fmla="*/ 0 h 1890347"/>
-            </a:gdLst>
-            <a:ahLst/>
-            <a:cxnLst>
-              <a:cxn ang="0">
-                <a:pos x="connsiteX0" y="connsiteY0"/>
-              </a:cxn>
-              <a:cxn ang="0">
-                <a:pos x="connsiteX1" y="connsiteY1"/>
-              </a:cxn>
-              <a:cxn ang="0">
-                <a:pos x="connsiteX2" y="connsiteY2"/>
-              </a:cxn>
-              <a:cxn ang="0">
-                <a:pos x="connsiteX3" y="connsiteY3"/>
-              </a:cxn>
-            </a:cxnLst>
-            <a:rect l="l" t="t" r="r" b="b"/>
-            <a:pathLst>
-              <a:path w="276439" h="1890347">
-                <a:moveTo>
-                  <a:pt x="263769" y="1890347"/>
-                </a:moveTo>
-                <a:cubicBezTo>
-                  <a:pt x="276957" y="1845653"/>
-                  <a:pt x="290145" y="1800959"/>
-                  <a:pt x="246184" y="1661747"/>
-                </a:cubicBezTo>
-                <a:cubicBezTo>
-                  <a:pt x="202223" y="1522535"/>
-                  <a:pt x="0" y="1332035"/>
-                  <a:pt x="0" y="1055077"/>
-                </a:cubicBezTo>
-                <a:cubicBezTo>
-                  <a:pt x="0" y="778119"/>
-                  <a:pt x="123092" y="389059"/>
-                  <a:pt x="246184" y="0"/>
-                </a:cubicBezTo>
-              </a:path>
-            </a:pathLst>
-          </a:custGeom>
-          <a:ln w="38100" cap="flat">
-            <a:solidFill>
-              <a:schemeClr val="dk1"/>
-            </a:solidFill>
-          </a:ln>
-        </p:spPr>
-        <p:style>
-          <a:lnRef idx="3">
-            <a:schemeClr val="dk1"/>
-          </a:lnRef>
-          <a:fillRef idx="0">
-            <a:schemeClr val="dk1"/>
-          </a:fillRef>
-          <a:effectRef idx="2">
-            <a:schemeClr val="dk1"/>
-          </a:effectRef>
-          <a:fontRef idx="minor">
-            <a:schemeClr val="tx1"/>
-          </a:fontRef>
-        </p:style>
-        <p:txBody>
-          <a:bodyPr rot="0" spcFirstLastPara="0" vertOverflow="overflow" horzOverflow="overflow" vert="horz" wrap="square" lIns="91440" tIns="45720" rIns="91440" bIns="45720" numCol="1" spcCol="0" rtlCol="0" fromWordArt="0" anchor="ctr" anchorCtr="0" forceAA="0" compatLnSpc="1">
-            <a:prstTxWarp prst="textNoShape">
-              <a:avLst/>
-            </a:prstTxWarp>
-            <a:noAutofit/>
-          </a:bodyPr>
-          <a:lstStyle/>
-          <a:p>
-            <a:pPr algn="ctr"/>
-            <a:endParaRPr lang="it-IT" b="1">
-              <a:solidFill>
-                <a:schemeClr val="tx1"/>
-              </a:solidFill>
-            </a:endParaRPr>
-          </a:p>
-        </p:txBody>
-      </p:sp>
-    </p:spTree>
-    <p:extLst>
-      <p:ext uri="{BB962C8B-B14F-4D97-AF65-F5344CB8AC3E}">
-        <p14:creationId xmlns:p14="http://schemas.microsoft.com/office/powerpoint/2010/main" val="2709226315"/>
-      </p:ext>
-    </p:extLst>
-  </p:cSld>
-  <p:clrMapOvr>
-    <a:masterClrMapping/>
-  </p:clrMapOvr>
-</p:sld>
-</file>
-
-<file path=ppt/slides/slide40.xml><?xml version="1.0" encoding="utf-8"?>
+<file path=ppt/slides/slide42.xml><?xml version="1.0" encoding="utf-8"?>
 <p:sld xmlns:a="http://schemas.openxmlformats.org/drawingml/2006/main" xmlns:r="http://schemas.openxmlformats.org/officeDocument/2006/relationships" xmlns:p="http://schemas.openxmlformats.org/presentationml/2006/main">
   <p:cSld>
     <p:spTree>
@@ -32575,10 +34158,10 @@
       </p:grpSpPr>
       <p:pic>
         <p:nvPicPr>
-          <p:cNvPr id="90" name="Immagine 89">
-            <a:extLst>
-              <a:ext uri="{FF2B5EF4-FFF2-40B4-BE49-F238E27FC236}">
-                <a16:creationId xmlns:a16="http://schemas.microsoft.com/office/drawing/2014/main" id="{CE8290A0-D475-41A6-8297-B6A51E31E6F7}"/>
+          <p:cNvPr id="2" name="Immagine 1">
+            <a:extLst>
+              <a:ext uri="{FF2B5EF4-FFF2-40B4-BE49-F238E27FC236}">
+                <a16:creationId xmlns:a16="http://schemas.microsoft.com/office/drawing/2014/main" id="{4C991C34-2273-4544-B212-56DB7BE2B050}"/>
               </a:ext>
             </a:extLst>
           </p:cNvPr>
@@ -32587,182 +34170,251 @@
           </p:cNvPicPr>
           <p:nvPr/>
         </p:nvPicPr>
-        <p:blipFill>
-          <a:blip r:embed="rId2">
-            <a:extLst>
-              <a:ext uri="{BEBA8EAE-BF5A-486C-A8C5-ECC9F3942E4B}">
-                <a14:imgProps xmlns:a14="http://schemas.microsoft.com/office/drawing/2010/main">
-                  <a14:imgLayer r:embed="rId3">
-                    <a14:imgEffect>
-                      <a14:saturation sat="0"/>
-                    </a14:imgEffect>
-                  </a14:imgLayer>
-                </a14:imgProps>
-              </a:ext>
-            </a:extLst>
-          </a:blip>
-          <a:stretch>
-            <a:fillRect/>
-          </a:stretch>
+        <p:blipFill rotWithShape="1">
+          <a:blip r:embed="rId2"/>
+          <a:srcRect l="2019" t="14103" r="22476" b="34231"/>
+          <a:stretch/>
         </p:blipFill>
         <p:spPr>
           <a:xfrm>
-            <a:off x="6562957" y="611880"/>
-            <a:ext cx="4722675" cy="1712220"/>
+            <a:off x="202223" y="1063868"/>
+            <a:ext cx="11535485" cy="4440115"/>
           </a:xfrm>
           <a:prstGeom prst="rect">
             <a:avLst/>
           </a:prstGeom>
         </p:spPr>
       </p:pic>
-      <p:pic>
-        <p:nvPicPr>
-          <p:cNvPr id="91" name="Immagine 90">
-            <a:extLst>
-              <a:ext uri="{FF2B5EF4-FFF2-40B4-BE49-F238E27FC236}">
-                <a16:creationId xmlns:a16="http://schemas.microsoft.com/office/drawing/2014/main" id="{32A70907-626B-466E-BDF8-AC4268ECDC7B}"/>
-              </a:ext>
-            </a:extLst>
-          </p:cNvPr>
-          <p:cNvPicPr>
-            <a:picLocks noChangeAspect="1"/>
-          </p:cNvPicPr>
-          <p:nvPr/>
-        </p:nvPicPr>
-        <p:blipFill>
-          <a:blip r:embed="rId4">
-            <a:extLst>
-              <a:ext uri="{BEBA8EAE-BF5A-486C-A8C5-ECC9F3942E4B}">
-                <a14:imgProps xmlns:a14="http://schemas.microsoft.com/office/drawing/2010/main">
-                  <a14:imgLayer r:embed="rId5">
-                    <a14:imgEffect>
-                      <a14:saturation sat="0"/>
-                    </a14:imgEffect>
-                  </a14:imgLayer>
-                </a14:imgProps>
-              </a:ext>
-            </a:extLst>
-          </a:blip>
-          <a:stretch>
-            <a:fillRect/>
-          </a:stretch>
-        </p:blipFill>
-        <p:spPr>
-          <a:xfrm>
-            <a:off x="6562957" y="4019550"/>
-            <a:ext cx="4722673" cy="1712220"/>
+    </p:spTree>
+    <p:extLst>
+      <p:ext uri="{BB962C8B-B14F-4D97-AF65-F5344CB8AC3E}">
+        <p14:creationId xmlns:p14="http://schemas.microsoft.com/office/powerpoint/2010/main" val="1552480867"/>
+      </p:ext>
+    </p:extLst>
+  </p:cSld>
+  <p:clrMapOvr>
+    <a:masterClrMapping/>
+  </p:clrMapOvr>
+</p:sld>
+</file>
+
+<file path=ppt/slides/slide43.xml><?xml version="1.0" encoding="utf-8"?>
+<p:sld xmlns:a="http://schemas.openxmlformats.org/drawingml/2006/main" xmlns:r="http://schemas.openxmlformats.org/officeDocument/2006/relationships" xmlns:p="http://schemas.openxmlformats.org/presentationml/2006/main">
+  <p:cSld>
+    <p:spTree>
+      <p:nvGrpSpPr>
+        <p:cNvPr id="1" name=""/>
+        <p:cNvGrpSpPr/>
+        <p:nvPr/>
+      </p:nvGrpSpPr>
+      <p:grpSpPr>
+        <a:xfrm>
+          <a:off x="0" y="0"/>
+          <a:ext cx="0" cy="0"/>
+          <a:chOff x="0" y="0"/>
+          <a:chExt cx="0" cy="0"/>
+        </a:xfrm>
+      </p:grpSpPr>
+      <p:sp>
+        <p:nvSpPr>
+          <p:cNvPr id="2" name="CasellaDiTesto 1">
+            <a:extLst>
+              <a:ext uri="{FF2B5EF4-FFF2-40B4-BE49-F238E27FC236}">
+                <a16:creationId xmlns:a16="http://schemas.microsoft.com/office/drawing/2014/main" id="{26F6AAE8-E895-4F65-96D2-B2ED39793578}"/>
+              </a:ext>
+            </a:extLst>
+          </p:cNvPr>
+          <p:cNvSpPr txBox="1"/>
+          <p:nvPr/>
+        </p:nvSpPr>
+        <p:spPr>
+          <a:xfrm>
+            <a:off x="909323" y="2683061"/>
+            <a:ext cx="10373353" cy="1015663"/>
           </a:xfrm>
           <a:prstGeom prst="rect">
             <a:avLst/>
           </a:prstGeom>
-        </p:spPr>
-      </p:pic>
-      <p:sp>
-        <p:nvSpPr>
-          <p:cNvPr id="92" name="Figura a mano libera: forma 91">
-            <a:extLst>
-              <a:ext uri="{FF2B5EF4-FFF2-40B4-BE49-F238E27FC236}">
-                <a16:creationId xmlns:a16="http://schemas.microsoft.com/office/drawing/2014/main" id="{8979EA67-90AE-4945-BB76-DB89978D166B}"/>
-              </a:ext>
-            </a:extLst>
-          </p:cNvPr>
-          <p:cNvSpPr/>
-          <p:nvPr/>
-        </p:nvSpPr>
-        <p:spPr>
-          <a:xfrm>
-            <a:off x="9248775" y="2505075"/>
-            <a:ext cx="296266" cy="1304925"/>
-          </a:xfrm>
-          <a:custGeom>
-            <a:avLst/>
-            <a:gdLst>
-              <a:gd name="connsiteX0" fmla="*/ 0 w 296266"/>
-              <a:gd name="connsiteY0" fmla="*/ 0 h 1366621"/>
-              <a:gd name="connsiteX1" fmla="*/ 295275 w 296266"/>
-              <a:gd name="connsiteY1" fmla="*/ 647700 h 1366621"/>
-              <a:gd name="connsiteX2" fmla="*/ 95250 w 296266"/>
-              <a:gd name="connsiteY2" fmla="*/ 1304925 h 1366621"/>
-              <a:gd name="connsiteX3" fmla="*/ 76200 w 296266"/>
-              <a:gd name="connsiteY3" fmla="*/ 1343025 h 1366621"/>
-              <a:gd name="connsiteX4" fmla="*/ 85725 w 296266"/>
-              <a:gd name="connsiteY4" fmla="*/ 1343025 h 1366621"/>
-              <a:gd name="connsiteX0" fmla="*/ 838230 w 1134496"/>
-              <a:gd name="connsiteY0" fmla="*/ 0 h 1368573"/>
-              <a:gd name="connsiteX1" fmla="*/ 1133505 w 1134496"/>
-              <a:gd name="connsiteY1" fmla="*/ 647700 h 1368573"/>
-              <a:gd name="connsiteX2" fmla="*/ 933480 w 1134496"/>
-              <a:gd name="connsiteY2" fmla="*/ 1304925 h 1368573"/>
-              <a:gd name="connsiteX3" fmla="*/ 914430 w 1134496"/>
-              <a:gd name="connsiteY3" fmla="*/ 1343025 h 1368573"/>
-              <a:gd name="connsiteX4" fmla="*/ 30 w 1134496"/>
-              <a:gd name="connsiteY4" fmla="*/ 1304925 h 1368573"/>
-              <a:gd name="connsiteX0" fmla="*/ 0 w 296266"/>
-              <a:gd name="connsiteY0" fmla="*/ 0 h 1368573"/>
-              <a:gd name="connsiteX1" fmla="*/ 295275 w 296266"/>
-              <a:gd name="connsiteY1" fmla="*/ 647700 h 1368573"/>
-              <a:gd name="connsiteX2" fmla="*/ 95250 w 296266"/>
-              <a:gd name="connsiteY2" fmla="*/ 1304925 h 1368573"/>
-              <a:gd name="connsiteX3" fmla="*/ 76200 w 296266"/>
-              <a:gd name="connsiteY3" fmla="*/ 1343025 h 1368573"/>
-              <a:gd name="connsiteX0" fmla="*/ 0 w 296266"/>
-              <a:gd name="connsiteY0" fmla="*/ 0 h 1304925"/>
-              <a:gd name="connsiteX1" fmla="*/ 295275 w 296266"/>
-              <a:gd name="connsiteY1" fmla="*/ 647700 h 1304925"/>
-              <a:gd name="connsiteX2" fmla="*/ 95250 w 296266"/>
-              <a:gd name="connsiteY2" fmla="*/ 1304925 h 1304925"/>
-            </a:gdLst>
-            <a:ahLst/>
-            <a:cxnLst>
-              <a:cxn ang="0">
-                <a:pos x="connsiteX0" y="connsiteY0"/>
-              </a:cxn>
-              <a:cxn ang="0">
-                <a:pos x="connsiteX1" y="connsiteY1"/>
-              </a:cxn>
-              <a:cxn ang="0">
-                <a:pos x="connsiteX2" y="connsiteY2"/>
-              </a:cxn>
-            </a:cxnLst>
-            <a:rect l="l" t="t" r="r" b="b"/>
-            <a:pathLst>
-              <a:path w="296266" h="1304925">
-                <a:moveTo>
-                  <a:pt x="0" y="0"/>
-                </a:moveTo>
-                <a:cubicBezTo>
-                  <a:pt x="139700" y="215106"/>
-                  <a:pt x="279400" y="430213"/>
-                  <a:pt x="295275" y="647700"/>
-                </a:cubicBezTo>
-                <a:cubicBezTo>
-                  <a:pt x="311150" y="865187"/>
-                  <a:pt x="131763" y="1189037"/>
-                  <a:pt x="95250" y="1304925"/>
-                </a:cubicBezTo>
-              </a:path>
-            </a:pathLst>
-          </a:custGeom>
-          <a:ln w="38100" cap="flat">
-            <a:solidFill>
-              <a:schemeClr val="dk1"/>
-            </a:solidFill>
-          </a:ln>
+          <a:noFill/>
+        </p:spPr>
+        <p:txBody>
+          <a:bodyPr wrap="none" rtlCol="0">
+            <a:spAutoFit/>
+          </a:bodyPr>
+          <a:lstStyle/>
+          <a:p>
+            <a:r>
+              <a:rPr lang="en-US" sz="6000" b="1">
+                <a:latin typeface="+mj-lt"/>
+              </a:rPr>
+              <a:t>Analogie e differenze con il mondo naturale</a:t>
+            </a:r>
+            <a:endParaRPr lang="it-IT" sz="6000" b="1">
+              <a:latin typeface="+mj-lt"/>
+            </a:endParaRPr>
+          </a:p>
+        </p:txBody>
+      </p:sp>
+      <p:cxnSp>
+        <p:nvCxnSpPr>
+          <p:cNvPr id="3" name="Connettore diritto 2">
+            <a:extLst>
+              <a:ext uri="{FF2B5EF4-FFF2-40B4-BE49-F238E27FC236}">
+                <a16:creationId xmlns:a16="http://schemas.microsoft.com/office/drawing/2014/main" id="{0B517ACF-0EC9-4BF8-B6A0-890BBB8D9B51}"/>
+              </a:ext>
+            </a:extLst>
+          </p:cNvPr>
+          <p:cNvCxnSpPr>
+            <a:cxnSpLocks/>
+          </p:cNvCxnSpPr>
+          <p:nvPr/>
+        </p:nvCxnSpPr>
+        <p:spPr>
+          <a:xfrm flipV="1">
+            <a:off x="909323" y="2683061"/>
+            <a:ext cx="10191493" cy="39565"/>
+          </a:xfrm>
+          <a:prstGeom prst="line">
+            <a:avLst/>
+          </a:prstGeom>
+          <a:ln w="19050"/>
         </p:spPr>
         <p:style>
-          <a:lnRef idx="3">
+          <a:lnRef idx="2">
             <a:schemeClr val="dk1"/>
           </a:lnRef>
           <a:fillRef idx="0">
             <a:schemeClr val="dk1"/>
           </a:fillRef>
-          <a:effectRef idx="2">
+          <a:effectRef idx="1">
             <a:schemeClr val="dk1"/>
           </a:effectRef>
           <a:fontRef idx="minor">
             <a:schemeClr val="tx1"/>
           </a:fontRef>
         </p:style>
+      </p:cxnSp>
+      <p:cxnSp>
+        <p:nvCxnSpPr>
+          <p:cNvPr id="5" name="Connettore diritto 4">
+            <a:extLst>
+              <a:ext uri="{FF2B5EF4-FFF2-40B4-BE49-F238E27FC236}">
+                <a16:creationId xmlns:a16="http://schemas.microsoft.com/office/drawing/2014/main" id="{CC07CC66-DC32-4DBE-904D-7C9E5CE76E60}"/>
+              </a:ext>
+            </a:extLst>
+          </p:cNvPr>
+          <p:cNvCxnSpPr>
+            <a:cxnSpLocks/>
+          </p:cNvCxnSpPr>
+          <p:nvPr/>
+        </p:nvCxnSpPr>
+        <p:spPr>
+          <a:xfrm flipV="1">
+            <a:off x="814835" y="3659159"/>
+            <a:ext cx="10191493" cy="39565"/>
+          </a:xfrm>
+          <a:prstGeom prst="line">
+            <a:avLst/>
+          </a:prstGeom>
+          <a:ln w="19050"/>
+        </p:spPr>
+        <p:style>
+          <a:lnRef idx="2">
+            <a:schemeClr val="dk1"/>
+          </a:lnRef>
+          <a:fillRef idx="0">
+            <a:schemeClr val="dk1"/>
+          </a:fillRef>
+          <a:effectRef idx="1">
+            <a:schemeClr val="dk1"/>
+          </a:effectRef>
+          <a:fontRef idx="minor">
+            <a:schemeClr val="tx1"/>
+          </a:fontRef>
+        </p:style>
+      </p:cxnSp>
+      <p:sp>
+        <p:nvSpPr>
+          <p:cNvPr id="6" name="Figura a mano libera: forma 5">
+            <a:extLst>
+              <a:ext uri="{FF2B5EF4-FFF2-40B4-BE49-F238E27FC236}">
+                <a16:creationId xmlns:a16="http://schemas.microsoft.com/office/drawing/2014/main" id="{D70C83BA-6081-491B-93A7-B354F5CC4D1B}"/>
+              </a:ext>
+            </a:extLst>
+          </p:cNvPr>
+          <p:cNvSpPr/>
+          <p:nvPr/>
+        </p:nvSpPr>
+        <p:spPr>
+          <a:xfrm>
+            <a:off x="3625362" y="0"/>
+            <a:ext cx="2117070" cy="2489568"/>
+          </a:xfrm>
+          <a:custGeom>
+            <a:avLst/>
+            <a:gdLst>
+              <a:gd name="connsiteX0" fmla="*/ 0 w 2470638"/>
+              <a:gd name="connsiteY0" fmla="*/ 0 h 1820008"/>
+              <a:gd name="connsiteX1" fmla="*/ 1345223 w 2470638"/>
+              <a:gd name="connsiteY1" fmla="*/ 351693 h 1820008"/>
+              <a:gd name="connsiteX2" fmla="*/ 2470638 w 2470638"/>
+              <a:gd name="connsiteY2" fmla="*/ 1820008 h 1820008"/>
+            </a:gdLst>
+            <a:ahLst/>
+            <a:cxnLst>
+              <a:cxn ang="0">
+                <a:pos x="connsiteX0" y="connsiteY0"/>
+              </a:cxn>
+              <a:cxn ang="0">
+                <a:pos x="connsiteX1" y="connsiteY1"/>
+              </a:cxn>
+              <a:cxn ang="0">
+                <a:pos x="connsiteX2" y="connsiteY2"/>
+              </a:cxn>
+            </a:cxnLst>
+            <a:rect l="l" t="t" r="r" b="b"/>
+            <a:pathLst>
+              <a:path w="2470638" h="1820008">
+                <a:moveTo>
+                  <a:pt x="0" y="0"/>
+                </a:moveTo>
+                <a:cubicBezTo>
+                  <a:pt x="466725" y="24179"/>
+                  <a:pt x="933450" y="48358"/>
+                  <a:pt x="1345223" y="351693"/>
+                </a:cubicBezTo>
+                <a:cubicBezTo>
+                  <a:pt x="1756996" y="655028"/>
+                  <a:pt x="2113817" y="1237518"/>
+                  <a:pt x="2470638" y="1820008"/>
+                </a:cubicBezTo>
+              </a:path>
+            </a:pathLst>
+          </a:custGeom>
+          <a:noFill/>
+          <a:ln w="38100">
+            <a:solidFill>
+              <a:schemeClr val="tx1"/>
+            </a:solidFill>
+            <a:prstDash val="dash"/>
+          </a:ln>
+        </p:spPr>
+        <p:style>
+          <a:lnRef idx="2">
+            <a:schemeClr val="accent1">
+              <a:shade val="50000"/>
+            </a:schemeClr>
+          </a:lnRef>
+          <a:fillRef idx="1">
+            <a:schemeClr val="accent1"/>
+          </a:fillRef>
+          <a:effectRef idx="0">
+            <a:schemeClr val="accent1"/>
+          </a:effectRef>
+          <a:fontRef idx="minor">
+            <a:schemeClr val="lt1"/>
+          </a:fontRef>
+        </p:style>
         <p:txBody>
           <a:bodyPr rot="0" spcFirstLastPara="0" vertOverflow="overflow" horzOverflow="overflow" vert="horz" wrap="square" lIns="91440" tIns="45720" rIns="91440" bIns="45720" numCol="1" spcCol="0" rtlCol="0" fromWordArt="0" anchor="ctr" anchorCtr="0" forceAA="0" compatLnSpc="1">
             <a:prstTxWarp prst="textNoShape">
@@ -32773,20 +34425,16 @@
           <a:lstStyle/>
           <a:p>
             <a:pPr algn="ctr"/>
-            <a:endParaRPr lang="it-IT" b="1">
-              <a:solidFill>
-                <a:schemeClr val="tx1"/>
-              </a:solidFill>
-            </a:endParaRPr>
-          </a:p>
-        </p:txBody>
-      </p:sp>
-      <p:sp>
-        <p:nvSpPr>
-          <p:cNvPr id="93" name="Figura a mano libera: forma 92">
-            <a:extLst>
-              <a:ext uri="{FF2B5EF4-FFF2-40B4-BE49-F238E27FC236}">
-                <a16:creationId xmlns:a16="http://schemas.microsoft.com/office/drawing/2014/main" id="{158C1F3E-2713-46AC-A854-D502E45C4961}"/>
+            <a:endParaRPr lang="it-IT"/>
+          </a:p>
+        </p:txBody>
+      </p:sp>
+      <p:sp>
+        <p:nvSpPr>
+          <p:cNvPr id="7" name="Figura a mano libera: forma 6">
+            <a:extLst>
+              <a:ext uri="{FF2B5EF4-FFF2-40B4-BE49-F238E27FC236}">
+                <a16:creationId xmlns:a16="http://schemas.microsoft.com/office/drawing/2014/main" id="{53ADC8FF-23C0-417B-AF70-088E2434BACA}"/>
               </a:ext>
             </a:extLst>
           </p:cNvPr>
@@ -32794,23 +34442,21 @@
           <p:nvPr/>
         </p:nvSpPr>
         <p:spPr>
-          <a:xfrm rot="3123303">
-            <a:off x="9262364" y="3507272"/>
-            <a:ext cx="269087" cy="373275"/>
+          <a:xfrm>
+            <a:off x="5396475" y="3982888"/>
+            <a:ext cx="4450910" cy="2883903"/>
           </a:xfrm>
           <a:custGeom>
             <a:avLst/>
             <a:gdLst>
-              <a:gd name="connsiteX0" fmla="*/ 0 w 484384"/>
-              <a:gd name="connsiteY0" fmla="*/ 213206 h 474750"/>
-              <a:gd name="connsiteX1" fmla="*/ 452761 w 484384"/>
-              <a:gd name="connsiteY1" fmla="*/ 435148 h 474750"/>
-              <a:gd name="connsiteX2" fmla="*/ 443884 w 484384"/>
-              <a:gd name="connsiteY2" fmla="*/ 435148 h 474750"/>
-              <a:gd name="connsiteX3" fmla="*/ 426128 w 484384"/>
-              <a:gd name="connsiteY3" fmla="*/ 35653 h 474750"/>
-              <a:gd name="connsiteX4" fmla="*/ 435006 w 484384"/>
-              <a:gd name="connsiteY4" fmla="*/ 44531 h 474750"/>
+              <a:gd name="connsiteX0" fmla="*/ 160263 w 4450910"/>
+              <a:gd name="connsiteY0" fmla="*/ 0 h 3279530"/>
+              <a:gd name="connsiteX1" fmla="*/ 415240 w 4450910"/>
+              <a:gd name="connsiteY1" fmla="*/ 1186961 h 3279530"/>
+              <a:gd name="connsiteX2" fmla="*/ 3729940 w 4450910"/>
+              <a:gd name="connsiteY2" fmla="*/ 2628900 h 3279530"/>
+              <a:gd name="connsiteX3" fmla="*/ 4450910 w 4450910"/>
+              <a:gd name="connsiteY3" fmla="*/ 3279530 h 3279530"/>
             </a:gdLst>
             <a:ahLst/>
             <a:cxnLst>
@@ -32826,212 +34472,105 @@
               <a:cxn ang="0">
                 <a:pos x="connsiteX3" y="connsiteY3"/>
               </a:cxn>
-              <a:cxn ang="0">
-                <a:pos x="connsiteX4" y="connsiteY4"/>
-              </a:cxn>
             </a:cxnLst>
             <a:rect l="l" t="t" r="r" b="b"/>
             <a:pathLst>
-              <a:path w="484384" h="474750">
+              <a:path w="4450910" h="3279530">
                 <a:moveTo>
-                  <a:pt x="0" y="213206"/>
+                  <a:pt x="160263" y="0"/>
                 </a:moveTo>
-                <a:lnTo>
-                  <a:pt x="452761" y="435148"/>
-                </a:lnTo>
                 <a:cubicBezTo>
-                  <a:pt x="526742" y="472138"/>
-                  <a:pt x="448323" y="501731"/>
-                  <a:pt x="443884" y="435148"/>
+                  <a:pt x="-9722" y="374405"/>
+                  <a:pt x="-179706" y="748811"/>
+                  <a:pt x="415240" y="1186961"/>
                 </a:cubicBezTo>
                 <a:cubicBezTo>
-                  <a:pt x="439445" y="368565"/>
-                  <a:pt x="427608" y="100756"/>
-                  <a:pt x="426128" y="35653"/>
+                  <a:pt x="1010186" y="1625111"/>
+                  <a:pt x="3057328" y="2280139"/>
+                  <a:pt x="3729940" y="2628900"/>
                 </a:cubicBezTo>
                 <a:cubicBezTo>
-                  <a:pt x="424648" y="-29450"/>
-                  <a:pt x="429827" y="7540"/>
-                  <a:pt x="435006" y="44531"/>
+                  <a:pt x="4402552" y="2977661"/>
+                  <a:pt x="4426731" y="3128595"/>
+                  <a:pt x="4450910" y="3279530"/>
                 </a:cubicBezTo>
               </a:path>
             </a:pathLst>
           </a:custGeom>
-          <a:ln w="38100" cap="flat">
+          <a:noFill/>
+          <a:ln w="38100">
             <a:solidFill>
-              <a:schemeClr val="dk1"/>
+              <a:schemeClr val="tx1"/>
             </a:solidFill>
+            <a:prstDash val="dash"/>
           </a:ln>
         </p:spPr>
         <p:style>
-          <a:lnRef idx="3">
-            <a:schemeClr val="dk1"/>
+          <a:lnRef idx="2">
+            <a:schemeClr val="accent1">
+              <a:shade val="50000"/>
+            </a:schemeClr>
           </a:lnRef>
-          <a:fillRef idx="0">
-            <a:schemeClr val="dk1"/>
+          <a:fillRef idx="1">
+            <a:schemeClr val="accent1"/>
           </a:fillRef>
-          <a:effectRef idx="2">
-            <a:schemeClr val="dk1"/>
+          <a:effectRef idx="0">
+            <a:schemeClr val="accent1"/>
           </a:effectRef>
           <a:fontRef idx="minor">
-            <a:schemeClr val="tx1"/>
+            <a:schemeClr val="lt1"/>
           </a:fontRef>
         </p:style>
         <p:txBody>
-          <a:bodyPr rtlCol="0" anchor="ctr"/>
-          <a:lstStyle/>
-          <a:p>
-            <a:pPr algn="ctr"/>
-            <a:endParaRPr lang="it-IT" b="1"/>
-          </a:p>
-        </p:txBody>
-      </p:sp>
-      <p:sp>
-        <p:nvSpPr>
-          <p:cNvPr id="94" name="Titolo 1">
-            <a:extLst>
-              <a:ext uri="{FF2B5EF4-FFF2-40B4-BE49-F238E27FC236}">
-                <a16:creationId xmlns:a16="http://schemas.microsoft.com/office/drawing/2014/main" id="{A5D5873A-ABBC-4092-85C0-856BC0371927}"/>
-              </a:ext>
-            </a:extLst>
-          </p:cNvPr>
-          <p:cNvSpPr>
-            <a:spLocks noGrp="1"/>
-          </p:cNvSpPr>
-          <p:nvPr>
-            <p:ph type="ctrTitle"/>
-          </p:nvPr>
-        </p:nvSpPr>
-        <p:spPr>
-          <a:xfrm>
-            <a:off x="523531" y="1088435"/>
-            <a:ext cx="4894556" cy="1712220"/>
-          </a:xfrm>
-        </p:spPr>
-        <p:txBody>
-          <a:bodyPr>
+          <a:bodyPr rot="0" spcFirstLastPara="0" vertOverflow="overflow" horzOverflow="overflow" vert="horz" wrap="square" lIns="91440" tIns="45720" rIns="91440" bIns="45720" numCol="1" spcCol="0" rtlCol="0" fromWordArt="0" anchor="ctr" anchorCtr="0" forceAA="0" compatLnSpc="1">
+            <a:prstTxWarp prst="textNoShape">
+              <a:avLst/>
+            </a:prstTxWarp>
             <a:noAutofit/>
           </a:bodyPr>
           <a:lstStyle/>
           <a:p>
-            <a:r>
-              <a:rPr lang="en-US" sz="11500">
-                <a:latin typeface="Amatic SC" panose="00000500000000000000" pitchFamily="2" charset="-79"/>
-                <a:cs typeface="Amatic SC" panose="00000500000000000000" pitchFamily="2" charset="-79"/>
-              </a:rPr>
-              <a:t>C</a:t>
-            </a:r>
-            <a:r>
-              <a:rPr lang="it-IT" sz="11500">
-                <a:latin typeface="Amatic SC" panose="00000500000000000000" pitchFamily="2" charset="-79"/>
-                <a:cs typeface="Amatic SC" panose="00000500000000000000" pitchFamily="2" charset="-79"/>
-              </a:rPr>
-              <a:t>rossover</a:t>
-            </a:r>
-          </a:p>
-        </p:txBody>
-      </p:sp>
-      <p:grpSp>
-        <p:nvGrpSpPr>
-          <p:cNvPr id="95" name="Gruppo 94">
-            <a:extLst>
-              <a:ext uri="{FF2B5EF4-FFF2-40B4-BE49-F238E27FC236}">
-                <a16:creationId xmlns:a16="http://schemas.microsoft.com/office/drawing/2014/main" id="{B5683AD9-F6F3-4E5E-9569-9798D0BB7697}"/>
-              </a:ext>
-            </a:extLst>
-          </p:cNvPr>
-          <p:cNvGrpSpPr/>
-          <p:nvPr/>
-        </p:nvGrpSpPr>
-        <p:grpSpPr>
-          <a:xfrm>
-            <a:off x="605311" y="1060585"/>
-            <a:ext cx="4687410" cy="1712220"/>
-            <a:chOff x="816745" y="275208"/>
-            <a:chExt cx="4687410" cy="3331345"/>
-          </a:xfrm>
-        </p:grpSpPr>
-        <p:cxnSp>
-          <p:nvCxnSpPr>
-            <p:cNvPr id="96" name="Connettore diritto 95">
-              <a:extLst>
-                <a:ext uri="{FF2B5EF4-FFF2-40B4-BE49-F238E27FC236}">
-                  <a16:creationId xmlns:a16="http://schemas.microsoft.com/office/drawing/2014/main" id="{F887BF12-9EB0-41A9-8E6E-8D4D125A4F8E}"/>
-                </a:ext>
-              </a:extLst>
-            </p:cNvPr>
-            <p:cNvCxnSpPr/>
-            <p:nvPr/>
-          </p:nvCxnSpPr>
-          <p:spPr>
-            <a:xfrm>
-              <a:off x="816746" y="275208"/>
-              <a:ext cx="4687409" cy="177553"/>
-            </a:xfrm>
-            <a:prstGeom prst="line">
-              <a:avLst/>
-            </a:prstGeom>
-            <a:ln w="19050"/>
-          </p:spPr>
-          <p:style>
-            <a:lnRef idx="2">
-              <a:schemeClr val="dk1"/>
-            </a:lnRef>
-            <a:fillRef idx="0">
-              <a:schemeClr val="dk1"/>
-            </a:fillRef>
-            <a:effectRef idx="1">
-              <a:schemeClr val="dk1"/>
-            </a:effectRef>
-            <a:fontRef idx="minor">
-              <a:schemeClr val="tx1"/>
-            </a:fontRef>
-          </p:style>
-        </p:cxnSp>
-        <p:cxnSp>
-          <p:nvCxnSpPr>
-            <p:cNvPr id="97" name="Connettore diritto 96">
-              <a:extLst>
-                <a:ext uri="{FF2B5EF4-FFF2-40B4-BE49-F238E27FC236}">
-                  <a16:creationId xmlns:a16="http://schemas.microsoft.com/office/drawing/2014/main" id="{952FD48D-582A-4B4A-BE29-20DB523E2ADE}"/>
-                </a:ext>
-              </a:extLst>
-            </p:cNvPr>
-            <p:cNvCxnSpPr/>
-            <p:nvPr/>
-          </p:nvCxnSpPr>
-          <p:spPr>
-            <a:xfrm>
-              <a:off x="816745" y="3429000"/>
-              <a:ext cx="4687409" cy="177553"/>
-            </a:xfrm>
-            <a:prstGeom prst="line">
-              <a:avLst/>
-            </a:prstGeom>
-            <a:ln w="19050"/>
-          </p:spPr>
-          <p:style>
-            <a:lnRef idx="2">
-              <a:schemeClr val="dk1"/>
-            </a:lnRef>
-            <a:fillRef idx="0">
-              <a:schemeClr val="dk1"/>
-            </a:fillRef>
-            <a:effectRef idx="1">
-              <a:schemeClr val="dk1"/>
-            </a:effectRef>
-            <a:fontRef idx="minor">
-              <a:schemeClr val="tx1"/>
-            </a:fontRef>
-          </p:style>
-        </p:cxnSp>
-      </p:grpSp>
-      <p:sp>
-        <p:nvSpPr>
-          <p:cNvPr id="98" name="CasellaDiTesto 97">
-            <a:extLst>
-              <a:ext uri="{FF2B5EF4-FFF2-40B4-BE49-F238E27FC236}">
-                <a16:creationId xmlns:a16="http://schemas.microsoft.com/office/drawing/2014/main" id="{0EC92DE4-9E08-4332-B6F3-2FDF061871F5}"/>
+            <a:pPr algn="ctr"/>
+            <a:endParaRPr lang="it-IT"/>
+          </a:p>
+        </p:txBody>
+      </p:sp>
+    </p:spTree>
+    <p:extLst>
+      <p:ext uri="{BB962C8B-B14F-4D97-AF65-F5344CB8AC3E}">
+        <p14:creationId xmlns:p14="http://schemas.microsoft.com/office/powerpoint/2010/main" val="3052123982"/>
+      </p:ext>
+    </p:extLst>
+  </p:cSld>
+  <p:clrMapOvr>
+    <a:masterClrMapping/>
+  </p:clrMapOvr>
+</p:sld>
+</file>
+
+<file path=ppt/slides/slide44.xml><?xml version="1.0" encoding="utf-8"?>
+<p:sld xmlns:a="http://schemas.openxmlformats.org/drawingml/2006/main" xmlns:r="http://schemas.openxmlformats.org/officeDocument/2006/relationships" xmlns:p="http://schemas.openxmlformats.org/presentationml/2006/main">
+  <p:cSld>
+    <p:spTree>
+      <p:nvGrpSpPr>
+        <p:cNvPr id="1" name=""/>
+        <p:cNvGrpSpPr/>
+        <p:nvPr/>
+      </p:nvGrpSpPr>
+      <p:grpSpPr>
+        <a:xfrm>
+          <a:off x="0" y="0"/>
+          <a:ext cx="0" cy="0"/>
+          <a:chOff x="0" y="0"/>
+          <a:chExt cx="0" cy="0"/>
+        </a:xfrm>
+      </p:grpSpPr>
+      <p:sp>
+        <p:nvSpPr>
+          <p:cNvPr id="2" name="CasellaDiTesto 1">
+            <a:extLst>
+              <a:ext uri="{FF2B5EF4-FFF2-40B4-BE49-F238E27FC236}">
+                <a16:creationId xmlns:a16="http://schemas.microsoft.com/office/drawing/2014/main" id="{502B5645-9360-4066-8222-E3F4B0E6D67B}"/>
               </a:ext>
             </a:extLst>
           </p:cNvPr>
@@ -33040,8 +34579,8 @@
         </p:nvSpPr>
         <p:spPr>
           <a:xfrm>
-            <a:off x="605311" y="3157537"/>
-            <a:ext cx="3660688" cy="769441"/>
+            <a:off x="2596660" y="1142997"/>
+            <a:ext cx="4832839" cy="4269759"/>
           </a:xfrm>
           <a:prstGeom prst="rect">
             <a:avLst/>
@@ -33054,76 +34593,136 @@
           </a:bodyPr>
           <a:lstStyle/>
           <a:p>
+            <a:pPr marL="285750" indent="-285750">
+              <a:lnSpc>
+                <a:spcPct val="200000"/>
+              </a:lnSpc>
+              <a:buFont typeface="Arial" panose="020B0604020202020204" pitchFamily="34" charset="0"/>
+              <a:buChar char="•"/>
+            </a:pPr>
             <a:r>
-              <a:rPr lang="en-US" sz="2200">
-                <a:latin typeface="Oswald" panose="00000500000000000000" pitchFamily="2" charset="0"/>
-              </a:rPr>
-              <a:t>Ovvero come </a:t>
+              <a:rPr lang="en-US" sz="2800"/>
+              <a:t>Ereditariet</a:t>
             </a:r>
             <a:r>
-              <a:rPr lang="it-IT" sz="2200">
-                <a:latin typeface="Oswald" panose="00000500000000000000" pitchFamily="2" charset="0"/>
-              </a:rPr>
-              <a:t>gli</a:t>
+              <a:rPr lang="it-IT" sz="2800"/>
+              <a:t>à</a:t>
             </a:r>
+          </a:p>
+          <a:p>
+            <a:pPr marL="285750" indent="-285750">
+              <a:lnSpc>
+                <a:spcPct val="200000"/>
+              </a:lnSpc>
+              <a:buFont typeface="Arial" panose="020B0604020202020204" pitchFamily="34" charset="0"/>
+              <a:buChar char="•"/>
+            </a:pPr>
             <a:r>
-              <a:rPr lang="en-US" sz="2200">
-                <a:latin typeface="Oswald" panose="00000500000000000000" pitchFamily="2" charset="0"/>
-              </a:rPr>
-              <a:t> </a:t>
+              <a:rPr lang="it-IT" sz="2800"/>
+              <a:t>Selezione</a:t>
             </a:r>
+          </a:p>
+          <a:p>
+            <a:pPr marL="285750" indent="-285750">
+              <a:lnSpc>
+                <a:spcPct val="200000"/>
+              </a:lnSpc>
+              <a:buFont typeface="Arial" panose="020B0604020202020204" pitchFamily="34" charset="0"/>
+              <a:buChar char="•"/>
+            </a:pPr>
             <a:r>
-              <a:rPr lang="en-US" sz="2200" err="1">
-                <a:latin typeface="Oswald" panose="00000500000000000000" pitchFamily="2" charset="0"/>
-              </a:rPr>
-              <a:t>individui</a:t>
+              <a:rPr lang="it-IT" sz="2800"/>
+              <a:t>Variabilità</a:t>
             </a:r>
+          </a:p>
+          <a:p>
+            <a:pPr marL="285750" indent="-285750">
+              <a:lnSpc>
+                <a:spcPct val="200000"/>
+              </a:lnSpc>
+              <a:buFont typeface="Arial" panose="020B0604020202020204" pitchFamily="34" charset="0"/>
+              <a:buChar char="•"/>
+            </a:pPr>
             <a:r>
-              <a:rPr lang="en-US" sz="2200">
-                <a:latin typeface="Oswald" panose="00000500000000000000" pitchFamily="2" charset="0"/>
-              </a:rPr>
-              <a:t> </a:t>
+              <a:rPr lang="it-IT" sz="2800"/>
+              <a:t>Adattabilità</a:t>
             </a:r>
+          </a:p>
+          <a:p>
+            <a:pPr marL="285750" indent="-285750">
+              <a:lnSpc>
+                <a:spcPct val="200000"/>
+              </a:lnSpc>
+              <a:buFont typeface="Arial" panose="020B0604020202020204" pitchFamily="34" charset="0"/>
+              <a:buChar char="•"/>
+            </a:pPr>
             <a:r>
-              <a:rPr lang="en-US" sz="2200" err="1">
-                <a:latin typeface="Oswald" panose="00000500000000000000" pitchFamily="2" charset="0"/>
-              </a:rPr>
-              <a:t>si</a:t>
+              <a:rPr lang="it-IT" sz="2800"/>
+              <a:t>Speciazione</a:t>
             </a:r>
+          </a:p>
+        </p:txBody>
+      </p:sp>
+      <p:sp>
+        <p:nvSpPr>
+          <p:cNvPr id="3" name="Rettangolo 2">
+            <a:extLst>
+              <a:ext uri="{FF2B5EF4-FFF2-40B4-BE49-F238E27FC236}">
+                <a16:creationId xmlns:a16="http://schemas.microsoft.com/office/drawing/2014/main" id="{7FD2F608-CD61-40C2-9CD0-0CA89AC3CC65}"/>
+              </a:ext>
+            </a:extLst>
+          </p:cNvPr>
+          <p:cNvSpPr/>
+          <p:nvPr/>
+        </p:nvSpPr>
+        <p:spPr>
+          <a:xfrm>
+            <a:off x="8627084" y="325316"/>
+            <a:ext cx="2857500" cy="1240320"/>
+          </a:xfrm>
+          <a:prstGeom prst="rect">
+            <a:avLst/>
+          </a:prstGeom>
+          <a:solidFill>
+            <a:schemeClr val="tx1"/>
+          </a:solidFill>
+          <a:ln>
+            <a:noFill/>
+          </a:ln>
+        </p:spPr>
+        <p:style>
+          <a:lnRef idx="2">
+            <a:schemeClr val="accent1">
+              <a:shade val="50000"/>
+            </a:schemeClr>
+          </a:lnRef>
+          <a:fillRef idx="1">
+            <a:schemeClr val="accent1"/>
+          </a:fillRef>
+          <a:effectRef idx="0">
+            <a:schemeClr val="accent1"/>
+          </a:effectRef>
+          <a:fontRef idx="minor">
+            <a:schemeClr val="lt1"/>
+          </a:fontRef>
+        </p:style>
+        <p:txBody>
+          <a:bodyPr rtlCol="0" anchor="ctr"/>
+          <a:lstStyle/>
+          <a:p>
+            <a:pPr algn="ctr"/>
             <a:r>
-              <a:rPr lang="en-US" sz="2200">
-                <a:latin typeface="Oswald" panose="00000500000000000000" pitchFamily="2" charset="0"/>
-              </a:rPr>
-              <a:t> </a:t>
+              <a:rPr lang="en-US" sz="4800"/>
+              <a:t>BOZZA</a:t>
             </a:r>
-            <a:r>
-              <a:rPr lang="en-US" sz="2200" err="1">
-                <a:latin typeface="Oswald" panose="00000500000000000000" pitchFamily="2" charset="0"/>
-              </a:rPr>
-              <a:t>scambiano</a:t>
-            </a:r>
-            <a:r>
-              <a:rPr lang="en-US" sz="2200">
-                <a:latin typeface="Oswald" panose="00000500000000000000" pitchFamily="2" charset="0"/>
-              </a:rPr>
-              <a:t> </a:t>
-            </a:r>
-            <a:r>
-              <a:rPr lang="en-US" sz="2200" err="1">
-                <a:latin typeface="Oswald" panose="00000500000000000000" pitchFamily="2" charset="0"/>
-              </a:rPr>
-              <a:t>informazioni</a:t>
-            </a:r>
-            <a:endParaRPr lang="it-IT" sz="2200">
-              <a:latin typeface="Oswald" panose="00000500000000000000" pitchFamily="2" charset="0"/>
-            </a:endParaRPr>
+            <a:endParaRPr lang="it-IT" sz="4800"/>
           </a:p>
         </p:txBody>
       </p:sp>
     </p:spTree>
     <p:extLst>
       <p:ext uri="{BB962C8B-B14F-4D97-AF65-F5344CB8AC3E}">
-        <p14:creationId xmlns:p14="http://schemas.microsoft.com/office/powerpoint/2010/main" val="1844740091"/>
+        <p14:creationId xmlns:p14="http://schemas.microsoft.com/office/powerpoint/2010/main" val="3963010783"/>
       </p:ext>
     </p:extLst>
   </p:cSld>
@@ -33134,7 +34733,7 @@
 </file>
 
 <file path=ppt/slides/slide5.xml><?xml version="1.0" encoding="utf-8"?>
-<p:sld xmlns:a="http://schemas.openxmlformats.org/drawingml/2006/main" xmlns:r="http://schemas.openxmlformats.org/officeDocument/2006/relationships" xmlns:p="http://schemas.openxmlformats.org/presentationml/2006/main">
+<p:sld xmlns:a="http://schemas.openxmlformats.org/drawingml/2006/main" xmlns:r="http://schemas.openxmlformats.org/officeDocument/2006/relationships" xmlns:p="http://schemas.openxmlformats.org/presentationml/2006/main" show="0">
   <p:cSld>
     <p:spTree>
       <p:nvGrpSpPr>
@@ -35635,7 +37234,7 @@
 </file>
 
 <file path=ppt/slides/slide6.xml><?xml version="1.0" encoding="utf-8"?>
-<p:sld xmlns:a="http://schemas.openxmlformats.org/drawingml/2006/main" xmlns:r="http://schemas.openxmlformats.org/officeDocument/2006/relationships" xmlns:p="http://schemas.openxmlformats.org/presentationml/2006/main">
+<p:sld xmlns:a="http://schemas.openxmlformats.org/drawingml/2006/main" xmlns:r="http://schemas.openxmlformats.org/officeDocument/2006/relationships" xmlns:p="http://schemas.openxmlformats.org/presentationml/2006/main" show="0">
   <p:cSld>
     <p:spTree>
       <p:nvGrpSpPr>
@@ -38083,7 +39682,7 @@
 </file>
 
 <file path=ppt/slides/slide7.xml><?xml version="1.0" encoding="utf-8"?>
-<p:sld xmlns:a="http://schemas.openxmlformats.org/drawingml/2006/main" xmlns:r="http://schemas.openxmlformats.org/officeDocument/2006/relationships" xmlns:p="http://schemas.openxmlformats.org/presentationml/2006/main">
+<p:sld xmlns:a="http://schemas.openxmlformats.org/drawingml/2006/main" xmlns:r="http://schemas.openxmlformats.org/officeDocument/2006/relationships" xmlns:p="http://schemas.openxmlformats.org/presentationml/2006/main" show="0">
   <p:cSld>
     <p:spTree>
       <p:nvGrpSpPr>
@@ -40519,7 +42118,7 @@
 </file>
 
 <file path=ppt/slides/slide8.xml><?xml version="1.0" encoding="utf-8"?>
-<p:sld xmlns:a="http://schemas.openxmlformats.org/drawingml/2006/main" xmlns:r="http://schemas.openxmlformats.org/officeDocument/2006/relationships" xmlns:p="http://schemas.openxmlformats.org/presentationml/2006/main">
+<p:sld xmlns:a="http://schemas.openxmlformats.org/drawingml/2006/main" xmlns:r="http://schemas.openxmlformats.org/officeDocument/2006/relationships" xmlns:p="http://schemas.openxmlformats.org/presentationml/2006/main" show="0">
   <p:cSld>
     <p:spTree>
       <p:nvGrpSpPr>
@@ -42955,7 +44554,7 @@
 </file>
 
 <file path=ppt/slides/slide9.xml><?xml version="1.0" encoding="utf-8"?>
-<p:sld xmlns:a="http://schemas.openxmlformats.org/drawingml/2006/main" xmlns:r="http://schemas.openxmlformats.org/officeDocument/2006/relationships" xmlns:p="http://schemas.openxmlformats.org/presentationml/2006/main">
+<p:sld xmlns:a="http://schemas.openxmlformats.org/drawingml/2006/main" xmlns:r="http://schemas.openxmlformats.org/officeDocument/2006/relationships" xmlns:p="http://schemas.openxmlformats.org/presentationml/2006/main" show="0">
   <p:cSld>
     <p:spTree>
       <p:nvGrpSpPr>

--- a/Presentazioni/Algoritmi genetici.pptx
+++ b/Presentazioni/Algoritmi genetici.pptx
@@ -380,6 +380,182 @@
             </c:extLst>
           </c:dPt>
           <c:dLbls>
+            <c:dLbl>
+              <c:idx val="0"/>
+              <c:spPr>
+                <a:noFill/>
+                <a:ln>
+                  <a:noFill/>
+                </a:ln>
+                <a:effectLst/>
+              </c:spPr>
+              <c:txPr>
+                <a:bodyPr rot="0" spcFirstLastPara="1" vertOverflow="ellipsis" vert="horz" wrap="square" lIns="38100" tIns="19050" rIns="38100" bIns="19050" anchor="ctr" anchorCtr="1">
+                  <a:spAutoFit/>
+                </a:bodyPr>
+                <a:lstStyle/>
+                <a:p>
+                  <a:pPr>
+                    <a:defRPr sz="1600" b="0" i="0" u="none" strike="noStrike" kern="1200" baseline="0">
+                      <a:solidFill>
+                        <a:schemeClr val="tx1">
+                          <a:lumMod val="75000"/>
+                          <a:lumOff val="25000"/>
+                        </a:schemeClr>
+                      </a:solidFill>
+                      <a:latin typeface="+mn-lt"/>
+                      <a:ea typeface="+mn-ea"/>
+                      <a:cs typeface="+mn-cs"/>
+                    </a:defRPr>
+                  </a:pPr>
+                  <a:endParaRPr lang="it-IT"/>
+                </a:p>
+              </c:txPr>
+              <c:dLblPos val="ctr"/>
+              <c:showLegendKey val="0"/>
+              <c:showVal val="1"/>
+              <c:showCatName val="1"/>
+              <c:showSerName val="0"/>
+              <c:showPercent val="0"/>
+              <c:showBubbleSize val="0"/>
+              <c:extLst>
+                <c:ext xmlns:c16="http://schemas.microsoft.com/office/drawing/2014/chart" uri="{C3380CC4-5D6E-409C-BE32-E72D297353CC}">
+                  <c16:uniqueId val="{00000001-7B15-48B8-853E-ED7AF4F0F83A}"/>
+                </c:ext>
+              </c:extLst>
+            </c:dLbl>
+            <c:dLbl>
+              <c:idx val="1"/>
+              <c:spPr>
+                <a:noFill/>
+                <a:ln>
+                  <a:noFill/>
+                </a:ln>
+                <a:effectLst/>
+              </c:spPr>
+              <c:txPr>
+                <a:bodyPr rot="0" spcFirstLastPara="1" vertOverflow="ellipsis" vert="horz" wrap="square" lIns="38100" tIns="19050" rIns="38100" bIns="19050" anchor="ctr" anchorCtr="1">
+                  <a:spAutoFit/>
+                </a:bodyPr>
+                <a:lstStyle/>
+                <a:p>
+                  <a:pPr>
+                    <a:defRPr sz="1600" b="0" i="0" u="none" strike="noStrike" kern="1200" baseline="0">
+                      <a:solidFill>
+                        <a:schemeClr val="tx1">
+                          <a:lumMod val="75000"/>
+                          <a:lumOff val="25000"/>
+                        </a:schemeClr>
+                      </a:solidFill>
+                      <a:latin typeface="+mn-lt"/>
+                      <a:ea typeface="+mn-ea"/>
+                      <a:cs typeface="+mn-cs"/>
+                    </a:defRPr>
+                  </a:pPr>
+                  <a:endParaRPr lang="it-IT"/>
+                </a:p>
+              </c:txPr>
+              <c:dLblPos val="ctr"/>
+              <c:showLegendKey val="0"/>
+              <c:showVal val="1"/>
+              <c:showCatName val="1"/>
+              <c:showSerName val="0"/>
+              <c:showPercent val="0"/>
+              <c:showBubbleSize val="0"/>
+              <c:extLst>
+                <c:ext xmlns:c16="http://schemas.microsoft.com/office/drawing/2014/chart" uri="{C3380CC4-5D6E-409C-BE32-E72D297353CC}">
+                  <c16:uniqueId val="{00000003-7B15-48B8-853E-ED7AF4F0F83A}"/>
+                </c:ext>
+              </c:extLst>
+            </c:dLbl>
+            <c:dLbl>
+              <c:idx val="2"/>
+              <c:spPr>
+                <a:noFill/>
+                <a:ln>
+                  <a:noFill/>
+                </a:ln>
+                <a:effectLst/>
+              </c:spPr>
+              <c:txPr>
+                <a:bodyPr rot="0" spcFirstLastPara="1" vertOverflow="ellipsis" vert="horz" wrap="square" lIns="38100" tIns="19050" rIns="38100" bIns="19050" anchor="ctr" anchorCtr="1">
+                  <a:spAutoFit/>
+                </a:bodyPr>
+                <a:lstStyle/>
+                <a:p>
+                  <a:pPr>
+                    <a:defRPr sz="1600" b="0" i="0" u="none" strike="noStrike" kern="1200" baseline="0">
+                      <a:solidFill>
+                        <a:schemeClr val="tx1">
+                          <a:lumMod val="75000"/>
+                          <a:lumOff val="25000"/>
+                        </a:schemeClr>
+                      </a:solidFill>
+                      <a:latin typeface="+mn-lt"/>
+                      <a:ea typeface="+mn-ea"/>
+                      <a:cs typeface="+mn-cs"/>
+                    </a:defRPr>
+                  </a:pPr>
+                  <a:endParaRPr lang="it-IT"/>
+                </a:p>
+              </c:txPr>
+              <c:dLblPos val="ctr"/>
+              <c:showLegendKey val="0"/>
+              <c:showVal val="1"/>
+              <c:showCatName val="1"/>
+              <c:showSerName val="0"/>
+              <c:showPercent val="0"/>
+              <c:showBubbleSize val="0"/>
+              <c:extLst>
+                <c:ext xmlns:c16="http://schemas.microsoft.com/office/drawing/2014/chart" uri="{C3380CC4-5D6E-409C-BE32-E72D297353CC}">
+                  <c16:uniqueId val="{00000005-7B15-48B8-853E-ED7AF4F0F83A}"/>
+                </c:ext>
+              </c:extLst>
+            </c:dLbl>
+            <c:dLbl>
+              <c:idx val="3"/>
+              <c:spPr>
+                <a:noFill/>
+                <a:ln>
+                  <a:noFill/>
+                </a:ln>
+                <a:effectLst/>
+              </c:spPr>
+              <c:txPr>
+                <a:bodyPr rot="0" spcFirstLastPara="1" vertOverflow="ellipsis" vert="horz" wrap="square" lIns="38100" tIns="19050" rIns="38100" bIns="19050" anchor="ctr" anchorCtr="1">
+                  <a:spAutoFit/>
+                </a:bodyPr>
+                <a:lstStyle/>
+                <a:p>
+                  <a:pPr>
+                    <a:defRPr sz="1800" b="0" i="0" u="none" strike="noStrike" kern="1200" baseline="0">
+                      <a:solidFill>
+                        <a:schemeClr val="tx1">
+                          <a:lumMod val="75000"/>
+                          <a:lumOff val="25000"/>
+                        </a:schemeClr>
+                      </a:solidFill>
+                      <a:latin typeface="+mn-lt"/>
+                      <a:ea typeface="+mn-ea"/>
+                      <a:cs typeface="+mn-cs"/>
+                    </a:defRPr>
+                  </a:pPr>
+                  <a:endParaRPr lang="it-IT"/>
+                </a:p>
+              </c:txPr>
+              <c:dLblPos val="ctr"/>
+              <c:showLegendKey val="0"/>
+              <c:showVal val="1"/>
+              <c:showCatName val="1"/>
+              <c:showSerName val="0"/>
+              <c:showPercent val="0"/>
+              <c:showBubbleSize val="0"/>
+              <c:extLst>
+                <c:ext xmlns:c16="http://schemas.microsoft.com/office/drawing/2014/chart" uri="{C3380CC4-5D6E-409C-BE32-E72D297353CC}">
+                  <c16:uniqueId val="{00000007-7B15-48B8-853E-ED7AF4F0F83A}"/>
+                </c:ext>
+              </c:extLst>
+            </c:dLbl>
             <c:spPr>
               <a:noFill/>
               <a:ln>
@@ -1193,7 +1369,7 @@
           <a:p>
             <a:fld id="{E8C18EB1-1395-440F-8F45-FF7855588E00}" type="datetimeFigureOut">
               <a:rPr lang="it-IT" smtClean="0"/>
-              <a:t>03/06/2018</a:t>
+              <a:t>26/06/2018</a:t>
             </a:fld>
             <a:endParaRPr lang="it-IT"/>
           </a:p>
@@ -2279,7 +2455,7 @@
           <a:p>
             <a:fld id="{CF17ABF3-D650-458B-B889-FD94F4F2E5BA}" type="datetimeFigureOut">
               <a:rPr lang="it-IT" smtClean="0"/>
-              <a:t>03/06/2018</a:t>
+              <a:t>26/06/2018</a:t>
             </a:fld>
             <a:endParaRPr lang="it-IT"/>
           </a:p>
@@ -2477,7 +2653,7 @@
           <a:p>
             <a:fld id="{CF17ABF3-D650-458B-B889-FD94F4F2E5BA}" type="datetimeFigureOut">
               <a:rPr lang="it-IT" smtClean="0"/>
-              <a:t>03/06/2018</a:t>
+              <a:t>26/06/2018</a:t>
             </a:fld>
             <a:endParaRPr lang="it-IT"/>
           </a:p>
@@ -2685,7 +2861,7 @@
           <a:p>
             <a:fld id="{CF17ABF3-D650-458B-B889-FD94F4F2E5BA}" type="datetimeFigureOut">
               <a:rPr lang="it-IT" smtClean="0"/>
-              <a:t>03/06/2018</a:t>
+              <a:t>26/06/2018</a:t>
             </a:fld>
             <a:endParaRPr lang="it-IT"/>
           </a:p>
@@ -2919,7 +3095,7 @@
           <a:p>
             <a:fld id="{41A8A3C6-44C6-4792-BCC2-709277E2DAA9}" type="datetimeFigureOut">
               <a:rPr lang="it-IT" smtClean="0"/>
-              <a:t>03/06/2018</a:t>
+              <a:t>26/06/2018</a:t>
             </a:fld>
             <a:endParaRPr lang="it-IT"/>
           </a:p>
@@ -3157,7 +3333,7 @@
           <a:p>
             <a:fld id="{41A8A3C6-44C6-4792-BCC2-709277E2DAA9}" type="datetimeFigureOut">
               <a:rPr lang="it-IT" smtClean="0"/>
-              <a:t>03/06/2018</a:t>
+              <a:t>26/06/2018</a:t>
             </a:fld>
             <a:endParaRPr lang="it-IT"/>
           </a:p>
@@ -3462,7 +3638,7 @@
           <a:p>
             <a:fld id="{41A8A3C6-44C6-4792-BCC2-709277E2DAA9}" type="datetimeFigureOut">
               <a:rPr lang="it-IT" smtClean="0"/>
-              <a:t>03/06/2018</a:t>
+              <a:t>26/06/2018</a:t>
             </a:fld>
             <a:endParaRPr lang="it-IT"/>
           </a:p>
@@ -3765,7 +3941,7 @@
           <a:p>
             <a:fld id="{41A8A3C6-44C6-4792-BCC2-709277E2DAA9}" type="datetimeFigureOut">
               <a:rPr lang="it-IT" smtClean="0"/>
-              <a:t>03/06/2018</a:t>
+              <a:t>26/06/2018</a:t>
             </a:fld>
             <a:endParaRPr lang="it-IT"/>
           </a:p>
@@ -4216,7 +4392,7 @@
           <a:p>
             <a:fld id="{41A8A3C6-44C6-4792-BCC2-709277E2DAA9}" type="datetimeFigureOut">
               <a:rPr lang="it-IT" smtClean="0"/>
-              <a:t>03/06/2018</a:t>
+              <a:t>26/06/2018</a:t>
             </a:fld>
             <a:endParaRPr lang="it-IT"/>
           </a:p>
@@ -4389,7 +4565,7 @@
           <a:p>
             <a:fld id="{41A8A3C6-44C6-4792-BCC2-709277E2DAA9}" type="datetimeFigureOut">
               <a:rPr lang="it-IT" smtClean="0"/>
-              <a:t>03/06/2018</a:t>
+              <a:t>26/06/2018</a:t>
             </a:fld>
             <a:endParaRPr lang="it-IT"/>
           </a:p>
@@ -4526,7 +4702,7 @@
           <a:p>
             <a:fld id="{41A8A3C6-44C6-4792-BCC2-709277E2DAA9}" type="datetimeFigureOut">
               <a:rPr lang="it-IT" smtClean="0"/>
-              <a:t>03/06/2018</a:t>
+              <a:t>26/06/2018</a:t>
             </a:fld>
             <a:endParaRPr lang="it-IT"/>
           </a:p>
@@ -4870,7 +5046,7 @@
           <a:p>
             <a:fld id="{41A8A3C6-44C6-4792-BCC2-709277E2DAA9}" type="datetimeFigureOut">
               <a:rPr lang="it-IT" smtClean="0"/>
-              <a:t>03/06/2018</a:t>
+              <a:t>26/06/2018</a:t>
             </a:fld>
             <a:endParaRPr lang="it-IT"/>
           </a:p>
@@ -5084,7 +5260,7 @@
           <a:p>
             <a:fld id="{CF17ABF3-D650-458B-B889-FD94F4F2E5BA}" type="datetimeFigureOut">
               <a:rPr lang="it-IT" smtClean="0"/>
-              <a:t>03/06/2018</a:t>
+              <a:t>26/06/2018</a:t>
             </a:fld>
             <a:endParaRPr lang="it-IT"/>
           </a:p>
@@ -5389,7 +5565,7 @@
           <a:p>
             <a:fld id="{41A8A3C6-44C6-4792-BCC2-709277E2DAA9}" type="datetimeFigureOut">
               <a:rPr lang="it-IT" smtClean="0"/>
-              <a:t>03/06/2018</a:t>
+              <a:t>26/06/2018</a:t>
             </a:fld>
             <a:endParaRPr lang="it-IT"/>
           </a:p>
@@ -5627,7 +5803,7 @@
           <a:p>
             <a:fld id="{41A8A3C6-44C6-4792-BCC2-709277E2DAA9}" type="datetimeFigureOut">
               <a:rPr lang="it-IT" smtClean="0"/>
-              <a:t>03/06/2018</a:t>
+              <a:t>26/06/2018</a:t>
             </a:fld>
             <a:endParaRPr lang="it-IT"/>
           </a:p>
@@ -5865,7 +6041,7 @@
           <a:p>
             <a:fld id="{41A8A3C6-44C6-4792-BCC2-709277E2DAA9}" type="datetimeFigureOut">
               <a:rPr lang="it-IT" smtClean="0"/>
-              <a:t>03/06/2018</a:t>
+              <a:t>26/06/2018</a:t>
             </a:fld>
             <a:endParaRPr lang="it-IT"/>
           </a:p>
@@ -6156,7 +6332,7 @@
           <a:p>
             <a:fld id="{CF17ABF3-D650-458B-B889-FD94F4F2E5BA}" type="datetimeFigureOut">
               <a:rPr lang="it-IT" smtClean="0"/>
-              <a:t>03/06/2018</a:t>
+              <a:t>26/06/2018</a:t>
             </a:fld>
             <a:endParaRPr lang="it-IT"/>
           </a:p>
@@ -6421,7 +6597,7 @@
           <a:p>
             <a:fld id="{CF17ABF3-D650-458B-B889-FD94F4F2E5BA}" type="datetimeFigureOut">
               <a:rPr lang="it-IT" smtClean="0"/>
-              <a:t>03/06/2018</a:t>
+              <a:t>26/06/2018</a:t>
             </a:fld>
             <a:endParaRPr lang="it-IT"/>
           </a:p>
@@ -6833,7 +7009,7 @@
           <a:p>
             <a:fld id="{CF17ABF3-D650-458B-B889-FD94F4F2E5BA}" type="datetimeFigureOut">
               <a:rPr lang="it-IT" smtClean="0"/>
-              <a:t>03/06/2018</a:t>
+              <a:t>26/06/2018</a:t>
             </a:fld>
             <a:endParaRPr lang="it-IT"/>
           </a:p>
@@ -6974,7 +7150,7 @@
           <a:p>
             <a:fld id="{CF17ABF3-D650-458B-B889-FD94F4F2E5BA}" type="datetimeFigureOut">
               <a:rPr lang="it-IT" smtClean="0"/>
-              <a:t>03/06/2018</a:t>
+              <a:t>26/06/2018</a:t>
             </a:fld>
             <a:endParaRPr lang="it-IT"/>
           </a:p>
@@ -7087,7 +7263,7 @@
           <a:p>
             <a:fld id="{CF17ABF3-D650-458B-B889-FD94F4F2E5BA}" type="datetimeFigureOut">
               <a:rPr lang="it-IT" smtClean="0"/>
-              <a:t>03/06/2018</a:t>
+              <a:t>26/06/2018</a:t>
             </a:fld>
             <a:endParaRPr lang="it-IT"/>
           </a:p>
@@ -7398,7 +7574,7 @@
           <a:p>
             <a:fld id="{CF17ABF3-D650-458B-B889-FD94F4F2E5BA}" type="datetimeFigureOut">
               <a:rPr lang="it-IT" smtClean="0"/>
-              <a:t>03/06/2018</a:t>
+              <a:t>26/06/2018</a:t>
             </a:fld>
             <a:endParaRPr lang="it-IT"/>
           </a:p>
@@ -7686,7 +7862,7 @@
           <a:p>
             <a:fld id="{CF17ABF3-D650-458B-B889-FD94F4F2E5BA}" type="datetimeFigureOut">
               <a:rPr lang="it-IT" smtClean="0"/>
-              <a:t>03/06/2018</a:t>
+              <a:t>26/06/2018</a:t>
             </a:fld>
             <a:endParaRPr lang="it-IT"/>
           </a:p>
@@ -7927,7 +8103,7 @@
           <a:p>
             <a:fld id="{CF17ABF3-D650-458B-B889-FD94F4F2E5BA}" type="datetimeFigureOut">
               <a:rPr lang="it-IT" smtClean="0"/>
-              <a:t>03/06/2018</a:t>
+              <a:t>26/06/2018</a:t>
             </a:fld>
             <a:endParaRPr lang="it-IT"/>
           </a:p>
@@ -23246,7 +23422,7 @@
 </file>
 
 <file path=ppt/slides/slide20.xml><?xml version="1.0" encoding="utf-8"?>
-<p:sld xmlns:a="http://schemas.openxmlformats.org/drawingml/2006/main" xmlns:r="http://schemas.openxmlformats.org/officeDocument/2006/relationships" xmlns:p="http://schemas.openxmlformats.org/presentationml/2006/main">
+<p:sld xmlns:a="http://schemas.openxmlformats.org/drawingml/2006/main" xmlns:r="http://schemas.openxmlformats.org/officeDocument/2006/relationships" xmlns:p="http://schemas.openxmlformats.org/presentationml/2006/main" show="0">
   <p:cSld>
     <p:spTree>
       <p:nvGrpSpPr>
@@ -25620,7 +25796,7 @@
 </file>
 
 <file path=ppt/slides/slide29.xml><?xml version="1.0" encoding="utf-8"?>
-<p:sld xmlns:a="http://schemas.openxmlformats.org/drawingml/2006/main" xmlns:r="http://schemas.openxmlformats.org/officeDocument/2006/relationships" xmlns:p="http://schemas.openxmlformats.org/presentationml/2006/main">
+<p:sld xmlns:a="http://schemas.openxmlformats.org/drawingml/2006/main" xmlns:r="http://schemas.openxmlformats.org/officeDocument/2006/relationships" xmlns:p="http://schemas.openxmlformats.org/presentationml/2006/main" show="0">
   <p:cSld>
     <p:spTree>
       <p:nvGrpSpPr>
@@ -25651,7 +25827,7 @@
         <p:spPr>
           <a:xfrm>
             <a:off x="2491487" y="2901461"/>
-            <a:ext cx="7209025" cy="923330"/>
+            <a:ext cx="6800260" cy="923330"/>
           </a:xfrm>
           <a:prstGeom prst="rect">
             <a:avLst/>
@@ -25668,7 +25844,7 @@
               <a:rPr lang="en-US" sz="5400" b="1">
                 <a:latin typeface="+mj-lt"/>
               </a:rPr>
-              <a:t>Costruisco una nuova generazione</a:t>
+              <a:t>Seleziono gli individui migliori</a:t>
             </a:r>
             <a:endParaRPr lang="it-IT" sz="5400" b="1">
               <a:latin typeface="+mj-lt"/>
@@ -28878,62 +29054,6 @@
           </a:p>
         </p:txBody>
       </p:sp>
-      <p:sp>
-        <p:nvSpPr>
-          <p:cNvPr id="15" name="Rettangolo 14">
-            <a:extLst>
-              <a:ext uri="{FF2B5EF4-FFF2-40B4-BE49-F238E27FC236}">
-                <a16:creationId xmlns:a16="http://schemas.microsoft.com/office/drawing/2014/main" id="{FC75CC72-A19C-4E41-95BA-D33B12B1CC77}"/>
-              </a:ext>
-            </a:extLst>
-          </p:cNvPr>
-          <p:cNvSpPr/>
-          <p:nvPr/>
-        </p:nvSpPr>
-        <p:spPr>
-          <a:xfrm>
-            <a:off x="8627084" y="325316"/>
-            <a:ext cx="2857500" cy="1240320"/>
-          </a:xfrm>
-          <a:prstGeom prst="rect">
-            <a:avLst/>
-          </a:prstGeom>
-          <a:solidFill>
-            <a:schemeClr val="tx1"/>
-          </a:solidFill>
-          <a:ln>
-            <a:noFill/>
-          </a:ln>
-        </p:spPr>
-        <p:style>
-          <a:lnRef idx="2">
-            <a:schemeClr val="accent1">
-              <a:shade val="50000"/>
-            </a:schemeClr>
-          </a:lnRef>
-          <a:fillRef idx="1">
-            <a:schemeClr val="accent1"/>
-          </a:fillRef>
-          <a:effectRef idx="0">
-            <a:schemeClr val="accent1"/>
-          </a:effectRef>
-          <a:fontRef idx="minor">
-            <a:schemeClr val="lt1"/>
-          </a:fontRef>
-        </p:style>
-        <p:txBody>
-          <a:bodyPr rtlCol="0" anchor="ctr"/>
-          <a:lstStyle/>
-          <a:p>
-            <a:pPr algn="ctr"/>
-            <a:r>
-              <a:rPr lang="en-US" sz="4800"/>
-              <a:t>BOZZA</a:t>
-            </a:r>
-            <a:endParaRPr lang="it-IT" sz="4800"/>
-          </a:p>
-        </p:txBody>
-      </p:sp>
     </p:spTree>
     <p:extLst>
       <p:ext uri="{BB962C8B-B14F-4D97-AF65-F5344CB8AC3E}">
@@ -28977,7 +29097,7 @@
           <p:nvPr>
             <p:extLst>
               <p:ext uri="{D42A27DB-BD31-4B8C-83A1-F6EECF244321}">
-                <p14:modId xmlns:p14="http://schemas.microsoft.com/office/powerpoint/2010/main" val="2407979659"/>
+                <p14:modId xmlns:p14="http://schemas.microsoft.com/office/powerpoint/2010/main" val="2307638149"/>
               </p:ext>
             </p:extLst>
           </p:nvPr>
@@ -29330,62 +29450,6 @@
           </a:p>
         </p:txBody>
       </p:sp>
-      <p:sp>
-        <p:nvSpPr>
-          <p:cNvPr id="10" name="Rettangolo 9">
-            <a:extLst>
-              <a:ext uri="{FF2B5EF4-FFF2-40B4-BE49-F238E27FC236}">
-                <a16:creationId xmlns:a16="http://schemas.microsoft.com/office/drawing/2014/main" id="{36C4935B-D093-4BBA-9249-3FECB4CE5FC4}"/>
-              </a:ext>
-            </a:extLst>
-          </p:cNvPr>
-          <p:cNvSpPr/>
-          <p:nvPr/>
-        </p:nvSpPr>
-        <p:spPr>
-          <a:xfrm>
-            <a:off x="8937730" y="4885127"/>
-            <a:ext cx="2857500" cy="1240320"/>
-          </a:xfrm>
-          <a:prstGeom prst="rect">
-            <a:avLst/>
-          </a:prstGeom>
-          <a:solidFill>
-            <a:schemeClr val="tx1"/>
-          </a:solidFill>
-          <a:ln>
-            <a:noFill/>
-          </a:ln>
-        </p:spPr>
-        <p:style>
-          <a:lnRef idx="2">
-            <a:schemeClr val="accent1">
-              <a:shade val="50000"/>
-            </a:schemeClr>
-          </a:lnRef>
-          <a:fillRef idx="1">
-            <a:schemeClr val="accent1"/>
-          </a:fillRef>
-          <a:effectRef idx="0">
-            <a:schemeClr val="accent1"/>
-          </a:effectRef>
-          <a:fontRef idx="minor">
-            <a:schemeClr val="lt1"/>
-          </a:fontRef>
-        </p:style>
-        <p:txBody>
-          <a:bodyPr rtlCol="0" anchor="ctr"/>
-          <a:lstStyle/>
-          <a:p>
-            <a:pPr algn="ctr"/>
-            <a:r>
-              <a:rPr lang="en-US" sz="4800"/>
-              <a:t>BOZZA</a:t>
-            </a:r>
-            <a:endParaRPr lang="it-IT" sz="4800"/>
-          </a:p>
-        </p:txBody>
-      </p:sp>
     </p:spTree>
     <p:extLst>
       <p:ext uri="{BB962C8B-B14F-4D97-AF65-F5344CB8AC3E}">
@@ -29416,204 +29480,64 @@
           <a:chExt cx="0" cy="0"/>
         </a:xfrm>
       </p:grpSpPr>
-      <p:grpSp>
-        <p:nvGrpSpPr>
-          <p:cNvPr id="4" name="Gruppo 3">
-            <a:extLst>
-              <a:ext uri="{FF2B5EF4-FFF2-40B4-BE49-F238E27FC236}">
-                <a16:creationId xmlns:a16="http://schemas.microsoft.com/office/drawing/2014/main" id="{E30B45DF-A8CA-4D79-85BD-9284F0D0E607}"/>
-              </a:ext>
-            </a:extLst>
-          </p:cNvPr>
-          <p:cNvGrpSpPr/>
-          <p:nvPr/>
-        </p:nvGrpSpPr>
-        <p:grpSpPr>
-          <a:xfrm>
-            <a:off x="790955" y="1962883"/>
-            <a:ext cx="10610089" cy="2932234"/>
-            <a:chOff x="1855175" y="1921119"/>
-            <a:chExt cx="7365025" cy="2035419"/>
-          </a:xfrm>
-        </p:grpSpPr>
-        <p:pic>
-          <p:nvPicPr>
-            <p:cNvPr id="2" name="Immagine 1">
-              <a:extLst>
-                <a:ext uri="{FF2B5EF4-FFF2-40B4-BE49-F238E27FC236}">
-                  <a16:creationId xmlns:a16="http://schemas.microsoft.com/office/drawing/2014/main" id="{81B137C0-75E9-4906-96DE-A37A03ACFF5B}"/>
-                </a:ext>
-              </a:extLst>
-            </p:cNvPr>
-            <p:cNvPicPr>
-              <a:picLocks noChangeAspect="1"/>
-            </p:cNvPicPr>
-            <p:nvPr/>
-          </p:nvPicPr>
-          <p:blipFill rotWithShape="1">
-            <a:blip r:embed="rId2"/>
-            <a:srcRect l="56130" t="26026" r="19808" b="44295"/>
-            <a:stretch/>
-          </p:blipFill>
-          <p:spPr>
-            <a:xfrm>
-              <a:off x="6286500" y="1921119"/>
-              <a:ext cx="2933700" cy="2035419"/>
-            </a:xfrm>
-            <a:prstGeom prst="rect">
-              <a:avLst/>
-            </a:prstGeom>
-          </p:spPr>
-        </p:pic>
-        <p:pic>
-          <p:nvPicPr>
-            <p:cNvPr id="3" name="Immagine 2">
-              <a:extLst>
-                <a:ext uri="{FF2B5EF4-FFF2-40B4-BE49-F238E27FC236}">
-                  <a16:creationId xmlns:a16="http://schemas.microsoft.com/office/drawing/2014/main" id="{F7B9D56D-DEFA-409C-9894-970369694BF9}"/>
-                </a:ext>
-              </a:extLst>
-            </p:cNvPr>
-            <p:cNvPicPr>
-              <a:picLocks noChangeAspect="1"/>
-            </p:cNvPicPr>
-            <p:nvPr/>
-          </p:nvPicPr>
-          <p:blipFill rotWithShape="1">
-            <a:blip r:embed="rId2"/>
-            <a:srcRect l="13774" t="26026" r="49880" b="44295"/>
-            <a:stretch/>
-          </p:blipFill>
-          <p:spPr>
-            <a:xfrm>
-              <a:off x="1855175" y="1921119"/>
-              <a:ext cx="4431325" cy="2035419"/>
-            </a:xfrm>
-            <a:prstGeom prst="rect">
-              <a:avLst/>
-            </a:prstGeom>
-          </p:spPr>
-        </p:pic>
-      </p:grpSp>
-      <p:sp>
-        <p:nvSpPr>
-          <p:cNvPr id="5" name="Rettangolo 4">
-            <a:extLst>
-              <a:ext uri="{FF2B5EF4-FFF2-40B4-BE49-F238E27FC236}">
-                <a16:creationId xmlns:a16="http://schemas.microsoft.com/office/drawing/2014/main" id="{1CBA8B60-C028-4517-B139-A60B9418F063}"/>
-              </a:ext>
-            </a:extLst>
-          </p:cNvPr>
-          <p:cNvSpPr/>
-          <p:nvPr/>
-        </p:nvSpPr>
-        <p:spPr>
-          <a:xfrm>
-            <a:off x="8627084" y="325316"/>
-            <a:ext cx="2857500" cy="1240320"/>
+      <p:pic>
+        <p:nvPicPr>
+          <p:cNvPr id="7" name="Immagine 6">
+            <a:extLst>
+              <a:ext uri="{FF2B5EF4-FFF2-40B4-BE49-F238E27FC236}">
+                <a16:creationId xmlns:a16="http://schemas.microsoft.com/office/drawing/2014/main" id="{40407E40-2E72-49D1-8554-3A70CB219440}"/>
+              </a:ext>
+            </a:extLst>
+          </p:cNvPr>
+          <p:cNvPicPr>
+            <a:picLocks noChangeAspect="1"/>
+          </p:cNvPicPr>
+          <p:nvPr/>
+        </p:nvPicPr>
+        <p:blipFill rotWithShape="1">
+          <a:blip r:embed="rId2"/>
+          <a:srcRect l="3462" t="17200" r="46706" b="22711"/>
+          <a:stretch/>
+        </p:blipFill>
+        <p:spPr>
+          <a:xfrm>
+            <a:off x="1222131" y="1463919"/>
+            <a:ext cx="6075484" cy="3930161"/>
           </a:xfrm>
           <a:prstGeom prst="rect">
             <a:avLst/>
           </a:prstGeom>
-          <a:solidFill>
-            <a:schemeClr val="tx1"/>
-          </a:solidFill>
-          <a:ln>
-            <a:noFill/>
-          </a:ln>
-        </p:spPr>
-        <p:style>
-          <a:lnRef idx="2">
-            <a:schemeClr val="accent1">
-              <a:shade val="50000"/>
-            </a:schemeClr>
-          </a:lnRef>
-          <a:fillRef idx="1">
-            <a:schemeClr val="accent1"/>
-          </a:fillRef>
-          <a:effectRef idx="0">
-            <a:schemeClr val="accent1"/>
-          </a:effectRef>
-          <a:fontRef idx="minor">
-            <a:schemeClr val="lt1"/>
-          </a:fontRef>
-        </p:style>
-        <p:txBody>
-          <a:bodyPr rtlCol="0" anchor="ctr"/>
-          <a:lstStyle/>
-          <a:p>
-            <a:pPr algn="ctr"/>
-            <a:r>
-              <a:rPr lang="en-US" sz="4800"/>
-              <a:t>BOZZA</a:t>
-            </a:r>
-            <a:endParaRPr lang="it-IT" sz="4800"/>
-          </a:p>
-        </p:txBody>
-      </p:sp>
-      <p:sp>
-        <p:nvSpPr>
-          <p:cNvPr id="6" name="Rettangolo 5">
-            <a:extLst>
-              <a:ext uri="{FF2B5EF4-FFF2-40B4-BE49-F238E27FC236}">
-                <a16:creationId xmlns:a16="http://schemas.microsoft.com/office/drawing/2014/main" id="{39077BCC-DDD1-47E3-9543-7B42D8A62B6F}"/>
-              </a:ext>
-            </a:extLst>
-          </p:cNvPr>
-          <p:cNvSpPr/>
-          <p:nvPr/>
-        </p:nvSpPr>
-        <p:spPr>
-          <a:xfrm>
-            <a:off x="7877908" y="2514600"/>
-            <a:ext cx="3420207" cy="430823"/>
+        </p:spPr>
+      </p:pic>
+      <p:pic>
+        <p:nvPicPr>
+          <p:cNvPr id="8" name="Immagine 7">
+            <a:extLst>
+              <a:ext uri="{FF2B5EF4-FFF2-40B4-BE49-F238E27FC236}">
+                <a16:creationId xmlns:a16="http://schemas.microsoft.com/office/drawing/2014/main" id="{01ED3393-F8FF-4DA0-8C6C-39985B0B8707}"/>
+              </a:ext>
+            </a:extLst>
+          </p:cNvPr>
+          <p:cNvPicPr>
+            <a:picLocks noChangeAspect="1"/>
+          </p:cNvPicPr>
+          <p:nvPr/>
+        </p:nvPicPr>
+        <p:blipFill rotWithShape="1">
+          <a:blip r:embed="rId2"/>
+          <a:srcRect l="61130" t="17200" r="8750" b="22711"/>
+          <a:stretch/>
+        </p:blipFill>
+        <p:spPr>
+          <a:xfrm>
+            <a:off x="7297615" y="1463919"/>
+            <a:ext cx="3672254" cy="3930161"/>
           </a:xfrm>
           <a:prstGeom prst="rect">
             <a:avLst/>
           </a:prstGeom>
-          <a:solidFill>
-            <a:schemeClr val="bg1"/>
-          </a:solidFill>
-          <a:ln>
-            <a:noFill/>
-          </a:ln>
-        </p:spPr>
-        <p:style>
-          <a:lnRef idx="2">
-            <a:schemeClr val="accent1">
-              <a:shade val="50000"/>
-            </a:schemeClr>
-          </a:lnRef>
-          <a:fillRef idx="1">
-            <a:schemeClr val="accent1"/>
-          </a:fillRef>
-          <a:effectRef idx="0">
-            <a:schemeClr val="accent1"/>
-          </a:effectRef>
-          <a:fontRef idx="minor">
-            <a:schemeClr val="lt1"/>
-          </a:fontRef>
-        </p:style>
-        <p:txBody>
-          <a:bodyPr rtlCol="0" anchor="ctr"/>
-          <a:lstStyle/>
-          <a:p>
-            <a:r>
-              <a:rPr lang="en-US">
-                <a:solidFill>
-                  <a:schemeClr val="tx1"/>
-                </a:solidFill>
-              </a:rPr>
-              <a:t>Mating pool</a:t>
-            </a:r>
-            <a:endParaRPr lang="it-IT">
-              <a:solidFill>
-                <a:schemeClr val="tx1"/>
-              </a:solidFill>
-            </a:endParaRPr>
-          </a:p>
-        </p:txBody>
-      </p:sp>
+        </p:spPr>
+      </p:pic>
     </p:spTree>
     <p:extLst>
       <p:ext uri="{BB962C8B-B14F-4D97-AF65-F5344CB8AC3E}">
@@ -29628,7 +29552,7 @@
 </file>
 
 <file path=ppt/slides/slide35.xml><?xml version="1.0" encoding="utf-8"?>
-<p:sld xmlns:a="http://schemas.openxmlformats.org/drawingml/2006/main" xmlns:r="http://schemas.openxmlformats.org/officeDocument/2006/relationships" xmlns:p="http://schemas.openxmlformats.org/presentationml/2006/main">
+<p:sld xmlns:a="http://schemas.openxmlformats.org/drawingml/2006/main" xmlns:r="http://schemas.openxmlformats.org/officeDocument/2006/relationships" xmlns:p="http://schemas.openxmlformats.org/presentationml/2006/main" show="0">
   <p:cSld>
     <p:spTree>
       <p:nvGrpSpPr>
@@ -29745,7 +29669,7 @@
 </file>
 
 <file path=ppt/slides/slide36.xml><?xml version="1.0" encoding="utf-8"?>
-<p:sld xmlns:a="http://schemas.openxmlformats.org/drawingml/2006/main" xmlns:r="http://schemas.openxmlformats.org/officeDocument/2006/relationships" xmlns:p="http://schemas.openxmlformats.org/presentationml/2006/main">
+<p:sld xmlns:a="http://schemas.openxmlformats.org/drawingml/2006/main" xmlns:r="http://schemas.openxmlformats.org/officeDocument/2006/relationships" xmlns:p="http://schemas.openxmlformats.org/presentationml/2006/main" show="0">
   <p:cSld>
     <p:spTree>
       <p:nvGrpSpPr>
@@ -30550,7 +30474,7 @@
 </file>
 
 <file path=ppt/slides/slide37.xml><?xml version="1.0" encoding="utf-8"?>
-<p:sld xmlns:a="http://schemas.openxmlformats.org/drawingml/2006/main" xmlns:r="http://schemas.openxmlformats.org/officeDocument/2006/relationships" xmlns:p="http://schemas.openxmlformats.org/presentationml/2006/main">
+<p:sld xmlns:a="http://schemas.openxmlformats.org/drawingml/2006/main" xmlns:r="http://schemas.openxmlformats.org/officeDocument/2006/relationships" xmlns:p="http://schemas.openxmlformats.org/presentationml/2006/main" show="0">
   <p:cSld>
     <p:spTree>
       <p:nvGrpSpPr>
@@ -34549,7 +34473,7 @@
 </file>
 
 <file path=ppt/slides/slide44.xml><?xml version="1.0" encoding="utf-8"?>
-<p:sld xmlns:a="http://schemas.openxmlformats.org/drawingml/2006/main" xmlns:r="http://schemas.openxmlformats.org/officeDocument/2006/relationships" xmlns:p="http://schemas.openxmlformats.org/presentationml/2006/main">
+<p:sld xmlns:a="http://schemas.openxmlformats.org/drawingml/2006/main" xmlns:r="http://schemas.openxmlformats.org/officeDocument/2006/relationships" xmlns:p="http://schemas.openxmlformats.org/presentationml/2006/main" show="0">
   <p:cSld>
     <p:spTree>
       <p:nvGrpSpPr>
@@ -34660,62 +34584,6 @@
               <a:rPr lang="it-IT" sz="2800"/>
               <a:t>Speciazione</a:t>
             </a:r>
-          </a:p>
-        </p:txBody>
-      </p:sp>
-      <p:sp>
-        <p:nvSpPr>
-          <p:cNvPr id="3" name="Rettangolo 2">
-            <a:extLst>
-              <a:ext uri="{FF2B5EF4-FFF2-40B4-BE49-F238E27FC236}">
-                <a16:creationId xmlns:a16="http://schemas.microsoft.com/office/drawing/2014/main" id="{7FD2F608-CD61-40C2-9CD0-0CA89AC3CC65}"/>
-              </a:ext>
-            </a:extLst>
-          </p:cNvPr>
-          <p:cNvSpPr/>
-          <p:nvPr/>
-        </p:nvSpPr>
-        <p:spPr>
-          <a:xfrm>
-            <a:off x="8627084" y="325316"/>
-            <a:ext cx="2857500" cy="1240320"/>
-          </a:xfrm>
-          <a:prstGeom prst="rect">
-            <a:avLst/>
-          </a:prstGeom>
-          <a:solidFill>
-            <a:schemeClr val="tx1"/>
-          </a:solidFill>
-          <a:ln>
-            <a:noFill/>
-          </a:ln>
-        </p:spPr>
-        <p:style>
-          <a:lnRef idx="2">
-            <a:schemeClr val="accent1">
-              <a:shade val="50000"/>
-            </a:schemeClr>
-          </a:lnRef>
-          <a:fillRef idx="1">
-            <a:schemeClr val="accent1"/>
-          </a:fillRef>
-          <a:effectRef idx="0">
-            <a:schemeClr val="accent1"/>
-          </a:effectRef>
-          <a:fontRef idx="minor">
-            <a:schemeClr val="lt1"/>
-          </a:fontRef>
-        </p:style>
-        <p:txBody>
-          <a:bodyPr rtlCol="0" anchor="ctr"/>
-          <a:lstStyle/>
-          <a:p>
-            <a:pPr algn="ctr"/>
-            <a:r>
-              <a:rPr lang="en-US" sz="4800"/>
-              <a:t>BOZZA</a:t>
-            </a:r>
-            <a:endParaRPr lang="it-IT" sz="4800"/>
           </a:p>
         </p:txBody>
       </p:sp>
@@ -43866,526 +43734,6 @@
       </p:sp>
       <p:sp>
         <p:nvSpPr>
-          <p:cNvPr id="52" name="Ovale 51">
-            <a:extLst>
-              <a:ext uri="{FF2B5EF4-FFF2-40B4-BE49-F238E27FC236}">
-                <a16:creationId xmlns:a16="http://schemas.microsoft.com/office/drawing/2014/main" id="{69E60008-1CFB-453F-9F46-8527AA046D27}"/>
-              </a:ext>
-            </a:extLst>
-          </p:cNvPr>
-          <p:cNvSpPr/>
-          <p:nvPr/>
-        </p:nvSpPr>
-        <p:spPr>
-          <a:xfrm>
-            <a:off x="4641263" y="2451980"/>
-            <a:ext cx="680992" cy="403783"/>
-          </a:xfrm>
-          <a:prstGeom prst="ellipse">
-            <a:avLst/>
-          </a:prstGeom>
-          <a:solidFill>
-            <a:srgbClr val="92D050"/>
-          </a:solidFill>
-          <a:ln>
-            <a:noFill/>
-          </a:ln>
-        </p:spPr>
-        <p:style>
-          <a:lnRef idx="2">
-            <a:schemeClr val="accent1">
-              <a:shade val="50000"/>
-            </a:schemeClr>
-          </a:lnRef>
-          <a:fillRef idx="1">
-            <a:schemeClr val="accent1"/>
-          </a:fillRef>
-          <a:effectRef idx="0">
-            <a:schemeClr val="accent1"/>
-          </a:effectRef>
-          <a:fontRef idx="minor">
-            <a:schemeClr val="lt1"/>
-          </a:fontRef>
-        </p:style>
-        <p:txBody>
-          <a:bodyPr rtlCol="0" anchor="ctr"/>
-          <a:lstStyle/>
-          <a:p>
-            <a:pPr algn="ctr"/>
-            <a:endParaRPr lang="it-IT"/>
-          </a:p>
-        </p:txBody>
-      </p:sp>
-      <p:sp>
-        <p:nvSpPr>
-          <p:cNvPr id="53" name="Ovale 52">
-            <a:extLst>
-              <a:ext uri="{FF2B5EF4-FFF2-40B4-BE49-F238E27FC236}">
-                <a16:creationId xmlns:a16="http://schemas.microsoft.com/office/drawing/2014/main" id="{27A82743-2766-4DC7-B95E-1E1DC0B1CE34}"/>
-              </a:ext>
-            </a:extLst>
-          </p:cNvPr>
-          <p:cNvSpPr/>
-          <p:nvPr/>
-        </p:nvSpPr>
-        <p:spPr>
-          <a:xfrm>
-            <a:off x="4604162" y="3103024"/>
-            <a:ext cx="403783" cy="508627"/>
-          </a:xfrm>
-          <a:prstGeom prst="ellipse">
-            <a:avLst/>
-          </a:prstGeom>
-          <a:solidFill>
-            <a:srgbClr val="92D050"/>
-          </a:solidFill>
-          <a:ln>
-            <a:noFill/>
-          </a:ln>
-        </p:spPr>
-        <p:style>
-          <a:lnRef idx="2">
-            <a:schemeClr val="accent1">
-              <a:shade val="50000"/>
-            </a:schemeClr>
-          </a:lnRef>
-          <a:fillRef idx="1">
-            <a:schemeClr val="accent1"/>
-          </a:fillRef>
-          <a:effectRef idx="0">
-            <a:schemeClr val="accent1"/>
-          </a:effectRef>
-          <a:fontRef idx="minor">
-            <a:schemeClr val="lt1"/>
-          </a:fontRef>
-        </p:style>
-        <p:txBody>
-          <a:bodyPr rtlCol="0" anchor="ctr"/>
-          <a:lstStyle/>
-          <a:p>
-            <a:pPr algn="ctr"/>
-            <a:endParaRPr lang="it-IT"/>
-          </a:p>
-        </p:txBody>
-      </p:sp>
-      <p:sp>
-        <p:nvSpPr>
-          <p:cNvPr id="54" name="Ovale 53">
-            <a:extLst>
-              <a:ext uri="{FF2B5EF4-FFF2-40B4-BE49-F238E27FC236}">
-                <a16:creationId xmlns:a16="http://schemas.microsoft.com/office/drawing/2014/main" id="{7FE97853-4A07-4200-8EC9-F47EDB7EE5BA}"/>
-              </a:ext>
-            </a:extLst>
-          </p:cNvPr>
-          <p:cNvSpPr/>
-          <p:nvPr/>
-        </p:nvSpPr>
-        <p:spPr>
-          <a:xfrm>
-            <a:off x="5042231" y="3707427"/>
-            <a:ext cx="403783" cy="403783"/>
-          </a:xfrm>
-          <a:prstGeom prst="ellipse">
-            <a:avLst/>
-          </a:prstGeom>
-          <a:solidFill>
-            <a:srgbClr val="00B050"/>
-          </a:solidFill>
-          <a:ln>
-            <a:noFill/>
-          </a:ln>
-        </p:spPr>
-        <p:style>
-          <a:lnRef idx="2">
-            <a:schemeClr val="accent1">
-              <a:shade val="50000"/>
-            </a:schemeClr>
-          </a:lnRef>
-          <a:fillRef idx="1">
-            <a:schemeClr val="accent1"/>
-          </a:fillRef>
-          <a:effectRef idx="0">
-            <a:schemeClr val="accent1"/>
-          </a:effectRef>
-          <a:fontRef idx="minor">
-            <a:schemeClr val="lt1"/>
-          </a:fontRef>
-        </p:style>
-        <p:txBody>
-          <a:bodyPr rtlCol="0" anchor="ctr"/>
-          <a:lstStyle/>
-          <a:p>
-            <a:pPr algn="ctr"/>
-            <a:endParaRPr lang="it-IT"/>
-          </a:p>
-        </p:txBody>
-      </p:sp>
-      <p:sp>
-        <p:nvSpPr>
-          <p:cNvPr id="55" name="Ovale 54">
-            <a:extLst>
-              <a:ext uri="{FF2B5EF4-FFF2-40B4-BE49-F238E27FC236}">
-                <a16:creationId xmlns:a16="http://schemas.microsoft.com/office/drawing/2014/main" id="{67B92199-1826-4BD0-8B8C-557F004B653D}"/>
-              </a:ext>
-            </a:extLst>
-          </p:cNvPr>
-          <p:cNvSpPr/>
-          <p:nvPr/>
-        </p:nvSpPr>
-        <p:spPr>
-          <a:xfrm>
-            <a:off x="5484940" y="2855764"/>
-            <a:ext cx="598642" cy="603156"/>
-          </a:xfrm>
-          <a:prstGeom prst="ellipse">
-            <a:avLst/>
-          </a:prstGeom>
-          <a:solidFill>
-            <a:srgbClr val="00B050"/>
-          </a:solidFill>
-          <a:ln>
-            <a:noFill/>
-          </a:ln>
-        </p:spPr>
-        <p:style>
-          <a:lnRef idx="2">
-            <a:schemeClr val="accent1">
-              <a:shade val="50000"/>
-            </a:schemeClr>
-          </a:lnRef>
-          <a:fillRef idx="1">
-            <a:schemeClr val="accent1"/>
-          </a:fillRef>
-          <a:effectRef idx="0">
-            <a:schemeClr val="accent1"/>
-          </a:effectRef>
-          <a:fontRef idx="minor">
-            <a:schemeClr val="lt1"/>
-          </a:fontRef>
-        </p:style>
-        <p:txBody>
-          <a:bodyPr rtlCol="0" anchor="ctr"/>
-          <a:lstStyle/>
-          <a:p>
-            <a:pPr algn="ctr"/>
-            <a:endParaRPr lang="it-IT"/>
-          </a:p>
-        </p:txBody>
-      </p:sp>
-      <p:sp>
-        <p:nvSpPr>
-          <p:cNvPr id="56" name="Ovale 55">
-            <a:extLst>
-              <a:ext uri="{FF2B5EF4-FFF2-40B4-BE49-F238E27FC236}">
-                <a16:creationId xmlns:a16="http://schemas.microsoft.com/office/drawing/2014/main" id="{06D2AEB1-6591-4486-9F57-B784E0802964}"/>
-              </a:ext>
-            </a:extLst>
-          </p:cNvPr>
-          <p:cNvSpPr/>
-          <p:nvPr/>
-        </p:nvSpPr>
-        <p:spPr>
-          <a:xfrm>
-            <a:off x="5679799" y="2216206"/>
-            <a:ext cx="403783" cy="471548"/>
-          </a:xfrm>
-          <a:prstGeom prst="ellipse">
-            <a:avLst/>
-          </a:prstGeom>
-          <a:solidFill>
-            <a:srgbClr val="92D050"/>
-          </a:solidFill>
-          <a:ln>
-            <a:noFill/>
-          </a:ln>
-        </p:spPr>
-        <p:style>
-          <a:lnRef idx="2">
-            <a:schemeClr val="accent1">
-              <a:shade val="50000"/>
-            </a:schemeClr>
-          </a:lnRef>
-          <a:fillRef idx="1">
-            <a:schemeClr val="accent1"/>
-          </a:fillRef>
-          <a:effectRef idx="0">
-            <a:schemeClr val="accent1"/>
-          </a:effectRef>
-          <a:fontRef idx="minor">
-            <a:schemeClr val="lt1"/>
-          </a:fontRef>
-        </p:style>
-        <p:txBody>
-          <a:bodyPr rtlCol="0" anchor="ctr"/>
-          <a:lstStyle/>
-          <a:p>
-            <a:pPr algn="ctr"/>
-            <a:endParaRPr lang="it-IT"/>
-          </a:p>
-        </p:txBody>
-      </p:sp>
-      <p:sp>
-        <p:nvSpPr>
-          <p:cNvPr id="57" name="Ovale 56">
-            <a:extLst>
-              <a:ext uri="{FF2B5EF4-FFF2-40B4-BE49-F238E27FC236}">
-                <a16:creationId xmlns:a16="http://schemas.microsoft.com/office/drawing/2014/main" id="{5A447FEA-8362-4837-AD10-265F54D2ECCC}"/>
-              </a:ext>
-            </a:extLst>
-          </p:cNvPr>
-          <p:cNvSpPr/>
-          <p:nvPr/>
-        </p:nvSpPr>
-        <p:spPr>
-          <a:xfrm>
-            <a:off x="5989578" y="3611651"/>
-            <a:ext cx="514717" cy="403783"/>
-          </a:xfrm>
-          <a:prstGeom prst="ellipse">
-            <a:avLst/>
-          </a:prstGeom>
-          <a:solidFill>
-            <a:srgbClr val="92D050"/>
-          </a:solidFill>
-          <a:ln>
-            <a:noFill/>
-          </a:ln>
-        </p:spPr>
-        <p:style>
-          <a:lnRef idx="2">
-            <a:schemeClr val="accent1">
-              <a:shade val="50000"/>
-            </a:schemeClr>
-          </a:lnRef>
-          <a:fillRef idx="1">
-            <a:schemeClr val="accent1"/>
-          </a:fillRef>
-          <a:effectRef idx="0">
-            <a:schemeClr val="accent1"/>
-          </a:effectRef>
-          <a:fontRef idx="minor">
-            <a:schemeClr val="lt1"/>
-          </a:fontRef>
-        </p:style>
-        <p:txBody>
-          <a:bodyPr rtlCol="0" anchor="ctr"/>
-          <a:lstStyle/>
-          <a:p>
-            <a:pPr algn="ctr"/>
-            <a:endParaRPr lang="it-IT"/>
-          </a:p>
-        </p:txBody>
-      </p:sp>
-      <p:sp>
-        <p:nvSpPr>
-          <p:cNvPr id="58" name="Ovale 57">
-            <a:extLst>
-              <a:ext uri="{FF2B5EF4-FFF2-40B4-BE49-F238E27FC236}">
-                <a16:creationId xmlns:a16="http://schemas.microsoft.com/office/drawing/2014/main" id="{D921B99B-5DD3-4B3C-8414-974679C187D1}"/>
-              </a:ext>
-            </a:extLst>
-          </p:cNvPr>
-          <p:cNvSpPr/>
-          <p:nvPr/>
-        </p:nvSpPr>
-        <p:spPr>
-          <a:xfrm>
-            <a:off x="5467858" y="4207858"/>
-            <a:ext cx="291372" cy="367074"/>
-          </a:xfrm>
-          <a:prstGeom prst="ellipse">
-            <a:avLst/>
-          </a:prstGeom>
-          <a:solidFill>
-            <a:srgbClr val="92D050"/>
-          </a:solidFill>
-          <a:ln>
-            <a:noFill/>
-          </a:ln>
-        </p:spPr>
-        <p:style>
-          <a:lnRef idx="2">
-            <a:schemeClr val="accent1">
-              <a:shade val="50000"/>
-            </a:schemeClr>
-          </a:lnRef>
-          <a:fillRef idx="1">
-            <a:schemeClr val="accent1"/>
-          </a:fillRef>
-          <a:effectRef idx="0">
-            <a:schemeClr val="accent1"/>
-          </a:effectRef>
-          <a:fontRef idx="minor">
-            <a:schemeClr val="lt1"/>
-          </a:fontRef>
-        </p:style>
-        <p:txBody>
-          <a:bodyPr rtlCol="0" anchor="ctr"/>
-          <a:lstStyle/>
-          <a:p>
-            <a:pPr algn="ctr"/>
-            <a:endParaRPr lang="it-IT"/>
-          </a:p>
-        </p:txBody>
-      </p:sp>
-      <p:sp>
-        <p:nvSpPr>
-          <p:cNvPr id="59" name="Ovale 58">
-            <a:extLst>
-              <a:ext uri="{FF2B5EF4-FFF2-40B4-BE49-F238E27FC236}">
-                <a16:creationId xmlns:a16="http://schemas.microsoft.com/office/drawing/2014/main" id="{3581DF31-5E34-499C-9A54-BC49F2F41388}"/>
-              </a:ext>
-            </a:extLst>
-          </p:cNvPr>
-          <p:cNvSpPr/>
-          <p:nvPr/>
-        </p:nvSpPr>
-        <p:spPr>
-          <a:xfrm>
-            <a:off x="6271353" y="2699241"/>
-            <a:ext cx="403783" cy="465994"/>
-          </a:xfrm>
-          <a:prstGeom prst="ellipse">
-            <a:avLst/>
-          </a:prstGeom>
-          <a:solidFill>
-            <a:srgbClr val="92D050"/>
-          </a:solidFill>
-          <a:ln>
-            <a:noFill/>
-          </a:ln>
-        </p:spPr>
-        <p:style>
-          <a:lnRef idx="2">
-            <a:schemeClr val="accent1">
-              <a:shade val="50000"/>
-            </a:schemeClr>
-          </a:lnRef>
-          <a:fillRef idx="1">
-            <a:schemeClr val="accent1"/>
-          </a:fillRef>
-          <a:effectRef idx="0">
-            <a:schemeClr val="accent1"/>
-          </a:effectRef>
-          <a:fontRef idx="minor">
-            <a:schemeClr val="lt1"/>
-          </a:fontRef>
-        </p:style>
-        <p:txBody>
-          <a:bodyPr rtlCol="0" anchor="ctr"/>
-          <a:lstStyle/>
-          <a:p>
-            <a:pPr algn="ctr"/>
-            <a:endParaRPr lang="it-IT"/>
-          </a:p>
-        </p:txBody>
-      </p:sp>
-      <p:sp>
-        <p:nvSpPr>
-          <p:cNvPr id="60" name="Ovale 59">
-            <a:extLst>
-              <a:ext uri="{FF2B5EF4-FFF2-40B4-BE49-F238E27FC236}">
-                <a16:creationId xmlns:a16="http://schemas.microsoft.com/office/drawing/2014/main" id="{28DCEF54-7404-4EE6-9777-5861566031EB}"/>
-              </a:ext>
-            </a:extLst>
-          </p:cNvPr>
-          <p:cNvSpPr/>
-          <p:nvPr/>
-        </p:nvSpPr>
-        <p:spPr>
-          <a:xfrm>
-            <a:off x="6515180" y="2022295"/>
-            <a:ext cx="403782" cy="403783"/>
-          </a:xfrm>
-          <a:prstGeom prst="ellipse">
-            <a:avLst/>
-          </a:prstGeom>
-          <a:solidFill>
-            <a:srgbClr val="00B050"/>
-          </a:solidFill>
-          <a:ln>
-            <a:noFill/>
-          </a:ln>
-        </p:spPr>
-        <p:style>
-          <a:lnRef idx="2">
-            <a:schemeClr val="accent1">
-              <a:shade val="50000"/>
-            </a:schemeClr>
-          </a:lnRef>
-          <a:fillRef idx="1">
-            <a:schemeClr val="accent1"/>
-          </a:fillRef>
-          <a:effectRef idx="0">
-            <a:schemeClr val="accent1"/>
-          </a:effectRef>
-          <a:fontRef idx="minor">
-            <a:schemeClr val="lt1"/>
-          </a:fontRef>
-        </p:style>
-        <p:txBody>
-          <a:bodyPr rtlCol="0" anchor="ctr"/>
-          <a:lstStyle/>
-          <a:p>
-            <a:pPr algn="ctr"/>
-            <a:endParaRPr lang="it-IT"/>
-          </a:p>
-        </p:txBody>
-      </p:sp>
-      <p:sp>
-        <p:nvSpPr>
-          <p:cNvPr id="61" name="Ovale 60">
-            <a:extLst>
-              <a:ext uri="{FF2B5EF4-FFF2-40B4-BE49-F238E27FC236}">
-                <a16:creationId xmlns:a16="http://schemas.microsoft.com/office/drawing/2014/main" id="{21D8AA1D-8524-413E-AF4E-A3D4F5068DE9}"/>
-              </a:ext>
-            </a:extLst>
-          </p:cNvPr>
-          <p:cNvSpPr/>
-          <p:nvPr/>
-        </p:nvSpPr>
-        <p:spPr>
-          <a:xfrm>
-            <a:off x="6312829" y="4126015"/>
-            <a:ext cx="895433" cy="403783"/>
-          </a:xfrm>
-          <a:prstGeom prst="ellipse">
-            <a:avLst/>
-          </a:prstGeom>
-          <a:solidFill>
-            <a:srgbClr val="92D050"/>
-          </a:solidFill>
-          <a:ln>
-            <a:noFill/>
-          </a:ln>
-        </p:spPr>
-        <p:style>
-          <a:lnRef idx="2">
-            <a:schemeClr val="accent1">
-              <a:shade val="50000"/>
-            </a:schemeClr>
-          </a:lnRef>
-          <a:fillRef idx="1">
-            <a:schemeClr val="accent1"/>
-          </a:fillRef>
-          <a:effectRef idx="0">
-            <a:schemeClr val="accent1"/>
-          </a:effectRef>
-          <a:fontRef idx="minor">
-            <a:schemeClr val="lt1"/>
-          </a:fontRef>
-        </p:style>
-        <p:txBody>
-          <a:bodyPr rtlCol="0" anchor="ctr"/>
-          <a:lstStyle/>
-          <a:p>
-            <a:pPr algn="ctr"/>
-            <a:endParaRPr lang="it-IT"/>
-          </a:p>
-        </p:txBody>
-      </p:sp>
-      <p:sp>
-        <p:nvSpPr>
           <p:cNvPr id="45" name="Figura a mano libera: forma 44">
             <a:extLst>
               <a:ext uri="{FF2B5EF4-FFF2-40B4-BE49-F238E27FC236}">
@@ -44510,6 +43858,526 @@
             <a:schemeClr val="bg1">
               <a:alpha val="73000"/>
             </a:schemeClr>
+          </a:solidFill>
+          <a:ln>
+            <a:noFill/>
+          </a:ln>
+        </p:spPr>
+        <p:style>
+          <a:lnRef idx="2">
+            <a:schemeClr val="accent1">
+              <a:shade val="50000"/>
+            </a:schemeClr>
+          </a:lnRef>
+          <a:fillRef idx="1">
+            <a:schemeClr val="accent1"/>
+          </a:fillRef>
+          <a:effectRef idx="0">
+            <a:schemeClr val="accent1"/>
+          </a:effectRef>
+          <a:fontRef idx="minor">
+            <a:schemeClr val="lt1"/>
+          </a:fontRef>
+        </p:style>
+        <p:txBody>
+          <a:bodyPr rtlCol="0" anchor="ctr"/>
+          <a:lstStyle/>
+          <a:p>
+            <a:pPr algn="ctr"/>
+            <a:endParaRPr lang="it-IT"/>
+          </a:p>
+        </p:txBody>
+      </p:sp>
+      <p:sp>
+        <p:nvSpPr>
+          <p:cNvPr id="63" name="Ovale 62">
+            <a:extLst>
+              <a:ext uri="{FF2B5EF4-FFF2-40B4-BE49-F238E27FC236}">
+                <a16:creationId xmlns:a16="http://schemas.microsoft.com/office/drawing/2014/main" id="{CA6CC52B-20F4-4771-BEE0-A2ED2CE75430}"/>
+              </a:ext>
+            </a:extLst>
+          </p:cNvPr>
+          <p:cNvSpPr/>
+          <p:nvPr/>
+        </p:nvSpPr>
+        <p:spPr>
+          <a:xfrm>
+            <a:off x="4641263" y="2451980"/>
+            <a:ext cx="680992" cy="403783"/>
+          </a:xfrm>
+          <a:prstGeom prst="ellipse">
+            <a:avLst/>
+          </a:prstGeom>
+          <a:solidFill>
+            <a:srgbClr val="92D050"/>
+          </a:solidFill>
+          <a:ln>
+            <a:noFill/>
+          </a:ln>
+        </p:spPr>
+        <p:style>
+          <a:lnRef idx="2">
+            <a:schemeClr val="accent1">
+              <a:shade val="50000"/>
+            </a:schemeClr>
+          </a:lnRef>
+          <a:fillRef idx="1">
+            <a:schemeClr val="accent1"/>
+          </a:fillRef>
+          <a:effectRef idx="0">
+            <a:schemeClr val="accent1"/>
+          </a:effectRef>
+          <a:fontRef idx="minor">
+            <a:schemeClr val="lt1"/>
+          </a:fontRef>
+        </p:style>
+        <p:txBody>
+          <a:bodyPr rtlCol="0" anchor="ctr"/>
+          <a:lstStyle/>
+          <a:p>
+            <a:pPr algn="ctr"/>
+            <a:endParaRPr lang="it-IT"/>
+          </a:p>
+        </p:txBody>
+      </p:sp>
+      <p:sp>
+        <p:nvSpPr>
+          <p:cNvPr id="64" name="Ovale 63">
+            <a:extLst>
+              <a:ext uri="{FF2B5EF4-FFF2-40B4-BE49-F238E27FC236}">
+                <a16:creationId xmlns:a16="http://schemas.microsoft.com/office/drawing/2014/main" id="{F34AD659-CF32-4D7F-BD3E-C76B06EF0C57}"/>
+              </a:ext>
+            </a:extLst>
+          </p:cNvPr>
+          <p:cNvSpPr/>
+          <p:nvPr/>
+        </p:nvSpPr>
+        <p:spPr>
+          <a:xfrm>
+            <a:off x="4604162" y="3103024"/>
+            <a:ext cx="403783" cy="508627"/>
+          </a:xfrm>
+          <a:prstGeom prst="ellipse">
+            <a:avLst/>
+          </a:prstGeom>
+          <a:solidFill>
+            <a:srgbClr val="92D050"/>
+          </a:solidFill>
+          <a:ln>
+            <a:noFill/>
+          </a:ln>
+        </p:spPr>
+        <p:style>
+          <a:lnRef idx="2">
+            <a:schemeClr val="accent1">
+              <a:shade val="50000"/>
+            </a:schemeClr>
+          </a:lnRef>
+          <a:fillRef idx="1">
+            <a:schemeClr val="accent1"/>
+          </a:fillRef>
+          <a:effectRef idx="0">
+            <a:schemeClr val="accent1"/>
+          </a:effectRef>
+          <a:fontRef idx="minor">
+            <a:schemeClr val="lt1"/>
+          </a:fontRef>
+        </p:style>
+        <p:txBody>
+          <a:bodyPr rtlCol="0" anchor="ctr"/>
+          <a:lstStyle/>
+          <a:p>
+            <a:pPr algn="ctr"/>
+            <a:endParaRPr lang="it-IT"/>
+          </a:p>
+        </p:txBody>
+      </p:sp>
+      <p:sp>
+        <p:nvSpPr>
+          <p:cNvPr id="65" name="Ovale 64">
+            <a:extLst>
+              <a:ext uri="{FF2B5EF4-FFF2-40B4-BE49-F238E27FC236}">
+                <a16:creationId xmlns:a16="http://schemas.microsoft.com/office/drawing/2014/main" id="{730FAE8D-DD48-46A5-9D13-FCABD1690EDC}"/>
+              </a:ext>
+            </a:extLst>
+          </p:cNvPr>
+          <p:cNvSpPr/>
+          <p:nvPr/>
+        </p:nvSpPr>
+        <p:spPr>
+          <a:xfrm>
+            <a:off x="5042231" y="3707427"/>
+            <a:ext cx="403783" cy="403783"/>
+          </a:xfrm>
+          <a:prstGeom prst="ellipse">
+            <a:avLst/>
+          </a:prstGeom>
+          <a:solidFill>
+            <a:srgbClr val="00B050"/>
+          </a:solidFill>
+          <a:ln>
+            <a:noFill/>
+          </a:ln>
+        </p:spPr>
+        <p:style>
+          <a:lnRef idx="2">
+            <a:schemeClr val="accent1">
+              <a:shade val="50000"/>
+            </a:schemeClr>
+          </a:lnRef>
+          <a:fillRef idx="1">
+            <a:schemeClr val="accent1"/>
+          </a:fillRef>
+          <a:effectRef idx="0">
+            <a:schemeClr val="accent1"/>
+          </a:effectRef>
+          <a:fontRef idx="minor">
+            <a:schemeClr val="lt1"/>
+          </a:fontRef>
+        </p:style>
+        <p:txBody>
+          <a:bodyPr rtlCol="0" anchor="ctr"/>
+          <a:lstStyle/>
+          <a:p>
+            <a:pPr algn="ctr"/>
+            <a:endParaRPr lang="it-IT"/>
+          </a:p>
+        </p:txBody>
+      </p:sp>
+      <p:sp>
+        <p:nvSpPr>
+          <p:cNvPr id="66" name="Ovale 65">
+            <a:extLst>
+              <a:ext uri="{FF2B5EF4-FFF2-40B4-BE49-F238E27FC236}">
+                <a16:creationId xmlns:a16="http://schemas.microsoft.com/office/drawing/2014/main" id="{9E1D7925-B842-4C16-AA66-71C54B1E9470}"/>
+              </a:ext>
+            </a:extLst>
+          </p:cNvPr>
+          <p:cNvSpPr/>
+          <p:nvPr/>
+        </p:nvSpPr>
+        <p:spPr>
+          <a:xfrm>
+            <a:off x="5484940" y="2855764"/>
+            <a:ext cx="598642" cy="603156"/>
+          </a:xfrm>
+          <a:prstGeom prst="ellipse">
+            <a:avLst/>
+          </a:prstGeom>
+          <a:solidFill>
+            <a:srgbClr val="00B050"/>
+          </a:solidFill>
+          <a:ln>
+            <a:noFill/>
+          </a:ln>
+        </p:spPr>
+        <p:style>
+          <a:lnRef idx="2">
+            <a:schemeClr val="accent1">
+              <a:shade val="50000"/>
+            </a:schemeClr>
+          </a:lnRef>
+          <a:fillRef idx="1">
+            <a:schemeClr val="accent1"/>
+          </a:fillRef>
+          <a:effectRef idx="0">
+            <a:schemeClr val="accent1"/>
+          </a:effectRef>
+          <a:fontRef idx="minor">
+            <a:schemeClr val="lt1"/>
+          </a:fontRef>
+        </p:style>
+        <p:txBody>
+          <a:bodyPr rtlCol="0" anchor="ctr"/>
+          <a:lstStyle/>
+          <a:p>
+            <a:pPr algn="ctr"/>
+            <a:endParaRPr lang="it-IT"/>
+          </a:p>
+        </p:txBody>
+      </p:sp>
+      <p:sp>
+        <p:nvSpPr>
+          <p:cNvPr id="67" name="Ovale 66">
+            <a:extLst>
+              <a:ext uri="{FF2B5EF4-FFF2-40B4-BE49-F238E27FC236}">
+                <a16:creationId xmlns:a16="http://schemas.microsoft.com/office/drawing/2014/main" id="{43156DC5-4144-4F62-BD6D-08F1383746B3}"/>
+              </a:ext>
+            </a:extLst>
+          </p:cNvPr>
+          <p:cNvSpPr/>
+          <p:nvPr/>
+        </p:nvSpPr>
+        <p:spPr>
+          <a:xfrm>
+            <a:off x="5679799" y="2216206"/>
+            <a:ext cx="403783" cy="471548"/>
+          </a:xfrm>
+          <a:prstGeom prst="ellipse">
+            <a:avLst/>
+          </a:prstGeom>
+          <a:solidFill>
+            <a:srgbClr val="92D050"/>
+          </a:solidFill>
+          <a:ln>
+            <a:noFill/>
+          </a:ln>
+        </p:spPr>
+        <p:style>
+          <a:lnRef idx="2">
+            <a:schemeClr val="accent1">
+              <a:shade val="50000"/>
+            </a:schemeClr>
+          </a:lnRef>
+          <a:fillRef idx="1">
+            <a:schemeClr val="accent1"/>
+          </a:fillRef>
+          <a:effectRef idx="0">
+            <a:schemeClr val="accent1"/>
+          </a:effectRef>
+          <a:fontRef idx="minor">
+            <a:schemeClr val="lt1"/>
+          </a:fontRef>
+        </p:style>
+        <p:txBody>
+          <a:bodyPr rtlCol="0" anchor="ctr"/>
+          <a:lstStyle/>
+          <a:p>
+            <a:pPr algn="ctr"/>
+            <a:endParaRPr lang="it-IT"/>
+          </a:p>
+        </p:txBody>
+      </p:sp>
+      <p:sp>
+        <p:nvSpPr>
+          <p:cNvPr id="68" name="Ovale 67">
+            <a:extLst>
+              <a:ext uri="{FF2B5EF4-FFF2-40B4-BE49-F238E27FC236}">
+                <a16:creationId xmlns:a16="http://schemas.microsoft.com/office/drawing/2014/main" id="{8F74A81D-7B57-414C-895A-39E686D356E6}"/>
+              </a:ext>
+            </a:extLst>
+          </p:cNvPr>
+          <p:cNvSpPr/>
+          <p:nvPr/>
+        </p:nvSpPr>
+        <p:spPr>
+          <a:xfrm>
+            <a:off x="5989578" y="3611651"/>
+            <a:ext cx="514717" cy="403783"/>
+          </a:xfrm>
+          <a:prstGeom prst="ellipse">
+            <a:avLst/>
+          </a:prstGeom>
+          <a:solidFill>
+            <a:srgbClr val="92D050"/>
+          </a:solidFill>
+          <a:ln>
+            <a:noFill/>
+          </a:ln>
+        </p:spPr>
+        <p:style>
+          <a:lnRef idx="2">
+            <a:schemeClr val="accent1">
+              <a:shade val="50000"/>
+            </a:schemeClr>
+          </a:lnRef>
+          <a:fillRef idx="1">
+            <a:schemeClr val="accent1"/>
+          </a:fillRef>
+          <a:effectRef idx="0">
+            <a:schemeClr val="accent1"/>
+          </a:effectRef>
+          <a:fontRef idx="minor">
+            <a:schemeClr val="lt1"/>
+          </a:fontRef>
+        </p:style>
+        <p:txBody>
+          <a:bodyPr rtlCol="0" anchor="ctr"/>
+          <a:lstStyle/>
+          <a:p>
+            <a:pPr algn="ctr"/>
+            <a:endParaRPr lang="it-IT"/>
+          </a:p>
+        </p:txBody>
+      </p:sp>
+      <p:sp>
+        <p:nvSpPr>
+          <p:cNvPr id="69" name="Ovale 68">
+            <a:extLst>
+              <a:ext uri="{FF2B5EF4-FFF2-40B4-BE49-F238E27FC236}">
+                <a16:creationId xmlns:a16="http://schemas.microsoft.com/office/drawing/2014/main" id="{7CDE94B2-42F0-4E93-85B3-E1C6BB0A0EFC}"/>
+              </a:ext>
+            </a:extLst>
+          </p:cNvPr>
+          <p:cNvSpPr/>
+          <p:nvPr/>
+        </p:nvSpPr>
+        <p:spPr>
+          <a:xfrm>
+            <a:off x="5467858" y="4207858"/>
+            <a:ext cx="291372" cy="367074"/>
+          </a:xfrm>
+          <a:prstGeom prst="ellipse">
+            <a:avLst/>
+          </a:prstGeom>
+          <a:solidFill>
+            <a:srgbClr val="92D050"/>
+          </a:solidFill>
+          <a:ln>
+            <a:noFill/>
+          </a:ln>
+        </p:spPr>
+        <p:style>
+          <a:lnRef idx="2">
+            <a:schemeClr val="accent1">
+              <a:shade val="50000"/>
+            </a:schemeClr>
+          </a:lnRef>
+          <a:fillRef idx="1">
+            <a:schemeClr val="accent1"/>
+          </a:fillRef>
+          <a:effectRef idx="0">
+            <a:schemeClr val="accent1"/>
+          </a:effectRef>
+          <a:fontRef idx="minor">
+            <a:schemeClr val="lt1"/>
+          </a:fontRef>
+        </p:style>
+        <p:txBody>
+          <a:bodyPr rtlCol="0" anchor="ctr"/>
+          <a:lstStyle/>
+          <a:p>
+            <a:pPr algn="ctr"/>
+            <a:endParaRPr lang="it-IT"/>
+          </a:p>
+        </p:txBody>
+      </p:sp>
+      <p:sp>
+        <p:nvSpPr>
+          <p:cNvPr id="70" name="Ovale 69">
+            <a:extLst>
+              <a:ext uri="{FF2B5EF4-FFF2-40B4-BE49-F238E27FC236}">
+                <a16:creationId xmlns:a16="http://schemas.microsoft.com/office/drawing/2014/main" id="{35D31925-015F-4E8E-91BA-E626CC68EA47}"/>
+              </a:ext>
+            </a:extLst>
+          </p:cNvPr>
+          <p:cNvSpPr/>
+          <p:nvPr/>
+        </p:nvSpPr>
+        <p:spPr>
+          <a:xfrm>
+            <a:off x="6271353" y="2699241"/>
+            <a:ext cx="403783" cy="465994"/>
+          </a:xfrm>
+          <a:prstGeom prst="ellipse">
+            <a:avLst/>
+          </a:prstGeom>
+          <a:solidFill>
+            <a:srgbClr val="92D050"/>
+          </a:solidFill>
+          <a:ln>
+            <a:noFill/>
+          </a:ln>
+        </p:spPr>
+        <p:style>
+          <a:lnRef idx="2">
+            <a:schemeClr val="accent1">
+              <a:shade val="50000"/>
+            </a:schemeClr>
+          </a:lnRef>
+          <a:fillRef idx="1">
+            <a:schemeClr val="accent1"/>
+          </a:fillRef>
+          <a:effectRef idx="0">
+            <a:schemeClr val="accent1"/>
+          </a:effectRef>
+          <a:fontRef idx="minor">
+            <a:schemeClr val="lt1"/>
+          </a:fontRef>
+        </p:style>
+        <p:txBody>
+          <a:bodyPr rtlCol="0" anchor="ctr"/>
+          <a:lstStyle/>
+          <a:p>
+            <a:pPr algn="ctr"/>
+            <a:endParaRPr lang="it-IT"/>
+          </a:p>
+        </p:txBody>
+      </p:sp>
+      <p:sp>
+        <p:nvSpPr>
+          <p:cNvPr id="71" name="Ovale 70">
+            <a:extLst>
+              <a:ext uri="{FF2B5EF4-FFF2-40B4-BE49-F238E27FC236}">
+                <a16:creationId xmlns:a16="http://schemas.microsoft.com/office/drawing/2014/main" id="{01EF81DE-2C6F-4956-8E7C-35D0BCF6430D}"/>
+              </a:ext>
+            </a:extLst>
+          </p:cNvPr>
+          <p:cNvSpPr/>
+          <p:nvPr/>
+        </p:nvSpPr>
+        <p:spPr>
+          <a:xfrm>
+            <a:off x="6515180" y="2022295"/>
+            <a:ext cx="403782" cy="403783"/>
+          </a:xfrm>
+          <a:prstGeom prst="ellipse">
+            <a:avLst/>
+          </a:prstGeom>
+          <a:solidFill>
+            <a:srgbClr val="00B050"/>
+          </a:solidFill>
+          <a:ln>
+            <a:noFill/>
+          </a:ln>
+        </p:spPr>
+        <p:style>
+          <a:lnRef idx="2">
+            <a:schemeClr val="accent1">
+              <a:shade val="50000"/>
+            </a:schemeClr>
+          </a:lnRef>
+          <a:fillRef idx="1">
+            <a:schemeClr val="accent1"/>
+          </a:fillRef>
+          <a:effectRef idx="0">
+            <a:schemeClr val="accent1"/>
+          </a:effectRef>
+          <a:fontRef idx="minor">
+            <a:schemeClr val="lt1"/>
+          </a:fontRef>
+        </p:style>
+        <p:txBody>
+          <a:bodyPr rtlCol="0" anchor="ctr"/>
+          <a:lstStyle/>
+          <a:p>
+            <a:pPr algn="ctr"/>
+            <a:endParaRPr lang="it-IT"/>
+          </a:p>
+        </p:txBody>
+      </p:sp>
+      <p:sp>
+        <p:nvSpPr>
+          <p:cNvPr id="72" name="Ovale 71">
+            <a:extLst>
+              <a:ext uri="{FF2B5EF4-FFF2-40B4-BE49-F238E27FC236}">
+                <a16:creationId xmlns:a16="http://schemas.microsoft.com/office/drawing/2014/main" id="{74DD433C-7538-48D8-B587-CB2D46EA5723}"/>
+              </a:ext>
+            </a:extLst>
+          </p:cNvPr>
+          <p:cNvSpPr/>
+          <p:nvPr/>
+        </p:nvSpPr>
+        <p:spPr>
+          <a:xfrm>
+            <a:off x="6312829" y="4126015"/>
+            <a:ext cx="895433" cy="403783"/>
+          </a:xfrm>
+          <a:prstGeom prst="ellipse">
+            <a:avLst/>
+          </a:prstGeom>
+          <a:solidFill>
+            <a:srgbClr val="92D050"/>
           </a:solidFill>
           <a:ln>
             <a:noFill/>
